--- a/pelatihan_gazebo.pptx
+++ b/pelatihan_gazebo.pptx
@@ -3,15 +3,17 @@
 <p:presentation xmlns:a="http://schemas.openxmlformats.org/drawingml/2006/main" xmlns:p="http://schemas.openxmlformats.org/presentationml/2006/main" xmlns:r="http://schemas.openxmlformats.org/officeDocument/2006/relationships" xmlns:p14="http://schemas.microsoft.com/office/powerpoint/2010/main" xmlns:p15="http://schemas.microsoft.com/office/powerpoint/2012/main" xmlns:mc="http://schemas.openxmlformats.org/markup-compatibility/2006">
   <p:sldMasterIdLst>
     <p:sldMasterId id="2147483648" r:id="rId2"/>
+    <p:sldMasterId id="2147483661" r:id="rId3"/>
   </p:sldMasterIdLst>
   <p:sldIdLst>
-    <p:sldId id="256" r:id="rId3"/>
-    <p:sldId id="257" r:id="rId4"/>
-    <p:sldId id="258" r:id="rId5"/>
-    <p:sldId id="259" r:id="rId6"/>
-    <p:sldId id="260" r:id="rId7"/>
-    <p:sldId id="261" r:id="rId8"/>
-    <p:sldId id="262" r:id="rId9"/>
+    <p:sldId id="256" r:id="rId4"/>
+    <p:sldId id="257" r:id="rId5"/>
+    <p:sldId id="258" r:id="rId6"/>
+    <p:sldId id="259" r:id="rId7"/>
+    <p:sldId id="260" r:id="rId8"/>
+    <p:sldId id="261" r:id="rId9"/>
+    <p:sldId id="262" r:id="rId10"/>
+    <p:sldId id="263" r:id="rId11"/>
   </p:sldIdLst>
   <p:sldSz cx="10080625" cy="5670550"/>
   <p:notesSz cx="7772400" cy="10058400"/>
@@ -59,7 +61,7 @@
       </p:grpSpPr>
       <p:sp>
         <p:nvSpPr>
-          <p:cNvPr id="26" name="PlaceHolder 1"/>
+          <p:cNvPr id="23" name="PlaceHolder 1"/>
           <p:cNvSpPr>
             <a:spLocks noGrp="1"/>
           </p:cNvSpPr>
@@ -70,7 +72,7 @@
         <p:spPr>
           <a:xfrm>
             <a:off x="504000" y="226080"/>
-            <a:ext cx="9071640" cy="946440"/>
+            <a:ext cx="9071280" cy="946080"/>
           </a:xfrm>
           <a:prstGeom prst="rect">
             <a:avLst/>
@@ -88,7 +90,7 @@
       </p:sp>
       <p:sp>
         <p:nvSpPr>
-          <p:cNvPr id="27" name="PlaceHolder 2"/>
+          <p:cNvPr id="24" name="PlaceHolder 2"/>
           <p:cNvSpPr>
             <a:spLocks noGrp="1"/>
           </p:cNvSpPr>
@@ -99,7 +101,7 @@
         <p:spPr>
           <a:xfrm>
             <a:off x="504000" y="1326600"/>
-            <a:ext cx="9071640" cy="1568160"/>
+            <a:ext cx="9071280" cy="1568160"/>
           </a:xfrm>
           <a:prstGeom prst="rect">
             <a:avLst/>
@@ -118,7 +120,7 @@
       </p:sp>
       <p:sp>
         <p:nvSpPr>
-          <p:cNvPr id="28" name="PlaceHolder 3"/>
+          <p:cNvPr id="25" name="PlaceHolder 3"/>
           <p:cNvSpPr>
             <a:spLocks noGrp="1"/>
           </p:cNvSpPr>
@@ -129,7 +131,7 @@
         <p:spPr>
           <a:xfrm>
             <a:off x="504000" y="3044160"/>
-            <a:ext cx="9071640" cy="1568160"/>
+            <a:ext cx="9071280" cy="1568160"/>
           </a:xfrm>
           <a:prstGeom prst="rect">
             <a:avLst/>
@@ -170,7 +172,7 @@
       </p:grpSpPr>
       <p:sp>
         <p:nvSpPr>
-          <p:cNvPr id="29" name="PlaceHolder 1"/>
+          <p:cNvPr id="26" name="PlaceHolder 1"/>
           <p:cNvSpPr>
             <a:spLocks noGrp="1"/>
           </p:cNvSpPr>
@@ -181,7 +183,7 @@
         <p:spPr>
           <a:xfrm>
             <a:off x="504000" y="226080"/>
-            <a:ext cx="9071640" cy="946440"/>
+            <a:ext cx="9071280" cy="946080"/>
           </a:xfrm>
           <a:prstGeom prst="rect">
             <a:avLst/>
@@ -199,7 +201,7 @@
       </p:sp>
       <p:sp>
         <p:nvSpPr>
-          <p:cNvPr id="30" name="PlaceHolder 2"/>
+          <p:cNvPr id="27" name="PlaceHolder 2"/>
           <p:cNvSpPr>
             <a:spLocks noGrp="1"/>
           </p:cNvSpPr>
@@ -210,7 +212,7 @@
         <p:spPr>
           <a:xfrm>
             <a:off x="504000" y="1326600"/>
-            <a:ext cx="4426920" cy="1568160"/>
+            <a:ext cx="4426560" cy="1568160"/>
           </a:xfrm>
           <a:prstGeom prst="rect">
             <a:avLst/>
@@ -229,7 +231,7 @@
       </p:sp>
       <p:sp>
         <p:nvSpPr>
-          <p:cNvPr id="31" name="PlaceHolder 3"/>
+          <p:cNvPr id="28" name="PlaceHolder 3"/>
           <p:cNvSpPr>
             <a:spLocks noGrp="1"/>
           </p:cNvSpPr>
@@ -239,8 +241,8 @@
         </p:nvSpPr>
         <p:spPr>
           <a:xfrm>
-            <a:off x="5152680" y="1326600"/>
-            <a:ext cx="4426920" cy="1568160"/>
+            <a:off x="5152320" y="1326600"/>
+            <a:ext cx="4426560" cy="1568160"/>
           </a:xfrm>
           <a:prstGeom prst="rect">
             <a:avLst/>
@@ -259,7 +261,7 @@
       </p:sp>
       <p:sp>
         <p:nvSpPr>
-          <p:cNvPr id="32" name="PlaceHolder 4"/>
+          <p:cNvPr id="29" name="PlaceHolder 4"/>
           <p:cNvSpPr>
             <a:spLocks noGrp="1"/>
           </p:cNvSpPr>
@@ -270,7 +272,7 @@
         <p:spPr>
           <a:xfrm>
             <a:off x="504000" y="3044160"/>
-            <a:ext cx="4426920" cy="1568160"/>
+            <a:ext cx="4426560" cy="1568160"/>
           </a:xfrm>
           <a:prstGeom prst="rect">
             <a:avLst/>
@@ -289,7 +291,7 @@
       </p:sp>
       <p:sp>
         <p:nvSpPr>
-          <p:cNvPr id="33" name="PlaceHolder 5"/>
+          <p:cNvPr id="30" name="PlaceHolder 5"/>
           <p:cNvSpPr>
             <a:spLocks noGrp="1"/>
           </p:cNvSpPr>
@@ -299,8 +301,8 @@
         </p:nvSpPr>
         <p:spPr>
           <a:xfrm>
-            <a:off x="5152680" y="3044160"/>
-            <a:ext cx="4426920" cy="1568160"/>
+            <a:off x="5152320" y="3044160"/>
+            <a:ext cx="4426560" cy="1568160"/>
           </a:xfrm>
           <a:prstGeom prst="rect">
             <a:avLst/>
@@ -341,7 +343,7 @@
       </p:grpSpPr>
       <p:sp>
         <p:nvSpPr>
-          <p:cNvPr id="34" name="PlaceHolder 1"/>
+          <p:cNvPr id="31" name="PlaceHolder 1"/>
           <p:cNvSpPr>
             <a:spLocks noGrp="1"/>
           </p:cNvSpPr>
@@ -352,7 +354,7 @@
         <p:spPr>
           <a:xfrm>
             <a:off x="504000" y="226080"/>
-            <a:ext cx="9071640" cy="946440"/>
+            <a:ext cx="9071280" cy="946080"/>
           </a:xfrm>
           <a:prstGeom prst="rect">
             <a:avLst/>
@@ -370,7 +372,7 @@
       </p:sp>
       <p:sp>
         <p:nvSpPr>
-          <p:cNvPr id="35" name="PlaceHolder 2"/>
+          <p:cNvPr id="32" name="PlaceHolder 2"/>
           <p:cNvSpPr>
             <a:spLocks noGrp="1"/>
           </p:cNvSpPr>
@@ -400,7 +402,7 @@
       </p:sp>
       <p:sp>
         <p:nvSpPr>
-          <p:cNvPr id="36" name="PlaceHolder 3"/>
+          <p:cNvPr id="33" name="PlaceHolder 3"/>
           <p:cNvSpPr>
             <a:spLocks noGrp="1"/>
           </p:cNvSpPr>
@@ -430,7 +432,7 @@
       </p:sp>
       <p:sp>
         <p:nvSpPr>
-          <p:cNvPr id="37" name="PlaceHolder 4"/>
+          <p:cNvPr id="34" name="PlaceHolder 4"/>
           <p:cNvSpPr>
             <a:spLocks noGrp="1"/>
           </p:cNvSpPr>
@@ -460,7 +462,7 @@
       </p:sp>
       <p:sp>
         <p:nvSpPr>
-          <p:cNvPr id="38" name="PlaceHolder 5"/>
+          <p:cNvPr id="35" name="PlaceHolder 5"/>
           <p:cNvSpPr>
             <a:spLocks noGrp="1"/>
           </p:cNvSpPr>
@@ -490,7 +492,7 @@
       </p:sp>
       <p:sp>
         <p:nvSpPr>
-          <p:cNvPr id="39" name="PlaceHolder 6"/>
+          <p:cNvPr id="36" name="PlaceHolder 6"/>
           <p:cNvSpPr>
             <a:spLocks noGrp="1"/>
           </p:cNvSpPr>
@@ -520,7 +522,7 @@
       </p:sp>
       <p:sp>
         <p:nvSpPr>
-          <p:cNvPr id="40" name="PlaceHolder 7"/>
+          <p:cNvPr id="37" name="PlaceHolder 7"/>
           <p:cNvSpPr>
             <a:spLocks noGrp="1"/>
           </p:cNvSpPr>
@@ -532,6 +534,543 @@
           <a:xfrm>
             <a:off x="6638040" y="3044160"/>
             <a:ext cx="2920680" cy="1568160"/>
+          </a:xfrm>
+          <a:prstGeom prst="rect">
+            <a:avLst/>
+          </a:prstGeom>
+        </p:spPr>
+        <p:txBody>
+          <a:bodyPr lIns="0" rIns="0" tIns="0" bIns="0">
+            <a:normAutofit/>
+          </a:bodyPr>
+          <a:p>
+            <a:endParaRPr b="0" lang="en-US" sz="3200" spc="-1" strike="noStrike">
+              <a:latin typeface="Arial"/>
+            </a:endParaRPr>
+          </a:p>
+        </p:txBody>
+      </p:sp>
+    </p:spTree>
+  </p:cSld>
+</p:sldLayout>
+</file>
+
+<file path=ppt/slideLayouts/slideLayout13.xml><?xml version="1.0" encoding="utf-8"?>
+<p:sldLayout xmlns:a="http://schemas.openxmlformats.org/drawingml/2006/main" xmlns:p="http://schemas.openxmlformats.org/presentationml/2006/main" xmlns:r="http://schemas.openxmlformats.org/officeDocument/2006/relationships" xmlns:p14="http://schemas.microsoft.com/office/powerpoint/2010/main" xmlns:p15="http://schemas.microsoft.com/office/powerpoint/2012/main" xmlns:mc="http://schemas.openxmlformats.org/markup-compatibility/2006" type="blank" preserve="1">
+  <p:cSld name="Blank Slide">
+    <p:spTree>
+      <p:nvGrpSpPr>
+        <p:cNvPr id="1" name=""/>
+        <p:cNvGrpSpPr/>
+        <p:nvPr/>
+      </p:nvGrpSpPr>
+      <p:grpSpPr>
+        <a:xfrm>
+          <a:off x="0" y="0"/>
+          <a:ext cx="0" cy="0"/>
+          <a:chOff x="0" y="0"/>
+          <a:chExt cx="0" cy="0"/>
+        </a:xfrm>
+      </p:grpSpPr>
+    </p:spTree>
+  </p:cSld>
+</p:sldLayout>
+</file>
+
+<file path=ppt/slideLayouts/slideLayout14.xml><?xml version="1.0" encoding="utf-8"?>
+<p:sldLayout xmlns:a="http://schemas.openxmlformats.org/drawingml/2006/main" xmlns:p="http://schemas.openxmlformats.org/presentationml/2006/main" xmlns:r="http://schemas.openxmlformats.org/officeDocument/2006/relationships" xmlns:p14="http://schemas.microsoft.com/office/powerpoint/2010/main" xmlns:p15="http://schemas.microsoft.com/office/powerpoint/2012/main" xmlns:mc="http://schemas.openxmlformats.org/markup-compatibility/2006" type="tx" preserve="1">
+  <p:cSld name="Title Slide">
+    <p:spTree>
+      <p:nvGrpSpPr>
+        <p:cNvPr id="1" name=""/>
+        <p:cNvGrpSpPr/>
+        <p:nvPr/>
+      </p:nvGrpSpPr>
+      <p:grpSpPr>
+        <a:xfrm>
+          <a:off x="0" y="0"/>
+          <a:ext cx="0" cy="0"/>
+          <a:chOff x="0" y="0"/>
+          <a:chExt cx="0" cy="0"/>
+        </a:xfrm>
+      </p:grpSpPr>
+      <p:sp>
+        <p:nvSpPr>
+          <p:cNvPr id="40" name="PlaceHolder 1"/>
+          <p:cNvSpPr>
+            <a:spLocks noGrp="1"/>
+          </p:cNvSpPr>
+          <p:nvPr>
+            <p:ph type="title"/>
+          </p:nvPr>
+        </p:nvSpPr>
+        <p:spPr>
+          <a:xfrm>
+            <a:off x="504000" y="226080"/>
+            <a:ext cx="9071280" cy="946080"/>
+          </a:xfrm>
+          <a:prstGeom prst="rect">
+            <a:avLst/>
+          </a:prstGeom>
+        </p:spPr>
+        <p:txBody>
+          <a:bodyPr lIns="0" rIns="0" tIns="0" bIns="0" anchor="ctr"/>
+          <a:p>
+            <a:pPr algn="ctr"/>
+            <a:endParaRPr b="0" lang="en-US" sz="4400" spc="-1" strike="noStrike">
+              <a:latin typeface="Arial"/>
+            </a:endParaRPr>
+          </a:p>
+        </p:txBody>
+      </p:sp>
+      <p:sp>
+        <p:nvSpPr>
+          <p:cNvPr id="41" name="PlaceHolder 2"/>
+          <p:cNvSpPr>
+            <a:spLocks noGrp="1"/>
+          </p:cNvSpPr>
+          <p:nvPr>
+            <p:ph type="subTitle"/>
+          </p:nvPr>
+        </p:nvSpPr>
+        <p:spPr>
+          <a:xfrm>
+            <a:off x="504000" y="1326600"/>
+            <a:ext cx="9071280" cy="3287880"/>
+          </a:xfrm>
+          <a:prstGeom prst="rect">
+            <a:avLst/>
+          </a:prstGeom>
+        </p:spPr>
+        <p:txBody>
+          <a:bodyPr lIns="0" rIns="0" tIns="0" bIns="0" anchor="ctr"/>
+          <a:p>
+            <a:pPr algn="ctr"/>
+            <a:endParaRPr b="0" lang="en-US" sz="3200" spc="-1" strike="noStrike">
+              <a:latin typeface="Arial"/>
+            </a:endParaRPr>
+          </a:p>
+        </p:txBody>
+      </p:sp>
+    </p:spTree>
+  </p:cSld>
+</p:sldLayout>
+</file>
+
+<file path=ppt/slideLayouts/slideLayout15.xml><?xml version="1.0" encoding="utf-8"?>
+<p:sldLayout xmlns:a="http://schemas.openxmlformats.org/drawingml/2006/main" xmlns:p="http://schemas.openxmlformats.org/presentationml/2006/main" xmlns:r="http://schemas.openxmlformats.org/officeDocument/2006/relationships" xmlns:p14="http://schemas.microsoft.com/office/powerpoint/2010/main" xmlns:p15="http://schemas.microsoft.com/office/powerpoint/2012/main" xmlns:mc="http://schemas.openxmlformats.org/markup-compatibility/2006" type="obj" preserve="1">
+  <p:cSld name="Title, Content">
+    <p:spTree>
+      <p:nvGrpSpPr>
+        <p:cNvPr id="1" name=""/>
+        <p:cNvGrpSpPr/>
+        <p:nvPr/>
+      </p:nvGrpSpPr>
+      <p:grpSpPr>
+        <a:xfrm>
+          <a:off x="0" y="0"/>
+          <a:ext cx="0" cy="0"/>
+          <a:chOff x="0" y="0"/>
+          <a:chExt cx="0" cy="0"/>
+        </a:xfrm>
+      </p:grpSpPr>
+      <p:sp>
+        <p:nvSpPr>
+          <p:cNvPr id="42" name="PlaceHolder 1"/>
+          <p:cNvSpPr>
+            <a:spLocks noGrp="1"/>
+          </p:cNvSpPr>
+          <p:nvPr>
+            <p:ph type="title"/>
+          </p:nvPr>
+        </p:nvSpPr>
+        <p:spPr>
+          <a:xfrm>
+            <a:off x="504000" y="226080"/>
+            <a:ext cx="9071280" cy="946080"/>
+          </a:xfrm>
+          <a:prstGeom prst="rect">
+            <a:avLst/>
+          </a:prstGeom>
+        </p:spPr>
+        <p:txBody>
+          <a:bodyPr lIns="0" rIns="0" tIns="0" bIns="0" anchor="ctr"/>
+          <a:p>
+            <a:pPr algn="ctr"/>
+            <a:endParaRPr b="0" lang="en-US" sz="4400" spc="-1" strike="noStrike">
+              <a:latin typeface="Arial"/>
+            </a:endParaRPr>
+          </a:p>
+        </p:txBody>
+      </p:sp>
+      <p:sp>
+        <p:nvSpPr>
+          <p:cNvPr id="43" name="PlaceHolder 2"/>
+          <p:cNvSpPr>
+            <a:spLocks noGrp="1"/>
+          </p:cNvSpPr>
+          <p:nvPr>
+            <p:ph type="body"/>
+          </p:nvPr>
+        </p:nvSpPr>
+        <p:spPr>
+          <a:xfrm>
+            <a:off x="504000" y="1326600"/>
+            <a:ext cx="9071280" cy="3287880"/>
+          </a:xfrm>
+          <a:prstGeom prst="rect">
+            <a:avLst/>
+          </a:prstGeom>
+        </p:spPr>
+        <p:txBody>
+          <a:bodyPr lIns="0" rIns="0" tIns="0" bIns="0">
+            <a:normAutofit/>
+          </a:bodyPr>
+          <a:p>
+            <a:endParaRPr b="0" lang="en-US" sz="3200" spc="-1" strike="noStrike">
+              <a:latin typeface="Arial"/>
+            </a:endParaRPr>
+          </a:p>
+        </p:txBody>
+      </p:sp>
+    </p:spTree>
+  </p:cSld>
+</p:sldLayout>
+</file>
+
+<file path=ppt/slideLayouts/slideLayout16.xml><?xml version="1.0" encoding="utf-8"?>
+<p:sldLayout xmlns:a="http://schemas.openxmlformats.org/drawingml/2006/main" xmlns:p="http://schemas.openxmlformats.org/presentationml/2006/main" xmlns:r="http://schemas.openxmlformats.org/officeDocument/2006/relationships" xmlns:p14="http://schemas.microsoft.com/office/powerpoint/2010/main" xmlns:p15="http://schemas.microsoft.com/office/powerpoint/2012/main" xmlns:mc="http://schemas.openxmlformats.org/markup-compatibility/2006" type="twoObj" preserve="1">
+  <p:cSld name="Title, 2 Content">
+    <p:spTree>
+      <p:nvGrpSpPr>
+        <p:cNvPr id="1" name=""/>
+        <p:cNvGrpSpPr/>
+        <p:nvPr/>
+      </p:nvGrpSpPr>
+      <p:grpSpPr>
+        <a:xfrm>
+          <a:off x="0" y="0"/>
+          <a:ext cx="0" cy="0"/>
+          <a:chOff x="0" y="0"/>
+          <a:chExt cx="0" cy="0"/>
+        </a:xfrm>
+      </p:grpSpPr>
+      <p:sp>
+        <p:nvSpPr>
+          <p:cNvPr id="44" name="PlaceHolder 1"/>
+          <p:cNvSpPr>
+            <a:spLocks noGrp="1"/>
+          </p:cNvSpPr>
+          <p:nvPr>
+            <p:ph type="title"/>
+          </p:nvPr>
+        </p:nvSpPr>
+        <p:spPr>
+          <a:xfrm>
+            <a:off x="504000" y="226080"/>
+            <a:ext cx="9071280" cy="946080"/>
+          </a:xfrm>
+          <a:prstGeom prst="rect">
+            <a:avLst/>
+          </a:prstGeom>
+        </p:spPr>
+        <p:txBody>
+          <a:bodyPr lIns="0" rIns="0" tIns="0" bIns="0" anchor="ctr"/>
+          <a:p>
+            <a:pPr algn="ctr"/>
+            <a:endParaRPr b="0" lang="en-US" sz="4400" spc="-1" strike="noStrike">
+              <a:latin typeface="Arial"/>
+            </a:endParaRPr>
+          </a:p>
+        </p:txBody>
+      </p:sp>
+      <p:sp>
+        <p:nvSpPr>
+          <p:cNvPr id="45" name="PlaceHolder 2"/>
+          <p:cNvSpPr>
+            <a:spLocks noGrp="1"/>
+          </p:cNvSpPr>
+          <p:nvPr>
+            <p:ph type="body"/>
+          </p:nvPr>
+        </p:nvSpPr>
+        <p:spPr>
+          <a:xfrm>
+            <a:off x="504000" y="1326600"/>
+            <a:ext cx="4426560" cy="3287880"/>
+          </a:xfrm>
+          <a:prstGeom prst="rect">
+            <a:avLst/>
+          </a:prstGeom>
+        </p:spPr>
+        <p:txBody>
+          <a:bodyPr lIns="0" rIns="0" tIns="0" bIns="0">
+            <a:normAutofit/>
+          </a:bodyPr>
+          <a:p>
+            <a:endParaRPr b="0" lang="en-US" sz="3200" spc="-1" strike="noStrike">
+              <a:latin typeface="Arial"/>
+            </a:endParaRPr>
+          </a:p>
+        </p:txBody>
+      </p:sp>
+      <p:sp>
+        <p:nvSpPr>
+          <p:cNvPr id="46" name="PlaceHolder 3"/>
+          <p:cNvSpPr>
+            <a:spLocks noGrp="1"/>
+          </p:cNvSpPr>
+          <p:nvPr>
+            <p:ph type="body"/>
+          </p:nvPr>
+        </p:nvSpPr>
+        <p:spPr>
+          <a:xfrm>
+            <a:off x="5152320" y="1326600"/>
+            <a:ext cx="4426560" cy="3287880"/>
+          </a:xfrm>
+          <a:prstGeom prst="rect">
+            <a:avLst/>
+          </a:prstGeom>
+        </p:spPr>
+        <p:txBody>
+          <a:bodyPr lIns="0" rIns="0" tIns="0" bIns="0">
+            <a:normAutofit/>
+          </a:bodyPr>
+          <a:p>
+            <a:endParaRPr b="0" lang="en-US" sz="3200" spc="-1" strike="noStrike">
+              <a:latin typeface="Arial"/>
+            </a:endParaRPr>
+          </a:p>
+        </p:txBody>
+      </p:sp>
+    </p:spTree>
+  </p:cSld>
+</p:sldLayout>
+</file>
+
+<file path=ppt/slideLayouts/slideLayout17.xml><?xml version="1.0" encoding="utf-8"?>
+<p:sldLayout xmlns:a="http://schemas.openxmlformats.org/drawingml/2006/main" xmlns:p="http://schemas.openxmlformats.org/presentationml/2006/main" xmlns:r="http://schemas.openxmlformats.org/officeDocument/2006/relationships" xmlns:p14="http://schemas.microsoft.com/office/powerpoint/2010/main" xmlns:p15="http://schemas.microsoft.com/office/powerpoint/2012/main" xmlns:mc="http://schemas.openxmlformats.org/markup-compatibility/2006" type="titleOnly" preserve="1">
+  <p:cSld name="Title Only">
+    <p:spTree>
+      <p:nvGrpSpPr>
+        <p:cNvPr id="1" name=""/>
+        <p:cNvGrpSpPr/>
+        <p:nvPr/>
+      </p:nvGrpSpPr>
+      <p:grpSpPr>
+        <a:xfrm>
+          <a:off x="0" y="0"/>
+          <a:ext cx="0" cy="0"/>
+          <a:chOff x="0" y="0"/>
+          <a:chExt cx="0" cy="0"/>
+        </a:xfrm>
+      </p:grpSpPr>
+      <p:sp>
+        <p:nvSpPr>
+          <p:cNvPr id="47" name="PlaceHolder 1"/>
+          <p:cNvSpPr>
+            <a:spLocks noGrp="1"/>
+          </p:cNvSpPr>
+          <p:nvPr>
+            <p:ph type="title"/>
+          </p:nvPr>
+        </p:nvSpPr>
+        <p:spPr>
+          <a:xfrm>
+            <a:off x="504000" y="226080"/>
+            <a:ext cx="9071280" cy="946080"/>
+          </a:xfrm>
+          <a:prstGeom prst="rect">
+            <a:avLst/>
+          </a:prstGeom>
+        </p:spPr>
+        <p:txBody>
+          <a:bodyPr lIns="0" rIns="0" tIns="0" bIns="0" anchor="ctr"/>
+          <a:p>
+            <a:pPr algn="ctr"/>
+            <a:endParaRPr b="0" lang="en-US" sz="4400" spc="-1" strike="noStrike">
+              <a:latin typeface="Arial"/>
+            </a:endParaRPr>
+          </a:p>
+        </p:txBody>
+      </p:sp>
+    </p:spTree>
+  </p:cSld>
+</p:sldLayout>
+</file>
+
+<file path=ppt/slideLayouts/slideLayout18.xml><?xml version="1.0" encoding="utf-8"?>
+<p:sldLayout xmlns:a="http://schemas.openxmlformats.org/drawingml/2006/main" xmlns:p="http://schemas.openxmlformats.org/presentationml/2006/main" xmlns:r="http://schemas.openxmlformats.org/officeDocument/2006/relationships" xmlns:p14="http://schemas.microsoft.com/office/powerpoint/2010/main" xmlns:p15="http://schemas.microsoft.com/office/powerpoint/2012/main" xmlns:mc="http://schemas.openxmlformats.org/markup-compatibility/2006" type="objOnly" preserve="1">
+  <p:cSld name="Centered Text">
+    <p:spTree>
+      <p:nvGrpSpPr>
+        <p:cNvPr id="1" name=""/>
+        <p:cNvGrpSpPr/>
+        <p:nvPr/>
+      </p:nvGrpSpPr>
+      <p:grpSpPr>
+        <a:xfrm>
+          <a:off x="0" y="0"/>
+          <a:ext cx="0" cy="0"/>
+          <a:chOff x="0" y="0"/>
+          <a:chExt cx="0" cy="0"/>
+        </a:xfrm>
+      </p:grpSpPr>
+      <p:sp>
+        <p:nvSpPr>
+          <p:cNvPr id="48" name="PlaceHolder 1"/>
+          <p:cNvSpPr>
+            <a:spLocks noGrp="1"/>
+          </p:cNvSpPr>
+          <p:nvPr>
+            <p:ph type="subTitle"/>
+          </p:nvPr>
+        </p:nvSpPr>
+        <p:spPr>
+          <a:xfrm>
+            <a:off x="504000" y="226080"/>
+            <a:ext cx="9071280" cy="4386600"/>
+          </a:xfrm>
+          <a:prstGeom prst="rect">
+            <a:avLst/>
+          </a:prstGeom>
+        </p:spPr>
+        <p:txBody>
+          <a:bodyPr lIns="0" rIns="0" tIns="0" bIns="0" anchor="ctr"/>
+          <a:p>
+            <a:pPr algn="ctr"/>
+            <a:endParaRPr b="0" lang="en-US" sz="3200" spc="-1" strike="noStrike">
+              <a:latin typeface="Arial"/>
+            </a:endParaRPr>
+          </a:p>
+        </p:txBody>
+      </p:sp>
+    </p:spTree>
+  </p:cSld>
+</p:sldLayout>
+</file>
+
+<file path=ppt/slideLayouts/slideLayout19.xml><?xml version="1.0" encoding="utf-8"?>
+<p:sldLayout xmlns:a="http://schemas.openxmlformats.org/drawingml/2006/main" xmlns:p="http://schemas.openxmlformats.org/presentationml/2006/main" xmlns:r="http://schemas.openxmlformats.org/officeDocument/2006/relationships" xmlns:p14="http://schemas.microsoft.com/office/powerpoint/2010/main" xmlns:p15="http://schemas.microsoft.com/office/powerpoint/2012/main" xmlns:mc="http://schemas.openxmlformats.org/markup-compatibility/2006" type="twoObjAndObj" preserve="1">
+  <p:cSld name="Title, 2 Content and Content">
+    <p:spTree>
+      <p:nvGrpSpPr>
+        <p:cNvPr id="1" name=""/>
+        <p:cNvGrpSpPr/>
+        <p:nvPr/>
+      </p:nvGrpSpPr>
+      <p:grpSpPr>
+        <a:xfrm>
+          <a:off x="0" y="0"/>
+          <a:ext cx="0" cy="0"/>
+          <a:chOff x="0" y="0"/>
+          <a:chExt cx="0" cy="0"/>
+        </a:xfrm>
+      </p:grpSpPr>
+      <p:sp>
+        <p:nvSpPr>
+          <p:cNvPr id="49" name="PlaceHolder 1"/>
+          <p:cNvSpPr>
+            <a:spLocks noGrp="1"/>
+          </p:cNvSpPr>
+          <p:nvPr>
+            <p:ph type="title"/>
+          </p:nvPr>
+        </p:nvSpPr>
+        <p:spPr>
+          <a:xfrm>
+            <a:off x="504000" y="226080"/>
+            <a:ext cx="9071280" cy="946080"/>
+          </a:xfrm>
+          <a:prstGeom prst="rect">
+            <a:avLst/>
+          </a:prstGeom>
+        </p:spPr>
+        <p:txBody>
+          <a:bodyPr lIns="0" rIns="0" tIns="0" bIns="0" anchor="ctr"/>
+          <a:p>
+            <a:pPr algn="ctr"/>
+            <a:endParaRPr b="0" lang="en-US" sz="4400" spc="-1" strike="noStrike">
+              <a:latin typeface="Arial"/>
+            </a:endParaRPr>
+          </a:p>
+        </p:txBody>
+      </p:sp>
+      <p:sp>
+        <p:nvSpPr>
+          <p:cNvPr id="50" name="PlaceHolder 2"/>
+          <p:cNvSpPr>
+            <a:spLocks noGrp="1"/>
+          </p:cNvSpPr>
+          <p:nvPr>
+            <p:ph type="body"/>
+          </p:nvPr>
+        </p:nvSpPr>
+        <p:spPr>
+          <a:xfrm>
+            <a:off x="504000" y="1326600"/>
+            <a:ext cx="4426560" cy="1568160"/>
+          </a:xfrm>
+          <a:prstGeom prst="rect">
+            <a:avLst/>
+          </a:prstGeom>
+        </p:spPr>
+        <p:txBody>
+          <a:bodyPr lIns="0" rIns="0" tIns="0" bIns="0">
+            <a:normAutofit/>
+          </a:bodyPr>
+          <a:p>
+            <a:endParaRPr b="0" lang="en-US" sz="3200" spc="-1" strike="noStrike">
+              <a:latin typeface="Arial"/>
+            </a:endParaRPr>
+          </a:p>
+        </p:txBody>
+      </p:sp>
+      <p:sp>
+        <p:nvSpPr>
+          <p:cNvPr id="51" name="PlaceHolder 3"/>
+          <p:cNvSpPr>
+            <a:spLocks noGrp="1"/>
+          </p:cNvSpPr>
+          <p:nvPr>
+            <p:ph type="body"/>
+          </p:nvPr>
+        </p:nvSpPr>
+        <p:spPr>
+          <a:xfrm>
+            <a:off x="5152320" y="1326600"/>
+            <a:ext cx="4426560" cy="3287880"/>
+          </a:xfrm>
+          <a:prstGeom prst="rect">
+            <a:avLst/>
+          </a:prstGeom>
+        </p:spPr>
+        <p:txBody>
+          <a:bodyPr lIns="0" rIns="0" tIns="0" bIns="0">
+            <a:normAutofit/>
+          </a:bodyPr>
+          <a:p>
+            <a:endParaRPr b="0" lang="en-US" sz="3200" spc="-1" strike="noStrike">
+              <a:latin typeface="Arial"/>
+            </a:endParaRPr>
+          </a:p>
+        </p:txBody>
+      </p:sp>
+      <p:sp>
+        <p:nvSpPr>
+          <p:cNvPr id="52" name="PlaceHolder 4"/>
+          <p:cNvSpPr>
+            <a:spLocks noGrp="1"/>
+          </p:cNvSpPr>
+          <p:nvPr>
+            <p:ph type="body"/>
+          </p:nvPr>
+        </p:nvSpPr>
+        <p:spPr>
+          <a:xfrm>
+            <a:off x="504000" y="3044160"/>
+            <a:ext cx="4426560" cy="1568160"/>
           </a:xfrm>
           <a:prstGeom prst="rect">
             <a:avLst/>
@@ -572,7 +1111,7 @@
       </p:grpSpPr>
       <p:sp>
         <p:nvSpPr>
-          <p:cNvPr id="5" name="PlaceHolder 1"/>
+          <p:cNvPr id="2" name="PlaceHolder 1"/>
           <p:cNvSpPr>
             <a:spLocks noGrp="1"/>
           </p:cNvSpPr>
@@ -583,7 +1122,7 @@
         <p:spPr>
           <a:xfrm>
             <a:off x="504000" y="226080"/>
-            <a:ext cx="9071640" cy="946440"/>
+            <a:ext cx="9071280" cy="946080"/>
           </a:xfrm>
           <a:prstGeom prst="rect">
             <a:avLst/>
@@ -601,7 +1140,7 @@
       </p:sp>
       <p:sp>
         <p:nvSpPr>
-          <p:cNvPr id="6" name="PlaceHolder 2"/>
+          <p:cNvPr id="3" name="PlaceHolder 2"/>
           <p:cNvSpPr>
             <a:spLocks noGrp="1"/>
           </p:cNvSpPr>
@@ -612,7 +1151,7 @@
         <p:spPr>
           <a:xfrm>
             <a:off x="504000" y="1326600"/>
-            <a:ext cx="9071640" cy="3288240"/>
+            <a:ext cx="9071280" cy="3287880"/>
           </a:xfrm>
           <a:prstGeom prst="rect">
             <a:avLst/>
@@ -622,6 +1161,801 @@
           <a:bodyPr lIns="0" rIns="0" tIns="0" bIns="0" anchor="ctr"/>
           <a:p>
             <a:pPr algn="ctr"/>
+            <a:endParaRPr b="0" lang="en-US" sz="3200" spc="-1" strike="noStrike">
+              <a:latin typeface="Arial"/>
+            </a:endParaRPr>
+          </a:p>
+        </p:txBody>
+      </p:sp>
+    </p:spTree>
+  </p:cSld>
+</p:sldLayout>
+</file>
+
+<file path=ppt/slideLayouts/slideLayout20.xml><?xml version="1.0" encoding="utf-8"?>
+<p:sldLayout xmlns:a="http://schemas.openxmlformats.org/drawingml/2006/main" xmlns:p="http://schemas.openxmlformats.org/presentationml/2006/main" xmlns:r="http://schemas.openxmlformats.org/officeDocument/2006/relationships" xmlns:p14="http://schemas.microsoft.com/office/powerpoint/2010/main" xmlns:p15="http://schemas.microsoft.com/office/powerpoint/2012/main" xmlns:mc="http://schemas.openxmlformats.org/markup-compatibility/2006" type="objAndTwoObj" preserve="1">
+  <p:cSld name="Title Content and 2 Content">
+    <p:spTree>
+      <p:nvGrpSpPr>
+        <p:cNvPr id="1" name=""/>
+        <p:cNvGrpSpPr/>
+        <p:nvPr/>
+      </p:nvGrpSpPr>
+      <p:grpSpPr>
+        <a:xfrm>
+          <a:off x="0" y="0"/>
+          <a:ext cx="0" cy="0"/>
+          <a:chOff x="0" y="0"/>
+          <a:chExt cx="0" cy="0"/>
+        </a:xfrm>
+      </p:grpSpPr>
+      <p:sp>
+        <p:nvSpPr>
+          <p:cNvPr id="53" name="PlaceHolder 1"/>
+          <p:cNvSpPr>
+            <a:spLocks noGrp="1"/>
+          </p:cNvSpPr>
+          <p:nvPr>
+            <p:ph type="title"/>
+          </p:nvPr>
+        </p:nvSpPr>
+        <p:spPr>
+          <a:xfrm>
+            <a:off x="504000" y="226080"/>
+            <a:ext cx="9071280" cy="946080"/>
+          </a:xfrm>
+          <a:prstGeom prst="rect">
+            <a:avLst/>
+          </a:prstGeom>
+        </p:spPr>
+        <p:txBody>
+          <a:bodyPr lIns="0" rIns="0" tIns="0" bIns="0" anchor="ctr"/>
+          <a:p>
+            <a:pPr algn="ctr"/>
+            <a:endParaRPr b="0" lang="en-US" sz="4400" spc="-1" strike="noStrike">
+              <a:latin typeface="Arial"/>
+            </a:endParaRPr>
+          </a:p>
+        </p:txBody>
+      </p:sp>
+      <p:sp>
+        <p:nvSpPr>
+          <p:cNvPr id="54" name="PlaceHolder 2"/>
+          <p:cNvSpPr>
+            <a:spLocks noGrp="1"/>
+          </p:cNvSpPr>
+          <p:nvPr>
+            <p:ph type="body"/>
+          </p:nvPr>
+        </p:nvSpPr>
+        <p:spPr>
+          <a:xfrm>
+            <a:off x="504000" y="1326600"/>
+            <a:ext cx="4426560" cy="3287880"/>
+          </a:xfrm>
+          <a:prstGeom prst="rect">
+            <a:avLst/>
+          </a:prstGeom>
+        </p:spPr>
+        <p:txBody>
+          <a:bodyPr lIns="0" rIns="0" tIns="0" bIns="0">
+            <a:normAutofit/>
+          </a:bodyPr>
+          <a:p>
+            <a:endParaRPr b="0" lang="en-US" sz="3200" spc="-1" strike="noStrike">
+              <a:latin typeface="Arial"/>
+            </a:endParaRPr>
+          </a:p>
+        </p:txBody>
+      </p:sp>
+      <p:sp>
+        <p:nvSpPr>
+          <p:cNvPr id="55" name="PlaceHolder 3"/>
+          <p:cNvSpPr>
+            <a:spLocks noGrp="1"/>
+          </p:cNvSpPr>
+          <p:nvPr>
+            <p:ph type="body"/>
+          </p:nvPr>
+        </p:nvSpPr>
+        <p:spPr>
+          <a:xfrm>
+            <a:off x="5152320" y="1326600"/>
+            <a:ext cx="4426560" cy="1568160"/>
+          </a:xfrm>
+          <a:prstGeom prst="rect">
+            <a:avLst/>
+          </a:prstGeom>
+        </p:spPr>
+        <p:txBody>
+          <a:bodyPr lIns="0" rIns="0" tIns="0" bIns="0">
+            <a:normAutofit/>
+          </a:bodyPr>
+          <a:p>
+            <a:endParaRPr b="0" lang="en-US" sz="3200" spc="-1" strike="noStrike">
+              <a:latin typeface="Arial"/>
+            </a:endParaRPr>
+          </a:p>
+        </p:txBody>
+      </p:sp>
+      <p:sp>
+        <p:nvSpPr>
+          <p:cNvPr id="56" name="PlaceHolder 4"/>
+          <p:cNvSpPr>
+            <a:spLocks noGrp="1"/>
+          </p:cNvSpPr>
+          <p:nvPr>
+            <p:ph type="body"/>
+          </p:nvPr>
+        </p:nvSpPr>
+        <p:spPr>
+          <a:xfrm>
+            <a:off x="5152320" y="3044160"/>
+            <a:ext cx="4426560" cy="1568160"/>
+          </a:xfrm>
+          <a:prstGeom prst="rect">
+            <a:avLst/>
+          </a:prstGeom>
+        </p:spPr>
+        <p:txBody>
+          <a:bodyPr lIns="0" rIns="0" tIns="0" bIns="0">
+            <a:normAutofit/>
+          </a:bodyPr>
+          <a:p>
+            <a:endParaRPr b="0" lang="en-US" sz="3200" spc="-1" strike="noStrike">
+              <a:latin typeface="Arial"/>
+            </a:endParaRPr>
+          </a:p>
+        </p:txBody>
+      </p:sp>
+    </p:spTree>
+  </p:cSld>
+</p:sldLayout>
+</file>
+
+<file path=ppt/slideLayouts/slideLayout21.xml><?xml version="1.0" encoding="utf-8"?>
+<p:sldLayout xmlns:a="http://schemas.openxmlformats.org/drawingml/2006/main" xmlns:p="http://schemas.openxmlformats.org/presentationml/2006/main" xmlns:r="http://schemas.openxmlformats.org/officeDocument/2006/relationships" xmlns:p14="http://schemas.microsoft.com/office/powerpoint/2010/main" xmlns:p15="http://schemas.microsoft.com/office/powerpoint/2012/main" xmlns:mc="http://schemas.openxmlformats.org/markup-compatibility/2006" type="twoObjOverTx" preserve="1">
+  <p:cSld name="Title, 2 Content over Content">
+    <p:spTree>
+      <p:nvGrpSpPr>
+        <p:cNvPr id="1" name=""/>
+        <p:cNvGrpSpPr/>
+        <p:nvPr/>
+      </p:nvGrpSpPr>
+      <p:grpSpPr>
+        <a:xfrm>
+          <a:off x="0" y="0"/>
+          <a:ext cx="0" cy="0"/>
+          <a:chOff x="0" y="0"/>
+          <a:chExt cx="0" cy="0"/>
+        </a:xfrm>
+      </p:grpSpPr>
+      <p:sp>
+        <p:nvSpPr>
+          <p:cNvPr id="57" name="PlaceHolder 1"/>
+          <p:cNvSpPr>
+            <a:spLocks noGrp="1"/>
+          </p:cNvSpPr>
+          <p:nvPr>
+            <p:ph type="title"/>
+          </p:nvPr>
+        </p:nvSpPr>
+        <p:spPr>
+          <a:xfrm>
+            <a:off x="504000" y="226080"/>
+            <a:ext cx="9071280" cy="946080"/>
+          </a:xfrm>
+          <a:prstGeom prst="rect">
+            <a:avLst/>
+          </a:prstGeom>
+        </p:spPr>
+        <p:txBody>
+          <a:bodyPr lIns="0" rIns="0" tIns="0" bIns="0" anchor="ctr"/>
+          <a:p>
+            <a:pPr algn="ctr"/>
+            <a:endParaRPr b="0" lang="en-US" sz="4400" spc="-1" strike="noStrike">
+              <a:latin typeface="Arial"/>
+            </a:endParaRPr>
+          </a:p>
+        </p:txBody>
+      </p:sp>
+      <p:sp>
+        <p:nvSpPr>
+          <p:cNvPr id="58" name="PlaceHolder 2"/>
+          <p:cNvSpPr>
+            <a:spLocks noGrp="1"/>
+          </p:cNvSpPr>
+          <p:nvPr>
+            <p:ph type="body"/>
+          </p:nvPr>
+        </p:nvSpPr>
+        <p:spPr>
+          <a:xfrm>
+            <a:off x="504000" y="1326600"/>
+            <a:ext cx="4426560" cy="1568160"/>
+          </a:xfrm>
+          <a:prstGeom prst="rect">
+            <a:avLst/>
+          </a:prstGeom>
+        </p:spPr>
+        <p:txBody>
+          <a:bodyPr lIns="0" rIns="0" tIns="0" bIns="0">
+            <a:normAutofit/>
+          </a:bodyPr>
+          <a:p>
+            <a:endParaRPr b="0" lang="en-US" sz="3200" spc="-1" strike="noStrike">
+              <a:latin typeface="Arial"/>
+            </a:endParaRPr>
+          </a:p>
+        </p:txBody>
+      </p:sp>
+      <p:sp>
+        <p:nvSpPr>
+          <p:cNvPr id="59" name="PlaceHolder 3"/>
+          <p:cNvSpPr>
+            <a:spLocks noGrp="1"/>
+          </p:cNvSpPr>
+          <p:nvPr>
+            <p:ph type="body"/>
+          </p:nvPr>
+        </p:nvSpPr>
+        <p:spPr>
+          <a:xfrm>
+            <a:off x="5152320" y="1326600"/>
+            <a:ext cx="4426560" cy="1568160"/>
+          </a:xfrm>
+          <a:prstGeom prst="rect">
+            <a:avLst/>
+          </a:prstGeom>
+        </p:spPr>
+        <p:txBody>
+          <a:bodyPr lIns="0" rIns="0" tIns="0" bIns="0">
+            <a:normAutofit/>
+          </a:bodyPr>
+          <a:p>
+            <a:endParaRPr b="0" lang="en-US" sz="3200" spc="-1" strike="noStrike">
+              <a:latin typeface="Arial"/>
+            </a:endParaRPr>
+          </a:p>
+        </p:txBody>
+      </p:sp>
+      <p:sp>
+        <p:nvSpPr>
+          <p:cNvPr id="60" name="PlaceHolder 4"/>
+          <p:cNvSpPr>
+            <a:spLocks noGrp="1"/>
+          </p:cNvSpPr>
+          <p:nvPr>
+            <p:ph type="body"/>
+          </p:nvPr>
+        </p:nvSpPr>
+        <p:spPr>
+          <a:xfrm>
+            <a:off x="504000" y="3044160"/>
+            <a:ext cx="9071280" cy="1568160"/>
+          </a:xfrm>
+          <a:prstGeom prst="rect">
+            <a:avLst/>
+          </a:prstGeom>
+        </p:spPr>
+        <p:txBody>
+          <a:bodyPr lIns="0" rIns="0" tIns="0" bIns="0">
+            <a:normAutofit/>
+          </a:bodyPr>
+          <a:p>
+            <a:endParaRPr b="0" lang="en-US" sz="3200" spc="-1" strike="noStrike">
+              <a:latin typeface="Arial"/>
+            </a:endParaRPr>
+          </a:p>
+        </p:txBody>
+      </p:sp>
+    </p:spTree>
+  </p:cSld>
+</p:sldLayout>
+</file>
+
+<file path=ppt/slideLayouts/slideLayout22.xml><?xml version="1.0" encoding="utf-8"?>
+<p:sldLayout xmlns:a="http://schemas.openxmlformats.org/drawingml/2006/main" xmlns:p="http://schemas.openxmlformats.org/presentationml/2006/main" xmlns:r="http://schemas.openxmlformats.org/officeDocument/2006/relationships" xmlns:p14="http://schemas.microsoft.com/office/powerpoint/2010/main" xmlns:p15="http://schemas.microsoft.com/office/powerpoint/2012/main" xmlns:mc="http://schemas.openxmlformats.org/markup-compatibility/2006" type="objOverTx" preserve="1">
+  <p:cSld name="Title, Content over Content">
+    <p:spTree>
+      <p:nvGrpSpPr>
+        <p:cNvPr id="1" name=""/>
+        <p:cNvGrpSpPr/>
+        <p:nvPr/>
+      </p:nvGrpSpPr>
+      <p:grpSpPr>
+        <a:xfrm>
+          <a:off x="0" y="0"/>
+          <a:ext cx="0" cy="0"/>
+          <a:chOff x="0" y="0"/>
+          <a:chExt cx="0" cy="0"/>
+        </a:xfrm>
+      </p:grpSpPr>
+      <p:sp>
+        <p:nvSpPr>
+          <p:cNvPr id="61" name="PlaceHolder 1"/>
+          <p:cNvSpPr>
+            <a:spLocks noGrp="1"/>
+          </p:cNvSpPr>
+          <p:nvPr>
+            <p:ph type="title"/>
+          </p:nvPr>
+        </p:nvSpPr>
+        <p:spPr>
+          <a:xfrm>
+            <a:off x="504000" y="226080"/>
+            <a:ext cx="9071280" cy="946080"/>
+          </a:xfrm>
+          <a:prstGeom prst="rect">
+            <a:avLst/>
+          </a:prstGeom>
+        </p:spPr>
+        <p:txBody>
+          <a:bodyPr lIns="0" rIns="0" tIns="0" bIns="0" anchor="ctr"/>
+          <a:p>
+            <a:pPr algn="ctr"/>
+            <a:endParaRPr b="0" lang="en-US" sz="4400" spc="-1" strike="noStrike">
+              <a:latin typeface="Arial"/>
+            </a:endParaRPr>
+          </a:p>
+        </p:txBody>
+      </p:sp>
+      <p:sp>
+        <p:nvSpPr>
+          <p:cNvPr id="62" name="PlaceHolder 2"/>
+          <p:cNvSpPr>
+            <a:spLocks noGrp="1"/>
+          </p:cNvSpPr>
+          <p:nvPr>
+            <p:ph type="body"/>
+          </p:nvPr>
+        </p:nvSpPr>
+        <p:spPr>
+          <a:xfrm>
+            <a:off x="504000" y="1326600"/>
+            <a:ext cx="9071280" cy="1568160"/>
+          </a:xfrm>
+          <a:prstGeom prst="rect">
+            <a:avLst/>
+          </a:prstGeom>
+        </p:spPr>
+        <p:txBody>
+          <a:bodyPr lIns="0" rIns="0" tIns="0" bIns="0">
+            <a:normAutofit/>
+          </a:bodyPr>
+          <a:p>
+            <a:endParaRPr b="0" lang="en-US" sz="3200" spc="-1" strike="noStrike">
+              <a:latin typeface="Arial"/>
+            </a:endParaRPr>
+          </a:p>
+        </p:txBody>
+      </p:sp>
+      <p:sp>
+        <p:nvSpPr>
+          <p:cNvPr id="63" name="PlaceHolder 3"/>
+          <p:cNvSpPr>
+            <a:spLocks noGrp="1"/>
+          </p:cNvSpPr>
+          <p:nvPr>
+            <p:ph type="body"/>
+          </p:nvPr>
+        </p:nvSpPr>
+        <p:spPr>
+          <a:xfrm>
+            <a:off x="504000" y="3044160"/>
+            <a:ext cx="9071280" cy="1568160"/>
+          </a:xfrm>
+          <a:prstGeom prst="rect">
+            <a:avLst/>
+          </a:prstGeom>
+        </p:spPr>
+        <p:txBody>
+          <a:bodyPr lIns="0" rIns="0" tIns="0" bIns="0">
+            <a:normAutofit/>
+          </a:bodyPr>
+          <a:p>
+            <a:endParaRPr b="0" lang="en-US" sz="3200" spc="-1" strike="noStrike">
+              <a:latin typeface="Arial"/>
+            </a:endParaRPr>
+          </a:p>
+        </p:txBody>
+      </p:sp>
+    </p:spTree>
+  </p:cSld>
+</p:sldLayout>
+</file>
+
+<file path=ppt/slideLayouts/slideLayout23.xml><?xml version="1.0" encoding="utf-8"?>
+<p:sldLayout xmlns:a="http://schemas.openxmlformats.org/drawingml/2006/main" xmlns:p="http://schemas.openxmlformats.org/presentationml/2006/main" xmlns:r="http://schemas.openxmlformats.org/officeDocument/2006/relationships" xmlns:p14="http://schemas.microsoft.com/office/powerpoint/2010/main" xmlns:p15="http://schemas.microsoft.com/office/powerpoint/2012/main" xmlns:mc="http://schemas.openxmlformats.org/markup-compatibility/2006" type="fourObj" preserve="1">
+  <p:cSld name="Title, 4 Content">
+    <p:spTree>
+      <p:nvGrpSpPr>
+        <p:cNvPr id="1" name=""/>
+        <p:cNvGrpSpPr/>
+        <p:nvPr/>
+      </p:nvGrpSpPr>
+      <p:grpSpPr>
+        <a:xfrm>
+          <a:off x="0" y="0"/>
+          <a:ext cx="0" cy="0"/>
+          <a:chOff x="0" y="0"/>
+          <a:chExt cx="0" cy="0"/>
+        </a:xfrm>
+      </p:grpSpPr>
+      <p:sp>
+        <p:nvSpPr>
+          <p:cNvPr id="64" name="PlaceHolder 1"/>
+          <p:cNvSpPr>
+            <a:spLocks noGrp="1"/>
+          </p:cNvSpPr>
+          <p:nvPr>
+            <p:ph type="title"/>
+          </p:nvPr>
+        </p:nvSpPr>
+        <p:spPr>
+          <a:xfrm>
+            <a:off x="504000" y="226080"/>
+            <a:ext cx="9071280" cy="946080"/>
+          </a:xfrm>
+          <a:prstGeom prst="rect">
+            <a:avLst/>
+          </a:prstGeom>
+        </p:spPr>
+        <p:txBody>
+          <a:bodyPr lIns="0" rIns="0" tIns="0" bIns="0" anchor="ctr"/>
+          <a:p>
+            <a:pPr algn="ctr"/>
+            <a:endParaRPr b="0" lang="en-US" sz="4400" spc="-1" strike="noStrike">
+              <a:latin typeface="Arial"/>
+            </a:endParaRPr>
+          </a:p>
+        </p:txBody>
+      </p:sp>
+      <p:sp>
+        <p:nvSpPr>
+          <p:cNvPr id="65" name="PlaceHolder 2"/>
+          <p:cNvSpPr>
+            <a:spLocks noGrp="1"/>
+          </p:cNvSpPr>
+          <p:nvPr>
+            <p:ph type="body"/>
+          </p:nvPr>
+        </p:nvSpPr>
+        <p:spPr>
+          <a:xfrm>
+            <a:off x="504000" y="1326600"/>
+            <a:ext cx="4426560" cy="1568160"/>
+          </a:xfrm>
+          <a:prstGeom prst="rect">
+            <a:avLst/>
+          </a:prstGeom>
+        </p:spPr>
+        <p:txBody>
+          <a:bodyPr lIns="0" rIns="0" tIns="0" bIns="0">
+            <a:normAutofit/>
+          </a:bodyPr>
+          <a:p>
+            <a:endParaRPr b="0" lang="en-US" sz="3200" spc="-1" strike="noStrike">
+              <a:latin typeface="Arial"/>
+            </a:endParaRPr>
+          </a:p>
+        </p:txBody>
+      </p:sp>
+      <p:sp>
+        <p:nvSpPr>
+          <p:cNvPr id="66" name="PlaceHolder 3"/>
+          <p:cNvSpPr>
+            <a:spLocks noGrp="1"/>
+          </p:cNvSpPr>
+          <p:nvPr>
+            <p:ph type="body"/>
+          </p:nvPr>
+        </p:nvSpPr>
+        <p:spPr>
+          <a:xfrm>
+            <a:off x="5152320" y="1326600"/>
+            <a:ext cx="4426560" cy="1568160"/>
+          </a:xfrm>
+          <a:prstGeom prst="rect">
+            <a:avLst/>
+          </a:prstGeom>
+        </p:spPr>
+        <p:txBody>
+          <a:bodyPr lIns="0" rIns="0" tIns="0" bIns="0">
+            <a:normAutofit/>
+          </a:bodyPr>
+          <a:p>
+            <a:endParaRPr b="0" lang="en-US" sz="3200" spc="-1" strike="noStrike">
+              <a:latin typeface="Arial"/>
+            </a:endParaRPr>
+          </a:p>
+        </p:txBody>
+      </p:sp>
+      <p:sp>
+        <p:nvSpPr>
+          <p:cNvPr id="67" name="PlaceHolder 4"/>
+          <p:cNvSpPr>
+            <a:spLocks noGrp="1"/>
+          </p:cNvSpPr>
+          <p:nvPr>
+            <p:ph type="body"/>
+          </p:nvPr>
+        </p:nvSpPr>
+        <p:spPr>
+          <a:xfrm>
+            <a:off x="504000" y="3044160"/>
+            <a:ext cx="4426560" cy="1568160"/>
+          </a:xfrm>
+          <a:prstGeom prst="rect">
+            <a:avLst/>
+          </a:prstGeom>
+        </p:spPr>
+        <p:txBody>
+          <a:bodyPr lIns="0" rIns="0" tIns="0" bIns="0">
+            <a:normAutofit/>
+          </a:bodyPr>
+          <a:p>
+            <a:endParaRPr b="0" lang="en-US" sz="3200" spc="-1" strike="noStrike">
+              <a:latin typeface="Arial"/>
+            </a:endParaRPr>
+          </a:p>
+        </p:txBody>
+      </p:sp>
+      <p:sp>
+        <p:nvSpPr>
+          <p:cNvPr id="68" name="PlaceHolder 5"/>
+          <p:cNvSpPr>
+            <a:spLocks noGrp="1"/>
+          </p:cNvSpPr>
+          <p:nvPr>
+            <p:ph type="body"/>
+          </p:nvPr>
+        </p:nvSpPr>
+        <p:spPr>
+          <a:xfrm>
+            <a:off x="5152320" y="3044160"/>
+            <a:ext cx="4426560" cy="1568160"/>
+          </a:xfrm>
+          <a:prstGeom prst="rect">
+            <a:avLst/>
+          </a:prstGeom>
+        </p:spPr>
+        <p:txBody>
+          <a:bodyPr lIns="0" rIns="0" tIns="0" bIns="0">
+            <a:normAutofit/>
+          </a:bodyPr>
+          <a:p>
+            <a:endParaRPr b="0" lang="en-US" sz="3200" spc="-1" strike="noStrike">
+              <a:latin typeface="Arial"/>
+            </a:endParaRPr>
+          </a:p>
+        </p:txBody>
+      </p:sp>
+    </p:spTree>
+  </p:cSld>
+</p:sldLayout>
+</file>
+
+<file path=ppt/slideLayouts/slideLayout24.xml><?xml version="1.0" encoding="utf-8"?>
+<p:sldLayout xmlns:a="http://schemas.openxmlformats.org/drawingml/2006/main" xmlns:p="http://schemas.openxmlformats.org/presentationml/2006/main" xmlns:r="http://schemas.openxmlformats.org/officeDocument/2006/relationships" xmlns:p14="http://schemas.microsoft.com/office/powerpoint/2010/main" xmlns:p15="http://schemas.microsoft.com/office/powerpoint/2012/main" xmlns:mc="http://schemas.openxmlformats.org/markup-compatibility/2006" type="blank" preserve="1">
+  <p:cSld name="Title, 6 Content">
+    <p:spTree>
+      <p:nvGrpSpPr>
+        <p:cNvPr id="1" name=""/>
+        <p:cNvGrpSpPr/>
+        <p:nvPr/>
+      </p:nvGrpSpPr>
+      <p:grpSpPr>
+        <a:xfrm>
+          <a:off x="0" y="0"/>
+          <a:ext cx="0" cy="0"/>
+          <a:chOff x="0" y="0"/>
+          <a:chExt cx="0" cy="0"/>
+        </a:xfrm>
+      </p:grpSpPr>
+      <p:sp>
+        <p:nvSpPr>
+          <p:cNvPr id="69" name="PlaceHolder 1"/>
+          <p:cNvSpPr>
+            <a:spLocks noGrp="1"/>
+          </p:cNvSpPr>
+          <p:nvPr>
+            <p:ph type="title"/>
+          </p:nvPr>
+        </p:nvSpPr>
+        <p:spPr>
+          <a:xfrm>
+            <a:off x="504000" y="226080"/>
+            <a:ext cx="9071280" cy="946080"/>
+          </a:xfrm>
+          <a:prstGeom prst="rect">
+            <a:avLst/>
+          </a:prstGeom>
+        </p:spPr>
+        <p:txBody>
+          <a:bodyPr lIns="0" rIns="0" tIns="0" bIns="0" anchor="ctr"/>
+          <a:p>
+            <a:pPr algn="ctr"/>
+            <a:endParaRPr b="0" lang="en-US" sz="4400" spc="-1" strike="noStrike">
+              <a:latin typeface="Arial"/>
+            </a:endParaRPr>
+          </a:p>
+        </p:txBody>
+      </p:sp>
+      <p:sp>
+        <p:nvSpPr>
+          <p:cNvPr id="70" name="PlaceHolder 2"/>
+          <p:cNvSpPr>
+            <a:spLocks noGrp="1"/>
+          </p:cNvSpPr>
+          <p:nvPr>
+            <p:ph type="body"/>
+          </p:nvPr>
+        </p:nvSpPr>
+        <p:spPr>
+          <a:xfrm>
+            <a:off x="504000" y="1326600"/>
+            <a:ext cx="2920680" cy="1568160"/>
+          </a:xfrm>
+          <a:prstGeom prst="rect">
+            <a:avLst/>
+          </a:prstGeom>
+        </p:spPr>
+        <p:txBody>
+          <a:bodyPr lIns="0" rIns="0" tIns="0" bIns="0">
+            <a:normAutofit/>
+          </a:bodyPr>
+          <a:p>
+            <a:endParaRPr b="0" lang="en-US" sz="3200" spc="-1" strike="noStrike">
+              <a:latin typeface="Arial"/>
+            </a:endParaRPr>
+          </a:p>
+        </p:txBody>
+      </p:sp>
+      <p:sp>
+        <p:nvSpPr>
+          <p:cNvPr id="71" name="PlaceHolder 3"/>
+          <p:cNvSpPr>
+            <a:spLocks noGrp="1"/>
+          </p:cNvSpPr>
+          <p:nvPr>
+            <p:ph type="body"/>
+          </p:nvPr>
+        </p:nvSpPr>
+        <p:spPr>
+          <a:xfrm>
+            <a:off x="3571200" y="1326600"/>
+            <a:ext cx="2920680" cy="1568160"/>
+          </a:xfrm>
+          <a:prstGeom prst="rect">
+            <a:avLst/>
+          </a:prstGeom>
+        </p:spPr>
+        <p:txBody>
+          <a:bodyPr lIns="0" rIns="0" tIns="0" bIns="0">
+            <a:normAutofit/>
+          </a:bodyPr>
+          <a:p>
+            <a:endParaRPr b="0" lang="en-US" sz="3200" spc="-1" strike="noStrike">
+              <a:latin typeface="Arial"/>
+            </a:endParaRPr>
+          </a:p>
+        </p:txBody>
+      </p:sp>
+      <p:sp>
+        <p:nvSpPr>
+          <p:cNvPr id="72" name="PlaceHolder 4"/>
+          <p:cNvSpPr>
+            <a:spLocks noGrp="1"/>
+          </p:cNvSpPr>
+          <p:nvPr>
+            <p:ph type="body"/>
+          </p:nvPr>
+        </p:nvSpPr>
+        <p:spPr>
+          <a:xfrm>
+            <a:off x="6638040" y="1326600"/>
+            <a:ext cx="2920680" cy="1568160"/>
+          </a:xfrm>
+          <a:prstGeom prst="rect">
+            <a:avLst/>
+          </a:prstGeom>
+        </p:spPr>
+        <p:txBody>
+          <a:bodyPr lIns="0" rIns="0" tIns="0" bIns="0">
+            <a:normAutofit/>
+          </a:bodyPr>
+          <a:p>
+            <a:endParaRPr b="0" lang="en-US" sz="3200" spc="-1" strike="noStrike">
+              <a:latin typeface="Arial"/>
+            </a:endParaRPr>
+          </a:p>
+        </p:txBody>
+      </p:sp>
+      <p:sp>
+        <p:nvSpPr>
+          <p:cNvPr id="73" name="PlaceHolder 5"/>
+          <p:cNvSpPr>
+            <a:spLocks noGrp="1"/>
+          </p:cNvSpPr>
+          <p:nvPr>
+            <p:ph type="body"/>
+          </p:nvPr>
+        </p:nvSpPr>
+        <p:spPr>
+          <a:xfrm>
+            <a:off x="504000" y="3044160"/>
+            <a:ext cx="2920680" cy="1568160"/>
+          </a:xfrm>
+          <a:prstGeom prst="rect">
+            <a:avLst/>
+          </a:prstGeom>
+        </p:spPr>
+        <p:txBody>
+          <a:bodyPr lIns="0" rIns="0" tIns="0" bIns="0">
+            <a:normAutofit/>
+          </a:bodyPr>
+          <a:p>
+            <a:endParaRPr b="0" lang="en-US" sz="3200" spc="-1" strike="noStrike">
+              <a:latin typeface="Arial"/>
+            </a:endParaRPr>
+          </a:p>
+        </p:txBody>
+      </p:sp>
+      <p:sp>
+        <p:nvSpPr>
+          <p:cNvPr id="74" name="PlaceHolder 6"/>
+          <p:cNvSpPr>
+            <a:spLocks noGrp="1"/>
+          </p:cNvSpPr>
+          <p:nvPr>
+            <p:ph type="body"/>
+          </p:nvPr>
+        </p:nvSpPr>
+        <p:spPr>
+          <a:xfrm>
+            <a:off x="3571200" y="3044160"/>
+            <a:ext cx="2920680" cy="1568160"/>
+          </a:xfrm>
+          <a:prstGeom prst="rect">
+            <a:avLst/>
+          </a:prstGeom>
+        </p:spPr>
+        <p:txBody>
+          <a:bodyPr lIns="0" rIns="0" tIns="0" bIns="0">
+            <a:normAutofit/>
+          </a:bodyPr>
+          <a:p>
+            <a:endParaRPr b="0" lang="en-US" sz="3200" spc="-1" strike="noStrike">
+              <a:latin typeface="Arial"/>
+            </a:endParaRPr>
+          </a:p>
+        </p:txBody>
+      </p:sp>
+      <p:sp>
+        <p:nvSpPr>
+          <p:cNvPr id="75" name="PlaceHolder 7"/>
+          <p:cNvSpPr>
+            <a:spLocks noGrp="1"/>
+          </p:cNvSpPr>
+          <p:nvPr>
+            <p:ph type="body"/>
+          </p:nvPr>
+        </p:nvSpPr>
+        <p:spPr>
+          <a:xfrm>
+            <a:off x="6638040" y="3044160"/>
+            <a:ext cx="2920680" cy="1568160"/>
+          </a:xfrm>
+          <a:prstGeom prst="rect">
+            <a:avLst/>
+          </a:prstGeom>
+        </p:spPr>
+        <p:txBody>
+          <a:bodyPr lIns="0" rIns="0" tIns="0" bIns="0">
+            <a:normAutofit/>
+          </a:bodyPr>
+          <a:p>
             <a:endParaRPr b="0" lang="en-US" sz="3200" spc="-1" strike="noStrike">
               <a:latin typeface="Arial"/>
             </a:endParaRPr>
@@ -652,7 +1986,7 @@
       </p:grpSpPr>
       <p:sp>
         <p:nvSpPr>
-          <p:cNvPr id="7" name="PlaceHolder 1"/>
+          <p:cNvPr id="4" name="PlaceHolder 1"/>
           <p:cNvSpPr>
             <a:spLocks noGrp="1"/>
           </p:cNvSpPr>
@@ -663,7 +1997,7 @@
         <p:spPr>
           <a:xfrm>
             <a:off x="504000" y="226080"/>
-            <a:ext cx="9071640" cy="946440"/>
+            <a:ext cx="9071280" cy="946080"/>
           </a:xfrm>
           <a:prstGeom prst="rect">
             <a:avLst/>
@@ -681,7 +2015,7 @@
       </p:sp>
       <p:sp>
         <p:nvSpPr>
-          <p:cNvPr id="8" name="PlaceHolder 2"/>
+          <p:cNvPr id="5" name="PlaceHolder 2"/>
           <p:cNvSpPr>
             <a:spLocks noGrp="1"/>
           </p:cNvSpPr>
@@ -692,7 +2026,7 @@
         <p:spPr>
           <a:xfrm>
             <a:off x="504000" y="1326600"/>
-            <a:ext cx="9071640" cy="3288240"/>
+            <a:ext cx="9071280" cy="3287880"/>
           </a:xfrm>
           <a:prstGeom prst="rect">
             <a:avLst/>
@@ -733,7 +2067,7 @@
       </p:grpSpPr>
       <p:sp>
         <p:nvSpPr>
-          <p:cNvPr id="9" name="PlaceHolder 1"/>
+          <p:cNvPr id="6" name="PlaceHolder 1"/>
           <p:cNvSpPr>
             <a:spLocks noGrp="1"/>
           </p:cNvSpPr>
@@ -744,7 +2078,7 @@
         <p:spPr>
           <a:xfrm>
             <a:off x="504000" y="226080"/>
-            <a:ext cx="9071640" cy="946440"/>
+            <a:ext cx="9071280" cy="946080"/>
           </a:xfrm>
           <a:prstGeom prst="rect">
             <a:avLst/>
@@ -762,7 +2096,7 @@
       </p:sp>
       <p:sp>
         <p:nvSpPr>
-          <p:cNvPr id="10" name="PlaceHolder 2"/>
+          <p:cNvPr id="7" name="PlaceHolder 2"/>
           <p:cNvSpPr>
             <a:spLocks noGrp="1"/>
           </p:cNvSpPr>
@@ -773,7 +2107,7 @@
         <p:spPr>
           <a:xfrm>
             <a:off x="504000" y="1326600"/>
-            <a:ext cx="4426920" cy="3288240"/>
+            <a:ext cx="4426560" cy="3287880"/>
           </a:xfrm>
           <a:prstGeom prst="rect">
             <a:avLst/>
@@ -792,7 +2126,7 @@
       </p:sp>
       <p:sp>
         <p:nvSpPr>
-          <p:cNvPr id="11" name="PlaceHolder 3"/>
+          <p:cNvPr id="8" name="PlaceHolder 3"/>
           <p:cNvSpPr>
             <a:spLocks noGrp="1"/>
           </p:cNvSpPr>
@@ -802,8 +2136,8 @@
         </p:nvSpPr>
         <p:spPr>
           <a:xfrm>
-            <a:off x="5152680" y="1326600"/>
-            <a:ext cx="4426920" cy="3288240"/>
+            <a:off x="5152320" y="1326600"/>
+            <a:ext cx="4426560" cy="3287880"/>
           </a:xfrm>
           <a:prstGeom prst="rect">
             <a:avLst/>
@@ -844,7 +2178,7 @@
       </p:grpSpPr>
       <p:sp>
         <p:nvSpPr>
-          <p:cNvPr id="12" name="PlaceHolder 1"/>
+          <p:cNvPr id="9" name="PlaceHolder 1"/>
           <p:cNvSpPr>
             <a:spLocks noGrp="1"/>
           </p:cNvSpPr>
@@ -855,7 +2189,7 @@
         <p:spPr>
           <a:xfrm>
             <a:off x="504000" y="226080"/>
-            <a:ext cx="9071640" cy="946440"/>
+            <a:ext cx="9071280" cy="946080"/>
           </a:xfrm>
           <a:prstGeom prst="rect">
             <a:avLst/>
@@ -895,7 +2229,7 @@
       </p:grpSpPr>
       <p:sp>
         <p:nvSpPr>
-          <p:cNvPr id="13" name="PlaceHolder 1"/>
+          <p:cNvPr id="10" name="PlaceHolder 1"/>
           <p:cNvSpPr>
             <a:spLocks noGrp="1"/>
           </p:cNvSpPr>
@@ -906,7 +2240,7 @@
         <p:spPr>
           <a:xfrm>
             <a:off x="504000" y="226080"/>
-            <a:ext cx="9071640" cy="4388400"/>
+            <a:ext cx="9071280" cy="4386600"/>
           </a:xfrm>
           <a:prstGeom prst="rect">
             <a:avLst/>
@@ -946,7 +2280,7 @@
       </p:grpSpPr>
       <p:sp>
         <p:nvSpPr>
-          <p:cNvPr id="14" name="PlaceHolder 1"/>
+          <p:cNvPr id="11" name="PlaceHolder 1"/>
           <p:cNvSpPr>
             <a:spLocks noGrp="1"/>
           </p:cNvSpPr>
@@ -957,7 +2291,7 @@
         <p:spPr>
           <a:xfrm>
             <a:off x="504000" y="226080"/>
-            <a:ext cx="9071640" cy="946440"/>
+            <a:ext cx="9071280" cy="946080"/>
           </a:xfrm>
           <a:prstGeom prst="rect">
             <a:avLst/>
@@ -975,7 +2309,7 @@
       </p:sp>
       <p:sp>
         <p:nvSpPr>
-          <p:cNvPr id="15" name="PlaceHolder 2"/>
+          <p:cNvPr id="12" name="PlaceHolder 2"/>
           <p:cNvSpPr>
             <a:spLocks noGrp="1"/>
           </p:cNvSpPr>
@@ -986,7 +2320,7 @@
         <p:spPr>
           <a:xfrm>
             <a:off x="504000" y="1326600"/>
-            <a:ext cx="4426920" cy="1568160"/>
+            <a:ext cx="4426560" cy="1568160"/>
           </a:xfrm>
           <a:prstGeom prst="rect">
             <a:avLst/>
@@ -1005,7 +2339,7 @@
       </p:sp>
       <p:sp>
         <p:nvSpPr>
-          <p:cNvPr id="16" name="PlaceHolder 3"/>
+          <p:cNvPr id="13" name="PlaceHolder 3"/>
           <p:cNvSpPr>
             <a:spLocks noGrp="1"/>
           </p:cNvSpPr>
@@ -1015,8 +2349,8 @@
         </p:nvSpPr>
         <p:spPr>
           <a:xfrm>
-            <a:off x="5152680" y="1326600"/>
-            <a:ext cx="4426920" cy="3288240"/>
+            <a:off x="5152320" y="1326600"/>
+            <a:ext cx="4426560" cy="3287880"/>
           </a:xfrm>
           <a:prstGeom prst="rect">
             <a:avLst/>
@@ -1035,7 +2369,7 @@
       </p:sp>
       <p:sp>
         <p:nvSpPr>
-          <p:cNvPr id="17" name="PlaceHolder 4"/>
+          <p:cNvPr id="14" name="PlaceHolder 4"/>
           <p:cNvSpPr>
             <a:spLocks noGrp="1"/>
           </p:cNvSpPr>
@@ -1046,7 +2380,7 @@
         <p:spPr>
           <a:xfrm>
             <a:off x="504000" y="3044160"/>
-            <a:ext cx="4426920" cy="1568160"/>
+            <a:ext cx="4426560" cy="1568160"/>
           </a:xfrm>
           <a:prstGeom prst="rect">
             <a:avLst/>
@@ -1087,7 +2421,7 @@
       </p:grpSpPr>
       <p:sp>
         <p:nvSpPr>
-          <p:cNvPr id="18" name="PlaceHolder 1"/>
+          <p:cNvPr id="15" name="PlaceHolder 1"/>
           <p:cNvSpPr>
             <a:spLocks noGrp="1"/>
           </p:cNvSpPr>
@@ -1098,7 +2432,7 @@
         <p:spPr>
           <a:xfrm>
             <a:off x="504000" y="226080"/>
-            <a:ext cx="9071640" cy="946440"/>
+            <a:ext cx="9071280" cy="946080"/>
           </a:xfrm>
           <a:prstGeom prst="rect">
             <a:avLst/>
@@ -1116,7 +2450,7 @@
       </p:sp>
       <p:sp>
         <p:nvSpPr>
-          <p:cNvPr id="19" name="PlaceHolder 2"/>
+          <p:cNvPr id="16" name="PlaceHolder 2"/>
           <p:cNvSpPr>
             <a:spLocks noGrp="1"/>
           </p:cNvSpPr>
@@ -1127,7 +2461,7 @@
         <p:spPr>
           <a:xfrm>
             <a:off x="504000" y="1326600"/>
-            <a:ext cx="4426920" cy="3288240"/>
+            <a:ext cx="4426560" cy="3287880"/>
           </a:xfrm>
           <a:prstGeom prst="rect">
             <a:avLst/>
@@ -1146,7 +2480,7 @@
       </p:sp>
       <p:sp>
         <p:nvSpPr>
-          <p:cNvPr id="20" name="PlaceHolder 3"/>
+          <p:cNvPr id="17" name="PlaceHolder 3"/>
           <p:cNvSpPr>
             <a:spLocks noGrp="1"/>
           </p:cNvSpPr>
@@ -1156,8 +2490,8 @@
         </p:nvSpPr>
         <p:spPr>
           <a:xfrm>
-            <a:off x="5152680" y="1326600"/>
-            <a:ext cx="4426920" cy="1568160"/>
+            <a:off x="5152320" y="1326600"/>
+            <a:ext cx="4426560" cy="1568160"/>
           </a:xfrm>
           <a:prstGeom prst="rect">
             <a:avLst/>
@@ -1176,7 +2510,7 @@
       </p:sp>
       <p:sp>
         <p:nvSpPr>
-          <p:cNvPr id="21" name="PlaceHolder 4"/>
+          <p:cNvPr id="18" name="PlaceHolder 4"/>
           <p:cNvSpPr>
             <a:spLocks noGrp="1"/>
           </p:cNvSpPr>
@@ -1186,8 +2520,8 @@
         </p:nvSpPr>
         <p:spPr>
           <a:xfrm>
-            <a:off x="5152680" y="3044160"/>
-            <a:ext cx="4426920" cy="1568160"/>
+            <a:off x="5152320" y="3044160"/>
+            <a:ext cx="4426560" cy="1568160"/>
           </a:xfrm>
           <a:prstGeom prst="rect">
             <a:avLst/>
@@ -1228,7 +2562,7 @@
       </p:grpSpPr>
       <p:sp>
         <p:nvSpPr>
-          <p:cNvPr id="22" name="PlaceHolder 1"/>
+          <p:cNvPr id="19" name="PlaceHolder 1"/>
           <p:cNvSpPr>
             <a:spLocks noGrp="1"/>
           </p:cNvSpPr>
@@ -1239,7 +2573,7 @@
         <p:spPr>
           <a:xfrm>
             <a:off x="504000" y="226080"/>
-            <a:ext cx="9071640" cy="946440"/>
+            <a:ext cx="9071280" cy="946080"/>
           </a:xfrm>
           <a:prstGeom prst="rect">
             <a:avLst/>
@@ -1257,7 +2591,7 @@
       </p:sp>
       <p:sp>
         <p:nvSpPr>
-          <p:cNvPr id="23" name="PlaceHolder 2"/>
+          <p:cNvPr id="20" name="PlaceHolder 2"/>
           <p:cNvSpPr>
             <a:spLocks noGrp="1"/>
           </p:cNvSpPr>
@@ -1268,7 +2602,7 @@
         <p:spPr>
           <a:xfrm>
             <a:off x="504000" y="1326600"/>
-            <a:ext cx="4426920" cy="1568160"/>
+            <a:ext cx="4426560" cy="1568160"/>
           </a:xfrm>
           <a:prstGeom prst="rect">
             <a:avLst/>
@@ -1287,7 +2621,7 @@
       </p:sp>
       <p:sp>
         <p:nvSpPr>
-          <p:cNvPr id="24" name="PlaceHolder 3"/>
+          <p:cNvPr id="21" name="PlaceHolder 3"/>
           <p:cNvSpPr>
             <a:spLocks noGrp="1"/>
           </p:cNvSpPr>
@@ -1297,8 +2631,8 @@
         </p:nvSpPr>
         <p:spPr>
           <a:xfrm>
-            <a:off x="5152680" y="1326600"/>
-            <a:ext cx="4426920" cy="1568160"/>
+            <a:off x="5152320" y="1326600"/>
+            <a:ext cx="4426560" cy="1568160"/>
           </a:xfrm>
           <a:prstGeom prst="rect">
             <a:avLst/>
@@ -1317,7 +2651,7 @@
       </p:sp>
       <p:sp>
         <p:nvSpPr>
-          <p:cNvPr id="25" name="PlaceHolder 4"/>
+          <p:cNvPr id="22" name="PlaceHolder 4"/>
           <p:cNvSpPr>
             <a:spLocks noGrp="1"/>
           </p:cNvSpPr>
@@ -1328,7 +2662,7 @@
         <p:spPr>
           <a:xfrm>
             <a:off x="504000" y="3044160"/>
-            <a:ext cx="9071640" cy="1568160"/>
+            <a:ext cx="9071280" cy="1568160"/>
           </a:xfrm>
           <a:prstGeom prst="rect">
             <a:avLst/>
@@ -1380,7 +2714,7 @@
         <p:spPr>
           <a:xfrm>
             <a:off x="504000" y="226080"/>
-            <a:ext cx="9071640" cy="946440"/>
+            <a:ext cx="9071280" cy="946080"/>
           </a:xfrm>
           <a:prstGeom prst="rect">
             <a:avLst/>
@@ -1389,14 +2723,13 @@
         <p:txBody>
           <a:bodyPr lIns="0" rIns="0" tIns="0" bIns="0" anchor="ctr"/>
           <a:p>
-            <a:pPr algn="ctr"/>
-            <a:r>
-              <a:rPr b="0" lang="en-US" sz="4400" spc="-1" strike="noStrike">
+            <a:r>
+              <a:rPr b="0" lang="en-US" sz="1800" spc="-1" strike="noStrike">
                 <a:latin typeface="Arial"/>
               </a:rPr>
               <a:t>Click to edit the title text format</a:t>
             </a:r>
-            <a:endParaRPr b="0" lang="en-US" sz="4400" spc="-1" strike="noStrike">
+            <a:endParaRPr b="0" lang="en-US" sz="1800" spc="-1" strike="noStrike">
               <a:latin typeface="Arial"/>
             </a:endParaRPr>
           </a:p>
@@ -1415,7 +2748,7 @@
         <p:spPr>
           <a:xfrm>
             <a:off x="504000" y="1326600"/>
-            <a:ext cx="9071640" cy="3288240"/>
+            <a:ext cx="9071280" cy="3287880"/>
           </a:xfrm>
           <a:prstGeom prst="rect">
             <a:avLst/>
@@ -1438,12 +2771,12 @@
               <a:buChar char=""/>
             </a:pPr>
             <a:r>
-              <a:rPr b="0" lang="en-US" sz="3200" spc="-1" strike="noStrike">
+              <a:rPr b="0" lang="en-US" sz="1800" spc="-1" strike="noStrike">
                 <a:latin typeface="Arial"/>
               </a:rPr>
               <a:t>Click to edit the outline text format</a:t>
             </a:r>
-            <a:endParaRPr b="0" lang="en-US" sz="3200" spc="-1" strike="noStrike">
+            <a:endParaRPr b="0" lang="en-US" sz="1800" spc="-1" strike="noStrike">
               <a:latin typeface="Arial"/>
             </a:endParaRPr>
           </a:p>
@@ -1460,12 +2793,12 @@
               <a:buChar char=""/>
             </a:pPr>
             <a:r>
-              <a:rPr b="0" lang="en-US" sz="2800" spc="-1" strike="noStrike">
+              <a:rPr b="0" lang="en-US" sz="1800" spc="-1" strike="noStrike">
                 <a:latin typeface="Arial"/>
               </a:rPr>
               <a:t>Second Outline Level</a:t>
             </a:r>
-            <a:endParaRPr b="0" lang="en-US" sz="2800" spc="-1" strike="noStrike">
+            <a:endParaRPr b="0" lang="en-US" sz="1800" spc="-1" strike="noStrike">
               <a:latin typeface="Arial"/>
             </a:endParaRPr>
           </a:p>
@@ -1482,12 +2815,12 @@
               <a:buChar char=""/>
             </a:pPr>
             <a:r>
-              <a:rPr b="0" lang="en-US" sz="2400" spc="-1" strike="noStrike">
+              <a:rPr b="0" lang="en-US" sz="1800" spc="-1" strike="noStrike">
                 <a:latin typeface="Arial"/>
               </a:rPr>
               <a:t>Third Outline Level</a:t>
             </a:r>
-            <a:endParaRPr b="0" lang="en-US" sz="2400" spc="-1" strike="noStrike">
+            <a:endParaRPr b="0" lang="en-US" sz="1800" spc="-1" strike="noStrike">
               <a:latin typeface="Arial"/>
             </a:endParaRPr>
           </a:p>
@@ -1504,12 +2837,12 @@
               <a:buChar char=""/>
             </a:pPr>
             <a:r>
-              <a:rPr b="0" lang="en-US" sz="2000" spc="-1" strike="noStrike">
+              <a:rPr b="0" lang="en-US" sz="1800" spc="-1" strike="noStrike">
                 <a:latin typeface="Arial"/>
               </a:rPr>
               <a:t>Fourth Outline Level</a:t>
             </a:r>
-            <a:endParaRPr b="0" lang="en-US" sz="2000" spc="-1" strike="noStrike">
+            <a:endParaRPr b="0" lang="en-US" sz="1800" spc="-1" strike="noStrike">
               <a:latin typeface="Arial"/>
             </a:endParaRPr>
           </a:p>
@@ -1526,12 +2859,12 @@
               <a:buChar char=""/>
             </a:pPr>
             <a:r>
-              <a:rPr b="0" lang="en-US" sz="2000" spc="-1" strike="noStrike">
+              <a:rPr b="0" lang="en-US" sz="1800" spc="-1" strike="noStrike">
                 <a:latin typeface="Arial"/>
               </a:rPr>
               <a:t>Fifth Outline Level</a:t>
             </a:r>
-            <a:endParaRPr b="0" lang="en-US" sz="2000" spc="-1" strike="noStrike">
+            <a:endParaRPr b="0" lang="en-US" sz="1800" spc="-1" strike="noStrike">
               <a:latin typeface="Arial"/>
             </a:endParaRPr>
           </a:p>
@@ -1548,12 +2881,12 @@
               <a:buChar char=""/>
             </a:pPr>
             <a:r>
-              <a:rPr b="0" lang="en-US" sz="2000" spc="-1" strike="noStrike">
+              <a:rPr b="0" lang="en-US" sz="1800" spc="-1" strike="noStrike">
                 <a:latin typeface="Arial"/>
               </a:rPr>
               <a:t>Sixth Outline Level</a:t>
             </a:r>
-            <a:endParaRPr b="0" lang="en-US" sz="2000" spc="-1" strike="noStrike">
+            <a:endParaRPr b="0" lang="en-US" sz="1800" spc="-1" strike="noStrike">
               <a:latin typeface="Arial"/>
             </a:endParaRPr>
           </a:p>
@@ -1570,117 +2903,13 @@
               <a:buChar char=""/>
             </a:pPr>
             <a:r>
-              <a:rPr b="0" lang="en-US" sz="2000" spc="-1" strike="noStrike">
+              <a:rPr b="0" lang="en-US" sz="1800" spc="-1" strike="noStrike">
                 <a:latin typeface="Arial"/>
               </a:rPr>
               <a:t>Seventh Outline Level</a:t>
             </a:r>
-            <a:endParaRPr b="0" lang="en-US" sz="2000" spc="-1" strike="noStrike">
-              <a:latin typeface="Arial"/>
-            </a:endParaRPr>
-          </a:p>
-        </p:txBody>
-      </p:sp>
-      <p:sp>
-        <p:nvSpPr>
-          <p:cNvPr id="2" name="PlaceHolder 3"/>
-          <p:cNvSpPr>
-            <a:spLocks noGrp="1"/>
-          </p:cNvSpPr>
-          <p:nvPr>
-            <p:ph type="dt"/>
-          </p:nvPr>
-        </p:nvSpPr>
-        <p:spPr>
-          <a:xfrm>
-            <a:off x="504000" y="5165280"/>
-            <a:ext cx="2348280" cy="390600"/>
-          </a:xfrm>
-          <a:prstGeom prst="rect">
-            <a:avLst/>
-          </a:prstGeom>
-        </p:spPr>
-        <p:txBody>
-          <a:bodyPr lIns="0" rIns="0" tIns="0" bIns="0"/>
-          <a:p>
-            <a:r>
-              <a:rPr b="0" lang="en-US" sz="1400" spc="-1" strike="noStrike">
-                <a:latin typeface="Times New Roman"/>
-              </a:rPr>
-              <a:t>&lt;date/time&gt;</a:t>
-            </a:r>
-            <a:endParaRPr b="0" lang="en-US" sz="1400" spc="-1" strike="noStrike">
-              <a:latin typeface="Times New Roman"/>
-            </a:endParaRPr>
-          </a:p>
-        </p:txBody>
-      </p:sp>
-      <p:sp>
-        <p:nvSpPr>
-          <p:cNvPr id="3" name="PlaceHolder 4"/>
-          <p:cNvSpPr>
-            <a:spLocks noGrp="1"/>
-          </p:cNvSpPr>
-          <p:nvPr>
-            <p:ph type="ftr"/>
-          </p:nvPr>
-        </p:nvSpPr>
-        <p:spPr>
-          <a:xfrm>
-            <a:off x="3447360" y="5165280"/>
-            <a:ext cx="3195000" cy="390600"/>
-          </a:xfrm>
-          <a:prstGeom prst="rect">
-            <a:avLst/>
-          </a:prstGeom>
-        </p:spPr>
-        <p:txBody>
-          <a:bodyPr lIns="0" rIns="0" tIns="0" bIns="0"/>
-          <a:p>
-            <a:pPr algn="ctr"/>
-            <a:r>
-              <a:rPr b="0" lang="en-US" sz="1400" spc="-1" strike="noStrike">
-                <a:latin typeface="Times New Roman"/>
-              </a:rPr>
-              <a:t>&lt;footer&gt;</a:t>
-            </a:r>
-            <a:endParaRPr b="0" lang="en-US" sz="1400" spc="-1" strike="noStrike">
-              <a:latin typeface="Times New Roman"/>
-            </a:endParaRPr>
-          </a:p>
-        </p:txBody>
-      </p:sp>
-      <p:sp>
-        <p:nvSpPr>
-          <p:cNvPr id="4" name="PlaceHolder 5"/>
-          <p:cNvSpPr>
-            <a:spLocks noGrp="1"/>
-          </p:cNvSpPr>
-          <p:nvPr>
-            <p:ph type="sldNum"/>
-          </p:nvPr>
-        </p:nvSpPr>
-        <p:spPr>
-          <a:xfrm>
-            <a:off x="7227360" y="5165280"/>
-            <a:ext cx="2348280" cy="390600"/>
-          </a:xfrm>
-          <a:prstGeom prst="rect">
-            <a:avLst/>
-          </a:prstGeom>
-        </p:spPr>
-        <p:txBody>
-          <a:bodyPr lIns="0" rIns="0" tIns="0" bIns="0"/>
-          <a:p>
-            <a:pPr algn="r"/>
-            <a:fld id="{C5AC59C8-42B7-4C2A-B684-D9A0EB5BDF02}" type="slidenum">
-              <a:rPr b="0" lang="en-US" sz="1400" spc="-1" strike="noStrike">
-                <a:latin typeface="Times New Roman"/>
-              </a:rPr>
-              <a:t>&lt;number&gt;</a:t>
-            </a:fld>
-            <a:endParaRPr b="0" lang="en-US" sz="1400" spc="-1" strike="noStrike">
-              <a:latin typeface="Times New Roman"/>
+            <a:endParaRPr b="0" lang="en-US" sz="1800" spc="-1" strike="noStrike">
+              <a:latin typeface="Arial"/>
             </a:endParaRPr>
           </a:p>
         </p:txBody>
@@ -1701,6 +2930,256 @@
     <p:sldLayoutId id="2147483658" r:id="rId11"/>
     <p:sldLayoutId id="2147483659" r:id="rId12"/>
     <p:sldLayoutId id="2147483660" r:id="rId13"/>
+  </p:sldLayoutIdLst>
+</p:sldMaster>
+</file>
+
+<file path=ppt/slideMasters/slideMaster2.xml><?xml version="1.0" encoding="utf-8"?>
+<p:sldMaster xmlns:a="http://schemas.openxmlformats.org/drawingml/2006/main" xmlns:p="http://schemas.openxmlformats.org/presentationml/2006/main" xmlns:r="http://schemas.openxmlformats.org/officeDocument/2006/relationships" xmlns:p14="http://schemas.microsoft.com/office/powerpoint/2010/main" xmlns:p15="http://schemas.microsoft.com/office/powerpoint/2012/main" xmlns:mc="http://schemas.openxmlformats.org/markup-compatibility/2006">
+  <p:cSld>
+    <p:spTree>
+      <p:nvGrpSpPr>
+        <p:cNvPr id="1" name=""/>
+        <p:cNvGrpSpPr/>
+        <p:nvPr/>
+      </p:nvGrpSpPr>
+      <p:grpSpPr>
+        <a:xfrm>
+          <a:off x="0" y="0"/>
+          <a:ext cx="0" cy="0"/>
+          <a:chOff x="0" y="0"/>
+          <a:chExt cx="0" cy="0"/>
+        </a:xfrm>
+      </p:grpSpPr>
+      <p:sp>
+        <p:nvSpPr>
+          <p:cNvPr id="38" name="PlaceHolder 1"/>
+          <p:cNvSpPr>
+            <a:spLocks noGrp="1"/>
+          </p:cNvSpPr>
+          <p:nvPr>
+            <p:ph type="title"/>
+          </p:nvPr>
+        </p:nvSpPr>
+        <p:spPr>
+          <a:xfrm>
+            <a:off x="504000" y="226080"/>
+            <a:ext cx="9071280" cy="946080"/>
+          </a:xfrm>
+          <a:prstGeom prst="rect">
+            <a:avLst/>
+          </a:prstGeom>
+        </p:spPr>
+        <p:txBody>
+          <a:bodyPr lIns="0" rIns="0" tIns="0" bIns="0" anchor="ctr"/>
+          <a:p>
+            <a:r>
+              <a:rPr b="0" lang="en-US" sz="1800" spc="-1" strike="noStrike">
+                <a:latin typeface="Arial"/>
+              </a:rPr>
+              <a:t>Click to edit the title text format</a:t>
+            </a:r>
+            <a:endParaRPr b="0" lang="en-US" sz="1800" spc="-1" strike="noStrike">
+              <a:latin typeface="Arial"/>
+            </a:endParaRPr>
+          </a:p>
+        </p:txBody>
+      </p:sp>
+      <p:sp>
+        <p:nvSpPr>
+          <p:cNvPr id="39" name="PlaceHolder 2"/>
+          <p:cNvSpPr>
+            <a:spLocks noGrp="1"/>
+          </p:cNvSpPr>
+          <p:nvPr>
+            <p:ph type="body"/>
+          </p:nvPr>
+        </p:nvSpPr>
+        <p:spPr>
+          <a:xfrm>
+            <a:off x="504000" y="1326600"/>
+            <a:ext cx="9072000" cy="3288600"/>
+          </a:xfrm>
+          <a:prstGeom prst="rect">
+            <a:avLst/>
+          </a:prstGeom>
+        </p:spPr>
+        <p:txBody>
+          <a:bodyPr lIns="0" rIns="0" tIns="0" bIns="0">
+            <a:normAutofit/>
+          </a:bodyPr>
+          <a:p>
+            <a:pPr marL="432000" indent="-324000">
+              <a:spcBef>
+                <a:spcPts val="1417"/>
+              </a:spcBef>
+              <a:buClr>
+                <a:srgbClr val="000000"/>
+              </a:buClr>
+              <a:buSzPct val="45000"/>
+              <a:buFont typeface="Wingdings" charset="2"/>
+              <a:buChar char=""/>
+            </a:pPr>
+            <a:r>
+              <a:rPr b="0" lang="en-US" sz="3200" spc="-1" strike="noStrike">
+                <a:latin typeface="Arial"/>
+              </a:rPr>
+              <a:t>Click to edit the outline text format</a:t>
+            </a:r>
+            <a:endParaRPr b="0" lang="en-US" sz="3200" spc="-1" strike="noStrike">
+              <a:latin typeface="Arial"/>
+            </a:endParaRPr>
+          </a:p>
+          <a:p>
+            <a:pPr lvl="1" marL="864000" indent="-324000">
+              <a:spcBef>
+                <a:spcPts val="1134"/>
+              </a:spcBef>
+              <a:buClr>
+                <a:srgbClr val="000000"/>
+              </a:buClr>
+              <a:buSzPct val="75000"/>
+              <a:buFont typeface="Symbol" charset="2"/>
+              <a:buChar char=""/>
+            </a:pPr>
+            <a:r>
+              <a:rPr b="0" lang="en-US" sz="2800" spc="-1" strike="noStrike">
+                <a:latin typeface="Arial"/>
+              </a:rPr>
+              <a:t>Second Outline Level</a:t>
+            </a:r>
+            <a:endParaRPr b="0" lang="en-US" sz="2800" spc="-1" strike="noStrike">
+              <a:latin typeface="Arial"/>
+            </a:endParaRPr>
+          </a:p>
+          <a:p>
+            <a:pPr lvl="2" marL="1296000" indent="-288000">
+              <a:spcBef>
+                <a:spcPts val="850"/>
+              </a:spcBef>
+              <a:buClr>
+                <a:srgbClr val="000000"/>
+              </a:buClr>
+              <a:buSzPct val="45000"/>
+              <a:buFont typeface="Wingdings" charset="2"/>
+              <a:buChar char=""/>
+            </a:pPr>
+            <a:r>
+              <a:rPr b="0" lang="en-US" sz="2400" spc="-1" strike="noStrike">
+                <a:latin typeface="Arial"/>
+              </a:rPr>
+              <a:t>Third Outline Level</a:t>
+            </a:r>
+            <a:endParaRPr b="0" lang="en-US" sz="2400" spc="-1" strike="noStrike">
+              <a:latin typeface="Arial"/>
+            </a:endParaRPr>
+          </a:p>
+          <a:p>
+            <a:pPr lvl="3" marL="1728000" indent="-216000">
+              <a:spcBef>
+                <a:spcPts val="567"/>
+              </a:spcBef>
+              <a:buClr>
+                <a:srgbClr val="000000"/>
+              </a:buClr>
+              <a:buSzPct val="75000"/>
+              <a:buFont typeface="Symbol" charset="2"/>
+              <a:buChar char=""/>
+            </a:pPr>
+            <a:r>
+              <a:rPr b="0" lang="en-US" sz="2000" spc="-1" strike="noStrike">
+                <a:latin typeface="Arial"/>
+              </a:rPr>
+              <a:t>Fourth Outline Level</a:t>
+            </a:r>
+            <a:endParaRPr b="0" lang="en-US" sz="2000" spc="-1" strike="noStrike">
+              <a:latin typeface="Arial"/>
+            </a:endParaRPr>
+          </a:p>
+          <a:p>
+            <a:pPr lvl="4" marL="2160000" indent="-216000">
+              <a:spcBef>
+                <a:spcPts val="283"/>
+              </a:spcBef>
+              <a:buClr>
+                <a:srgbClr val="000000"/>
+              </a:buClr>
+              <a:buSzPct val="45000"/>
+              <a:buFont typeface="Wingdings" charset="2"/>
+              <a:buChar char=""/>
+            </a:pPr>
+            <a:r>
+              <a:rPr b="0" lang="en-US" sz="2000" spc="-1" strike="noStrike">
+                <a:latin typeface="Arial"/>
+              </a:rPr>
+              <a:t>Fifth Outline Level</a:t>
+            </a:r>
+            <a:endParaRPr b="0" lang="en-US" sz="2000" spc="-1" strike="noStrike">
+              <a:latin typeface="Arial"/>
+            </a:endParaRPr>
+          </a:p>
+          <a:p>
+            <a:pPr lvl="5" marL="2592000" indent="-216000">
+              <a:spcBef>
+                <a:spcPts val="283"/>
+              </a:spcBef>
+              <a:buClr>
+                <a:srgbClr val="000000"/>
+              </a:buClr>
+              <a:buSzPct val="45000"/>
+              <a:buFont typeface="Wingdings" charset="2"/>
+              <a:buChar char=""/>
+            </a:pPr>
+            <a:r>
+              <a:rPr b="0" lang="en-US" sz="2000" spc="-1" strike="noStrike">
+                <a:latin typeface="Arial"/>
+              </a:rPr>
+              <a:t>Sixth Outline Level</a:t>
+            </a:r>
+            <a:endParaRPr b="0" lang="en-US" sz="2000" spc="-1" strike="noStrike">
+              <a:latin typeface="Arial"/>
+            </a:endParaRPr>
+          </a:p>
+          <a:p>
+            <a:pPr lvl="6" marL="3024000" indent="-216000">
+              <a:spcBef>
+                <a:spcPts val="283"/>
+              </a:spcBef>
+              <a:buClr>
+                <a:srgbClr val="000000"/>
+              </a:buClr>
+              <a:buSzPct val="45000"/>
+              <a:buFont typeface="Wingdings" charset="2"/>
+              <a:buChar char=""/>
+            </a:pPr>
+            <a:r>
+              <a:rPr b="0" lang="en-US" sz="2000" spc="-1" strike="noStrike">
+                <a:latin typeface="Arial"/>
+              </a:rPr>
+              <a:t>Seventh Outline Level</a:t>
+            </a:r>
+            <a:endParaRPr b="0" lang="en-US" sz="2000" spc="-1" strike="noStrike">
+              <a:latin typeface="Arial"/>
+            </a:endParaRPr>
+          </a:p>
+        </p:txBody>
+      </p:sp>
+    </p:spTree>
+  </p:cSld>
+  <p:clrMap bg1="lt1" bg2="lt2" tx1="dk1" tx2="dk2" accent1="accent1" accent2="accent2" accent3="accent3" accent4="accent4" accent5="accent5" accent6="accent6" hlink="hlink" folHlink="folHlink"/>
+  <p:sldLayoutIdLst>
+    <p:sldLayoutId id="2147483662" r:id="rId2"/>
+    <p:sldLayoutId id="2147483663" r:id="rId3"/>
+    <p:sldLayoutId id="2147483664" r:id="rId4"/>
+    <p:sldLayoutId id="2147483665" r:id="rId5"/>
+    <p:sldLayoutId id="2147483666" r:id="rId6"/>
+    <p:sldLayoutId id="2147483667" r:id="rId7"/>
+    <p:sldLayoutId id="2147483668" r:id="rId8"/>
+    <p:sldLayoutId id="2147483669" r:id="rId9"/>
+    <p:sldLayoutId id="2147483670" r:id="rId10"/>
+    <p:sldLayoutId id="2147483671" r:id="rId11"/>
+    <p:sldLayoutId id="2147483672" r:id="rId12"/>
+    <p:sldLayoutId id="2147483673" r:id="rId13"/>
   </p:sldLayoutIdLst>
 </p:sldMaster>
 </file>
@@ -1724,14 +3203,14 @@
       </p:grpSpPr>
       <p:sp>
         <p:nvSpPr>
-          <p:cNvPr id="41" name="TextShape 1"/>
-          <p:cNvSpPr txBox="1"/>
+          <p:cNvPr id="76" name="CustomShape 1"/>
+          <p:cNvSpPr/>
           <p:nvPr/>
         </p:nvSpPr>
         <p:spPr>
           <a:xfrm>
             <a:off x="504000" y="226080"/>
-            <a:ext cx="9071640" cy="946440"/>
+            <a:ext cx="9071280" cy="946080"/>
           </a:xfrm>
           <a:prstGeom prst="rect">
             <a:avLst/>
@@ -1741,10 +3220,20 @@
             <a:noFill/>
           </a:ln>
         </p:spPr>
+        <p:style>
+          <a:lnRef idx="0"/>
+          <a:fillRef idx="0"/>
+          <a:effectRef idx="0"/>
+          <a:fontRef idx="minor"/>
+        </p:style>
         <p:txBody>
           <a:bodyPr lIns="0" rIns="0" tIns="0" bIns="0" anchor="ctr"/>
           <a:p>
-            <a:pPr algn="ctr"/>
+            <a:pPr algn="ctr">
+              <a:lnSpc>
+                <a:spcPct val="100000"/>
+              </a:lnSpc>
+            </a:pPr>
             <a:r>
               <a:rPr b="0" lang="en-US" sz="4400" spc="-1" strike="noStrike">
                 <a:latin typeface="Arial"/>
@@ -1759,14 +3248,14 @@
       </p:sp>
       <p:sp>
         <p:nvSpPr>
-          <p:cNvPr id="42" name="TextShape 2"/>
-          <p:cNvSpPr txBox="1"/>
+          <p:cNvPr id="77" name="CustomShape 2"/>
+          <p:cNvSpPr/>
           <p:nvPr/>
         </p:nvSpPr>
         <p:spPr>
           <a:xfrm>
             <a:off x="504000" y="1326600"/>
-            <a:ext cx="9071640" cy="3288240"/>
+            <a:ext cx="9071280" cy="3287880"/>
           </a:xfrm>
           <a:prstGeom prst="rect">
             <a:avLst/>
@@ -1776,12 +3265,21 @@
             <a:noFill/>
           </a:ln>
         </p:spPr>
+        <p:style>
+          <a:lnRef idx="0"/>
+          <a:fillRef idx="0"/>
+          <a:effectRef idx="0"/>
+          <a:fontRef idx="minor"/>
+        </p:style>
         <p:txBody>
           <a:bodyPr lIns="0" rIns="0" tIns="0" bIns="0">
             <a:normAutofit/>
           </a:bodyPr>
           <a:p>
-            <a:pPr marL="432000" indent="-324000">
+            <a:pPr marL="432000" indent="-323640">
+              <a:lnSpc>
+                <a:spcPct val="100000"/>
+              </a:lnSpc>
               <a:spcBef>
                 <a:spcPts val="1417"/>
               </a:spcBef>
@@ -1803,7 +3301,10 @@
             </a:endParaRPr>
           </a:p>
           <a:p>
-            <a:pPr marL="432000" indent="-324000">
+            <a:pPr marL="432000" indent="-323640">
+              <a:lnSpc>
+                <a:spcPct val="100000"/>
+              </a:lnSpc>
               <a:spcBef>
                 <a:spcPts val="1417"/>
               </a:spcBef>
@@ -1825,7 +3326,23 @@
             </a:endParaRPr>
           </a:p>
           <a:p>
-            <a:pPr marL="432000" indent="-324000">
+            <a:pPr>
+              <a:lnSpc>
+                <a:spcPct val="100000"/>
+              </a:lnSpc>
+              <a:spcBef>
+                <a:spcPts val="1417"/>
+              </a:spcBef>
+            </a:pPr>
+            <a:endParaRPr b="0" lang="en-US" sz="3200" spc="-1" strike="noStrike">
+              <a:latin typeface="Arial"/>
+            </a:endParaRPr>
+          </a:p>
+          <a:p>
+            <a:pPr marL="432000" indent="-323640">
+              <a:lnSpc>
+                <a:spcPct val="100000"/>
+              </a:lnSpc>
               <a:spcBef>
                 <a:spcPts val="1417"/>
               </a:spcBef>
@@ -1836,22 +3353,6 @@
               <a:buFont typeface="Wingdings" charset="2"/>
               <a:buChar char=""/>
             </a:pPr>
-            <a:endParaRPr b="0" lang="en-US" sz="3200" spc="-1" strike="noStrike">
-              <a:latin typeface="Arial"/>
-            </a:endParaRPr>
-          </a:p>
-          <a:p>
-            <a:pPr marL="432000" indent="-324000">
-              <a:spcBef>
-                <a:spcPts val="1417"/>
-              </a:spcBef>
-              <a:buClr>
-                <a:srgbClr val="000000"/>
-              </a:buClr>
-              <a:buSzPct val="45000"/>
-              <a:buFont typeface="Wingdings" charset="2"/>
-              <a:buChar char=""/>
-            </a:pPr>
             <a:r>
               <a:rPr b="0" lang="en-US" sz="3200" spc="-1" strike="noStrike">
                 <a:solidFill>
@@ -1878,7 +3379,7 @@
       </p:sp>
       <p:pic>
         <p:nvPicPr>
-          <p:cNvPr id="43" name="" descr=""/>
+          <p:cNvPr id="78" name="" descr=""/>
           <p:cNvPicPr/>
           <p:nvPr/>
         </p:nvPicPr>
@@ -1889,7 +3390,7 @@
         <p:spPr>
           <a:xfrm>
             <a:off x="4001760" y="2651760"/>
-            <a:ext cx="4776480" cy="2686680"/>
+            <a:ext cx="4776120" cy="2686320"/>
           </a:xfrm>
           <a:prstGeom prst="rect">
             <a:avLst/>
@@ -1950,14 +3451,14 @@
       </p:grpSpPr>
       <p:sp>
         <p:nvSpPr>
-          <p:cNvPr id="44" name="TextShape 1"/>
-          <p:cNvSpPr txBox="1"/>
+          <p:cNvPr id="79" name="CustomShape 1"/>
+          <p:cNvSpPr/>
           <p:nvPr/>
         </p:nvSpPr>
         <p:spPr>
           <a:xfrm>
             <a:off x="504000" y="226080"/>
-            <a:ext cx="9071640" cy="946440"/>
+            <a:ext cx="9071280" cy="946080"/>
           </a:xfrm>
           <a:prstGeom prst="rect">
             <a:avLst/>
@@ -1967,10 +3468,20 @@
             <a:noFill/>
           </a:ln>
         </p:spPr>
+        <p:style>
+          <a:lnRef idx="0"/>
+          <a:fillRef idx="0"/>
+          <a:effectRef idx="0"/>
+          <a:fontRef idx="minor"/>
+        </p:style>
         <p:txBody>
           <a:bodyPr lIns="0" rIns="0" tIns="0" bIns="0" anchor="ctr"/>
           <a:p>
-            <a:pPr algn="ctr"/>
+            <a:pPr algn="ctr">
+              <a:lnSpc>
+                <a:spcPct val="100000"/>
+              </a:lnSpc>
+            </a:pPr>
             <a:r>
               <a:rPr b="0" lang="en-US" sz="4400" spc="-1" strike="noStrike">
                 <a:latin typeface="Arial"/>
@@ -1985,14 +3496,14 @@
       </p:sp>
       <p:sp>
         <p:nvSpPr>
-          <p:cNvPr id="45" name="TextShape 2"/>
-          <p:cNvSpPr txBox="1"/>
+          <p:cNvPr id="80" name="CustomShape 2"/>
+          <p:cNvSpPr/>
           <p:nvPr/>
         </p:nvSpPr>
         <p:spPr>
           <a:xfrm>
             <a:off x="504000" y="1326600"/>
-            <a:ext cx="9071640" cy="3288240"/>
+            <a:ext cx="9071280" cy="3287880"/>
           </a:xfrm>
           <a:prstGeom prst="rect">
             <a:avLst/>
@@ -2002,12 +3513,21 @@
             <a:noFill/>
           </a:ln>
         </p:spPr>
+        <p:style>
+          <a:lnRef idx="0"/>
+          <a:fillRef idx="0"/>
+          <a:effectRef idx="0"/>
+          <a:fontRef idx="minor"/>
+        </p:style>
         <p:txBody>
           <a:bodyPr lIns="0" rIns="0" tIns="0" bIns="0">
             <a:normAutofit/>
           </a:bodyPr>
           <a:p>
-            <a:pPr marL="432000" indent="-324000">
+            <a:pPr marL="432000" indent="-323640">
+              <a:lnSpc>
+                <a:spcPct val="100000"/>
+              </a:lnSpc>
               <a:spcBef>
                 <a:spcPts val="1417"/>
               </a:spcBef>
@@ -2029,7 +3549,23 @@
             </a:endParaRPr>
           </a:p>
           <a:p>
-            <a:pPr marL="432000" indent="-324000">
+            <a:pPr>
+              <a:lnSpc>
+                <a:spcPct val="100000"/>
+              </a:lnSpc>
+              <a:spcBef>
+                <a:spcPts val="1417"/>
+              </a:spcBef>
+            </a:pPr>
+            <a:endParaRPr b="0" lang="en-US" sz="3200" spc="-1" strike="noStrike">
+              <a:latin typeface="Arial"/>
+            </a:endParaRPr>
+          </a:p>
+          <a:p>
+            <a:pPr marL="432000" indent="-323640">
+              <a:lnSpc>
+                <a:spcPct val="100000"/>
+              </a:lnSpc>
               <a:spcBef>
                 <a:spcPts val="1417"/>
               </a:spcBef>
@@ -2040,12 +3576,33 @@
               <a:buFont typeface="Wingdings" charset="2"/>
               <a:buChar char=""/>
             </a:pPr>
-            <a:endParaRPr b="0" lang="en-US" sz="3200" spc="-1" strike="noStrike">
-              <a:latin typeface="Arial"/>
-            </a:endParaRPr>
-          </a:p>
-          <a:p>
-            <a:pPr marL="432000" indent="-324000">
+            <a:r>
+              <a:rPr b="0" lang="en-US" sz="3200" spc="-1" strike="noStrike">
+                <a:solidFill>
+                  <a:srgbClr val="000000"/>
+                </a:solidFill>
+                <a:latin typeface="Arial"/>
+              </a:rPr>
+              <a:t>~$</a:t>
+            </a:r>
+            <a:r>
+              <a:rPr b="0" lang="en-US" sz="3200" spc="-1" strike="noStrike">
+                <a:solidFill>
+                  <a:srgbClr val="0066b3"/>
+                </a:solidFill>
+                <a:latin typeface="Arial"/>
+              </a:rPr>
+              <a:t> sudo apt-get install ros-kinetic-mavros ros-kinetic-mavros-extras</a:t>
+            </a:r>
+            <a:endParaRPr b="0" lang="en-US" sz="3200" spc="-1" strike="noStrike">
+              <a:latin typeface="Arial"/>
+            </a:endParaRPr>
+          </a:p>
+          <a:p>
+            <a:pPr marL="432000" indent="-323640">
+              <a:lnSpc>
+                <a:spcPct val="100000"/>
+              </a:lnSpc>
               <a:spcBef>
                 <a:spcPts val="1417"/>
               </a:spcBef>
@@ -2072,14 +3629,17 @@
                 </a:solidFill>
                 <a:latin typeface="Arial"/>
               </a:rPr>
-              <a:t> sudo apt-get install ros-kinetic-mavros ros-kinetic-mavros-extras</a:t>
-            </a:r>
-            <a:endParaRPr b="0" lang="en-US" sz="3200" spc="-1" strike="noStrike">
-              <a:latin typeface="Arial"/>
-            </a:endParaRPr>
-          </a:p>
-          <a:p>
-            <a:pPr marL="432000" indent="-324000">
+              <a:t> wget https://raw.githubusercontent.com/mavlink/mavros/master/mavros/scripts/install_geographiclib_datasets.sh</a:t>
+            </a:r>
+            <a:endParaRPr b="0" lang="en-US" sz="3200" spc="-1" strike="noStrike">
+              <a:latin typeface="Arial"/>
+            </a:endParaRPr>
+          </a:p>
+          <a:p>
+            <a:pPr marL="432000" indent="-323640">
+              <a:lnSpc>
+                <a:spcPct val="100000"/>
+              </a:lnSpc>
               <a:spcBef>
                 <a:spcPts val="1417"/>
               </a:spcBef>
@@ -2096,6 +3656,7 @@
                   <a:srgbClr val="000000"/>
                 </a:solidFill>
                 <a:latin typeface="Arial"/>
+                <a:ea typeface="Noto Sans CJK SC"/>
               </a:rPr>
               <a:t>~$</a:t>
             </a:r>
@@ -2105,15 +3666,19 @@
                   <a:srgbClr val="0066b3"/>
                 </a:solidFill>
                 <a:latin typeface="Arial"/>
-              </a:rPr>
-              <a:t> wget https://raw.githubusercontent.com/mavlink/mavros/master/mavros/scripts/install_geographiclib_datasets.sh</a:t>
-            </a:r>
-            <a:endParaRPr b="0" lang="en-US" sz="3200" spc="-1" strike="noStrike">
-              <a:latin typeface="Arial"/>
-            </a:endParaRPr>
-          </a:p>
-          <a:p>
-            <a:pPr marL="432000" indent="-324000">
+                <a:ea typeface="Noto Sans CJK SC"/>
+              </a:rPr>
+              <a:t> sudo chmod +x ./install_geographiclib_datasets.sh</a:t>
+            </a:r>
+            <a:endParaRPr b="0" lang="en-US" sz="3200" spc="-1" strike="noStrike">
+              <a:latin typeface="Arial"/>
+            </a:endParaRPr>
+          </a:p>
+          <a:p>
+            <a:pPr marL="432000" indent="-323640">
+              <a:lnSpc>
+                <a:spcPct val="100000"/>
+              </a:lnSpc>
               <a:spcBef>
                 <a:spcPts val="1417"/>
               </a:spcBef>
@@ -2142,23 +3707,17 @@
                 <a:latin typeface="Arial"/>
                 <a:ea typeface="Noto Sans CJK SC"/>
               </a:rPr>
-              <a:t> sudo chmod +x </a:t>
-            </a:r>
-            <a:r>
-              <a:rPr b="0" lang="en-US" sz="3200" spc="-1" strike="noStrike">
-                <a:solidFill>
-                  <a:srgbClr val="0066b3"/>
-                </a:solidFill>
-                <a:latin typeface="Arial"/>
-              </a:rPr>
-              <a:t>./install_geographiclib_datasets.sh</a:t>
-            </a:r>
-            <a:endParaRPr b="0" lang="en-US" sz="3200" spc="-1" strike="noStrike">
-              <a:latin typeface="Arial"/>
-            </a:endParaRPr>
-          </a:p>
-          <a:p>
-            <a:pPr marL="432000" indent="-324000">
+              <a:t> sudo ./install_geographiclib_datasets.sh</a:t>
+            </a:r>
+            <a:endParaRPr b="0" lang="en-US" sz="3200" spc="-1" strike="noStrike">
+              <a:latin typeface="Arial"/>
+            </a:endParaRPr>
+          </a:p>
+          <a:p>
+            <a:pPr marL="432000" indent="-323640">
+              <a:lnSpc>
+                <a:spcPct val="100000"/>
+              </a:lnSpc>
               <a:spcBef>
                 <a:spcPts val="1417"/>
               </a:spcBef>
@@ -2175,24 +3734,19 @@
                   <a:srgbClr val="000000"/>
                 </a:solidFill>
                 <a:latin typeface="Arial"/>
-              </a:rPr>
-              <a:t>~$</a:t>
-            </a:r>
-            <a:r>
-              <a:rPr b="0" lang="en-US" sz="3200" spc="-1" strike="noStrike">
-                <a:solidFill>
-                  <a:srgbClr val="0066b3"/>
-                </a:solidFill>
-                <a:latin typeface="Arial"/>
-              </a:rPr>
-              <a:t> sudo ./install_geographiclib_datasets.sh</a:t>
-            </a:r>
-            <a:endParaRPr b="0" lang="en-US" sz="3200" spc="-1" strike="noStrike">
-              <a:latin typeface="Arial"/>
-            </a:endParaRPr>
-          </a:p>
-          <a:p>
-            <a:pPr marL="432000" indent="-324000">
+                <a:ea typeface="Noto Sans CJK SC"/>
+              </a:rPr>
+              <a:t>jika sudah terinstall jalankan</a:t>
+            </a:r>
+            <a:endParaRPr b="0" lang="en-US" sz="3200" spc="-1" strike="noStrike">
+              <a:latin typeface="Arial"/>
+            </a:endParaRPr>
+          </a:p>
+          <a:p>
+            <a:pPr marL="432000" indent="-323640">
+              <a:lnSpc>
+                <a:spcPct val="100000"/>
+              </a:lnSpc>
               <a:spcBef>
                 <a:spcPts val="1417"/>
               </a:spcBef>
@@ -2209,15 +3763,42 @@
                   <a:srgbClr val="000000"/>
                 </a:solidFill>
                 <a:latin typeface="Arial"/>
-              </a:rPr>
-              <a:t>jika sudah terinstall jalankan</a:t>
-            </a:r>
-            <a:endParaRPr b="0" lang="en-US" sz="3200" spc="-1" strike="noStrike">
-              <a:latin typeface="Arial"/>
-            </a:endParaRPr>
-          </a:p>
-          <a:p>
-            <a:pPr marL="432000" indent="-324000">
+                <a:ea typeface="Noto Sans CJK SC"/>
+              </a:rPr>
+              <a:t>~$</a:t>
+            </a:r>
+            <a:r>
+              <a:rPr b="0" lang="en-US" sz="3200" spc="-1" strike="noStrike">
+                <a:solidFill>
+                  <a:srgbClr val="0066b3"/>
+                </a:solidFill>
+                <a:latin typeface="Arial"/>
+                <a:ea typeface="Noto Sans CJK SC"/>
+              </a:rPr>
+              <a:t> roslaunch mavros apm.launch</a:t>
+            </a:r>
+            <a:endParaRPr b="0" lang="en-US" sz="3200" spc="-1" strike="noStrike">
+              <a:latin typeface="Arial"/>
+            </a:endParaRPr>
+          </a:p>
+          <a:p>
+            <a:pPr>
+              <a:lnSpc>
+                <a:spcPct val="100000"/>
+              </a:lnSpc>
+              <a:spcBef>
+                <a:spcPts val="1417"/>
+              </a:spcBef>
+            </a:pPr>
+            <a:endParaRPr b="0" lang="en-US" sz="3200" spc="-1" strike="noStrike">
+              <a:latin typeface="Arial"/>
+            </a:endParaRPr>
+          </a:p>
+          <a:p>
+            <a:pPr marL="432000" indent="-323640">
+              <a:lnSpc>
+                <a:spcPct val="100000"/>
+              </a:lnSpc>
               <a:spcBef>
                 <a:spcPts val="1417"/>
               </a:spcBef>
@@ -2234,56 +3815,7 @@
                   <a:srgbClr val="000000"/>
                 </a:solidFill>
                 <a:latin typeface="Arial"/>
-              </a:rPr>
-              <a:t>~$</a:t>
-            </a:r>
-            <a:r>
-              <a:rPr b="0" lang="en-US" sz="3200" spc="-1" strike="noStrike">
-                <a:solidFill>
-                  <a:srgbClr val="0066b3"/>
-                </a:solidFill>
-                <a:latin typeface="Arial"/>
-              </a:rPr>
-              <a:t> roslaunch mavros apm.launch</a:t>
-            </a:r>
-            <a:endParaRPr b="0" lang="en-US" sz="3200" spc="-1" strike="noStrike">
-              <a:latin typeface="Arial"/>
-            </a:endParaRPr>
-          </a:p>
-          <a:p>
-            <a:pPr marL="432000" indent="-324000">
-              <a:spcBef>
-                <a:spcPts val="1417"/>
-              </a:spcBef>
-              <a:buClr>
-                <a:srgbClr val="000000"/>
-              </a:buClr>
-              <a:buSzPct val="45000"/>
-              <a:buFont typeface="Wingdings" charset="2"/>
-              <a:buChar char=""/>
-            </a:pPr>
-            <a:endParaRPr b="0" lang="en-US" sz="3200" spc="-1" strike="noStrike">
-              <a:latin typeface="Arial"/>
-            </a:endParaRPr>
-          </a:p>
-          <a:p>
-            <a:pPr marL="432000" indent="-324000">
-              <a:spcBef>
-                <a:spcPts val="1417"/>
-              </a:spcBef>
-              <a:buClr>
-                <a:srgbClr val="000000"/>
-              </a:buClr>
-              <a:buSzPct val="45000"/>
-              <a:buFont typeface="Wingdings" charset="2"/>
-              <a:buChar char=""/>
-            </a:pPr>
-            <a:r>
-              <a:rPr b="0" lang="en-US" sz="3200" spc="-1" strike="noStrike">
-                <a:solidFill>
-                  <a:srgbClr val="000000"/>
-                </a:solidFill>
-                <a:latin typeface="Arial"/>
+                <a:ea typeface="Noto Sans CJK SC"/>
               </a:rPr>
               <a:t>ref : https://github.com/mavlink/mavros/blob/master/mavros/README.md</a:t>
             </a:r>
@@ -2344,14 +3876,14 @@
       </p:grpSpPr>
       <p:sp>
         <p:nvSpPr>
-          <p:cNvPr id="46" name="TextShape 1"/>
-          <p:cNvSpPr txBox="1"/>
+          <p:cNvPr id="81" name="CustomShape 1"/>
+          <p:cNvSpPr/>
           <p:nvPr/>
         </p:nvSpPr>
         <p:spPr>
           <a:xfrm>
             <a:off x="504000" y="226080"/>
-            <a:ext cx="9071640" cy="946440"/>
+            <a:ext cx="9071280" cy="946080"/>
           </a:xfrm>
           <a:prstGeom prst="rect">
             <a:avLst/>
@@ -2361,10 +3893,20 @@
             <a:noFill/>
           </a:ln>
         </p:spPr>
+        <p:style>
+          <a:lnRef idx="0"/>
+          <a:fillRef idx="0"/>
+          <a:effectRef idx="0"/>
+          <a:fontRef idx="minor"/>
+        </p:style>
         <p:txBody>
           <a:bodyPr lIns="0" rIns="0" tIns="0" bIns="0" anchor="ctr"/>
           <a:p>
-            <a:pPr algn="ctr"/>
+            <a:pPr algn="ctr">
+              <a:lnSpc>
+                <a:spcPct val="100000"/>
+              </a:lnSpc>
+            </a:pPr>
             <a:r>
               <a:rPr b="0" lang="en-US" sz="4400" spc="-1" strike="noStrike">
                 <a:latin typeface="Arial"/>
@@ -2379,14 +3921,14 @@
       </p:sp>
       <p:sp>
         <p:nvSpPr>
-          <p:cNvPr id="47" name="TextShape 2"/>
-          <p:cNvSpPr txBox="1"/>
+          <p:cNvPr id="82" name="CustomShape 2"/>
+          <p:cNvSpPr/>
           <p:nvPr/>
         </p:nvSpPr>
         <p:spPr>
           <a:xfrm>
             <a:off x="504000" y="1326600"/>
-            <a:ext cx="9071640" cy="3288240"/>
+            <a:ext cx="9071280" cy="3287880"/>
           </a:xfrm>
           <a:prstGeom prst="rect">
             <a:avLst/>
@@ -2396,12 +3938,21 @@
             <a:noFill/>
           </a:ln>
         </p:spPr>
+        <p:style>
+          <a:lnRef idx="0"/>
+          <a:fillRef idx="0"/>
+          <a:effectRef idx="0"/>
+          <a:fontRef idx="minor"/>
+        </p:style>
         <p:txBody>
           <a:bodyPr lIns="0" rIns="0" tIns="0" bIns="0">
             <a:normAutofit/>
           </a:bodyPr>
           <a:p>
-            <a:pPr marL="432000" indent="-324000">
+            <a:pPr marL="432000" indent="-323640">
+              <a:lnSpc>
+                <a:spcPct val="100000"/>
+              </a:lnSpc>
               <a:spcBef>
                 <a:spcPts val="1417"/>
               </a:spcBef>
@@ -2428,10 +3979,11 @@
               <a:t>git clone </a:t>
             </a:r>
             <a:r>
-              <a:rPr b="0" lang="en-US" sz="3200" spc="-1" strike="noStrike">
+              <a:rPr b="0" lang="en-US" sz="3200" spc="-1" strike="noStrike" u="sng">
                 <a:solidFill>
-                  <a:srgbClr val="0066b3"/>
+                  <a:srgbClr val="0000ff"/>
                 </a:solidFill>
+                <a:uFillTx/>
                 <a:latin typeface="Arial"/>
                 <a:hlinkClick r:id="rId1"/>
               </a:rPr>
@@ -2442,7 +3994,10 @@
             </a:endParaRPr>
           </a:p>
           <a:p>
-            <a:pPr marL="432000" indent="-324000">
+            <a:pPr marL="432000" indent="-323640">
+              <a:lnSpc>
+                <a:spcPct val="100000"/>
+              </a:lnSpc>
               <a:spcBef>
                 <a:spcPts val="1417"/>
               </a:spcBef>
@@ -2455,6 +4010,9 @@
             </a:pPr>
             <a:r>
               <a:rPr b="0" lang="en-US" sz="3200" spc="-1" strike="noStrike">
+                <a:solidFill>
+                  <a:srgbClr val="0000ff"/>
+                </a:solidFill>
                 <a:latin typeface="Arial"/>
               </a:rPr>
               <a:t>~$ </a:t>
@@ -2473,7 +4031,10 @@
             </a:endParaRPr>
           </a:p>
           <a:p>
-            <a:pPr marL="432000" indent="-324000">
+            <a:pPr marL="432000" indent="-323640">
+              <a:lnSpc>
+                <a:spcPct val="100000"/>
+              </a:lnSpc>
               <a:spcBef>
                 <a:spcPts val="1417"/>
               </a:spcBef>
@@ -2486,25 +4047,22 @@
             </a:pPr>
             <a:r>
               <a:rPr b="0" lang="en-US" sz="3200" spc="-1" strike="noStrike">
-                <a:latin typeface="Arial"/>
-              </a:rPr>
-              <a:t>~/Firmware $ </a:t>
-            </a:r>
-            <a:r>
-              <a:rPr b="0" lang="en-US" sz="3200" spc="-1" strike="noStrike">
                 <a:solidFill>
                   <a:srgbClr val="0066b3"/>
                 </a:solidFill>
                 <a:latin typeface="Arial"/>
               </a:rPr>
-              <a:t>make</a:t>
-            </a:r>
-            <a:endParaRPr b="0" lang="en-US" sz="3200" spc="-1" strike="noStrike">
-              <a:latin typeface="Arial"/>
-            </a:endParaRPr>
-          </a:p>
-          <a:p>
-            <a:pPr marL="432000" indent="-324000">
+              <a:t>~/Firmware $ make</a:t>
+            </a:r>
+            <a:endParaRPr b="0" lang="en-US" sz="3200" spc="-1" strike="noStrike">
+              <a:latin typeface="Arial"/>
+            </a:endParaRPr>
+          </a:p>
+          <a:p>
+            <a:pPr marL="432000" indent="-323640">
+              <a:lnSpc>
+                <a:spcPct val="100000"/>
+              </a:lnSpc>
               <a:spcBef>
                 <a:spcPts val="1417"/>
               </a:spcBef>
@@ -2517,6 +4075,9 @@
             </a:pPr>
             <a:r>
               <a:rPr b="0" lang="en-US" sz="3200" spc="-1" strike="noStrike">
+                <a:solidFill>
+                  <a:srgbClr val="0066b3"/>
+                </a:solidFill>
                 <a:latin typeface="Arial"/>
               </a:rPr>
               <a:t>jalankan wahana (case drone)</a:t>
@@ -2526,7 +4087,10 @@
             </a:endParaRPr>
           </a:p>
           <a:p>
-            <a:pPr marL="432000" indent="-324000">
+            <a:pPr marL="432000" indent="-323640">
+              <a:lnSpc>
+                <a:spcPct val="100000"/>
+              </a:lnSpc>
               <a:spcBef>
                 <a:spcPts val="1417"/>
               </a:spcBef>
@@ -2539,18 +4103,12 @@
             </a:pPr>
             <a:r>
               <a:rPr b="0" lang="en-US" sz="3200" spc="-1" strike="noStrike">
-                <a:latin typeface="Arial"/>
-              </a:rPr>
-              <a:t>~/Firmware $ </a:t>
-            </a:r>
-            <a:r>
-              <a:rPr b="0" lang="en-US" sz="3200" spc="-1" strike="noStrike">
                 <a:solidFill>
                   <a:srgbClr val="0066b3"/>
                 </a:solidFill>
                 <a:latin typeface="Arial"/>
               </a:rPr>
-              <a:t>make px4_sitl gazebo_solo</a:t>
+              <a:t>~/Firmware $ make px4_sitl gazebo_solo</a:t>
             </a:r>
             <a:endParaRPr b="0" lang="en-US" sz="3200" spc="-1" strike="noStrike">
               <a:latin typeface="Arial"/>
@@ -2609,14 +4167,14 @@
       </p:grpSpPr>
       <p:sp>
         <p:nvSpPr>
-          <p:cNvPr id="48" name="TextShape 1"/>
-          <p:cNvSpPr txBox="1"/>
+          <p:cNvPr id="83" name="CustomShape 1"/>
+          <p:cNvSpPr/>
           <p:nvPr/>
         </p:nvSpPr>
         <p:spPr>
           <a:xfrm>
             <a:off x="504000" y="226080"/>
-            <a:ext cx="9071640" cy="946440"/>
+            <a:ext cx="9071280" cy="946080"/>
           </a:xfrm>
           <a:prstGeom prst="rect">
             <a:avLst/>
@@ -2626,10 +4184,20 @@
             <a:noFill/>
           </a:ln>
         </p:spPr>
+        <p:style>
+          <a:lnRef idx="0"/>
+          <a:fillRef idx="0"/>
+          <a:effectRef idx="0"/>
+          <a:fontRef idx="minor"/>
+        </p:style>
         <p:txBody>
           <a:bodyPr lIns="0" rIns="0" tIns="0" bIns="0" anchor="ctr"/>
           <a:p>
-            <a:pPr algn="ctr"/>
+            <a:pPr algn="ctr">
+              <a:lnSpc>
+                <a:spcPct val="100000"/>
+              </a:lnSpc>
+            </a:pPr>
             <a:r>
               <a:rPr b="0" lang="en-US" sz="4400" spc="-1" strike="noStrike">
                 <a:latin typeface="Arial"/>
@@ -2644,14 +4212,14 @@
       </p:sp>
       <p:sp>
         <p:nvSpPr>
-          <p:cNvPr id="49" name="TextShape 2"/>
-          <p:cNvSpPr txBox="1"/>
+          <p:cNvPr id="84" name="CustomShape 2"/>
+          <p:cNvSpPr/>
           <p:nvPr/>
         </p:nvSpPr>
         <p:spPr>
           <a:xfrm>
             <a:off x="504000" y="1326600"/>
-            <a:ext cx="9071640" cy="3288240"/>
+            <a:ext cx="9071280" cy="3287880"/>
           </a:xfrm>
           <a:prstGeom prst="rect">
             <a:avLst/>
@@ -2661,19 +4229,16 @@
             <a:noFill/>
           </a:ln>
         </p:spPr>
-        <p:txBody>
-          <a:bodyPr lIns="0" rIns="0" tIns="0" bIns="0" anchor="ctr"/>
-          <a:p>
-            <a:pPr algn="ctr"/>
-            <a:endParaRPr b="0" lang="en-US" sz="3200" spc="-1" strike="noStrike">
-              <a:latin typeface="Arial"/>
-            </a:endParaRPr>
-          </a:p>
-        </p:txBody>
+        <p:style>
+          <a:lnRef idx="0"/>
+          <a:fillRef idx="0"/>
+          <a:effectRef idx="0"/>
+          <a:fontRef idx="minor"/>
+        </p:style>
       </p:sp>
       <p:pic>
         <p:nvPicPr>
-          <p:cNvPr id="50" name="" descr=""/>
+          <p:cNvPr id="85" name="" descr=""/>
           <p:cNvPicPr/>
           <p:nvPr/>
         </p:nvPicPr>
@@ -2684,7 +4249,7 @@
         <p:spPr>
           <a:xfrm>
             <a:off x="1363320" y="984240"/>
-            <a:ext cx="7368840" cy="4884120"/>
+            <a:ext cx="7368480" cy="4883760"/>
           </a:xfrm>
           <a:prstGeom prst="rect">
             <a:avLst/>
@@ -2745,14 +4310,14 @@
       </p:grpSpPr>
       <p:sp>
         <p:nvSpPr>
-          <p:cNvPr id="51" name="TextShape 1"/>
-          <p:cNvSpPr txBox="1"/>
+          <p:cNvPr id="86" name="CustomShape 1"/>
+          <p:cNvSpPr/>
           <p:nvPr/>
         </p:nvSpPr>
         <p:spPr>
           <a:xfrm>
             <a:off x="504000" y="226080"/>
-            <a:ext cx="9071640" cy="946440"/>
+            <a:ext cx="9071280" cy="946080"/>
           </a:xfrm>
           <a:prstGeom prst="rect">
             <a:avLst/>
@@ -2762,10 +4327,20 @@
             <a:noFill/>
           </a:ln>
         </p:spPr>
+        <p:style>
+          <a:lnRef idx="0"/>
+          <a:fillRef idx="0"/>
+          <a:effectRef idx="0"/>
+          <a:fontRef idx="minor"/>
+        </p:style>
         <p:txBody>
           <a:bodyPr lIns="0" rIns="0" tIns="0" bIns="0" anchor="ctr"/>
           <a:p>
-            <a:pPr algn="ctr"/>
+            <a:pPr algn="ctr">
+              <a:lnSpc>
+                <a:spcPct val="100000"/>
+              </a:lnSpc>
+            </a:pPr>
             <a:r>
               <a:rPr b="0" lang="en-US" sz="4400" spc="-1" strike="noStrike">
                 <a:latin typeface="Arial"/>
@@ -2780,14 +4355,14 @@
       </p:sp>
       <p:sp>
         <p:nvSpPr>
-          <p:cNvPr id="52" name="TextShape 2"/>
-          <p:cNvSpPr txBox="1"/>
+          <p:cNvPr id="87" name="CustomShape 2"/>
+          <p:cNvSpPr/>
           <p:nvPr/>
         </p:nvSpPr>
         <p:spPr>
           <a:xfrm>
             <a:off x="504000" y="1326600"/>
-            <a:ext cx="9071640" cy="3288240"/>
+            <a:ext cx="9071280" cy="3287880"/>
           </a:xfrm>
           <a:prstGeom prst="rect">
             <a:avLst/>
@@ -2797,12 +4372,21 @@
             <a:noFill/>
           </a:ln>
         </p:spPr>
+        <p:style>
+          <a:lnRef idx="0"/>
+          <a:fillRef idx="0"/>
+          <a:effectRef idx="0"/>
+          <a:fontRef idx="minor"/>
+        </p:style>
         <p:txBody>
           <a:bodyPr lIns="0" rIns="0" tIns="0" bIns="0">
             <a:normAutofit/>
           </a:bodyPr>
           <a:p>
-            <a:pPr marL="432000" indent="-324000">
+            <a:pPr marL="432000" indent="-323640">
+              <a:lnSpc>
+                <a:spcPct val="100000"/>
+              </a:lnSpc>
               <a:spcBef>
                 <a:spcPts val="1417"/>
               </a:spcBef>
@@ -2824,7 +4408,10 @@
             </a:endParaRPr>
           </a:p>
           <a:p>
-            <a:pPr marL="432000" indent="-324000">
+            <a:pPr marL="432000" indent="-323640">
+              <a:lnSpc>
+                <a:spcPct val="100000"/>
+              </a:lnSpc>
               <a:spcBef>
                 <a:spcPts val="1417"/>
               </a:spcBef>
@@ -2846,7 +4433,10 @@
             </a:endParaRPr>
           </a:p>
           <a:p>
-            <a:pPr marL="432000" indent="-324000">
+            <a:pPr marL="432000" indent="-323640">
+              <a:lnSpc>
+                <a:spcPct val="100000"/>
+              </a:lnSpc>
               <a:spcBef>
                 <a:spcPts val="1417"/>
               </a:spcBef>
@@ -2929,14 +4519,14 @@
       </p:grpSpPr>
       <p:sp>
         <p:nvSpPr>
-          <p:cNvPr id="53" name="TextShape 1"/>
-          <p:cNvSpPr txBox="1"/>
+          <p:cNvPr id="88" name="CustomShape 1"/>
+          <p:cNvSpPr/>
           <p:nvPr/>
         </p:nvSpPr>
         <p:spPr>
           <a:xfrm>
             <a:off x="504000" y="226080"/>
-            <a:ext cx="9071640" cy="946440"/>
+            <a:ext cx="9071280" cy="946080"/>
           </a:xfrm>
           <a:prstGeom prst="rect">
             <a:avLst/>
@@ -2946,10 +4536,20 @@
             <a:noFill/>
           </a:ln>
         </p:spPr>
+        <p:style>
+          <a:lnRef idx="0"/>
+          <a:fillRef idx="0"/>
+          <a:effectRef idx="0"/>
+          <a:fontRef idx="minor"/>
+        </p:style>
         <p:txBody>
           <a:bodyPr lIns="0" rIns="0" tIns="0" bIns="0" anchor="ctr"/>
           <a:p>
-            <a:pPr algn="ctr"/>
+            <a:pPr algn="ctr">
+              <a:lnSpc>
+                <a:spcPct val="100000"/>
+              </a:lnSpc>
+            </a:pPr>
             <a:r>
               <a:rPr b="0" lang="en-US" sz="4400" spc="-1" strike="noStrike">
                 <a:latin typeface="Arial"/>
@@ -2964,14 +4564,14 @@
       </p:sp>
       <p:sp>
         <p:nvSpPr>
-          <p:cNvPr id="54" name="TextShape 2"/>
-          <p:cNvSpPr txBox="1"/>
+          <p:cNvPr id="89" name="CustomShape 2"/>
+          <p:cNvSpPr/>
           <p:nvPr/>
         </p:nvSpPr>
         <p:spPr>
           <a:xfrm>
             <a:off x="529560" y="1375200"/>
-            <a:ext cx="9071640" cy="3288240"/>
+            <a:ext cx="9071280" cy="3287880"/>
           </a:xfrm>
           <a:prstGeom prst="rect">
             <a:avLst/>
@@ -2981,12 +4581,21 @@
             <a:noFill/>
           </a:ln>
         </p:spPr>
+        <p:style>
+          <a:lnRef idx="0"/>
+          <a:fillRef idx="0"/>
+          <a:effectRef idx="0"/>
+          <a:fontRef idx="minor"/>
+        </p:style>
         <p:txBody>
           <a:bodyPr lIns="0" rIns="0" tIns="0" bIns="0">
             <a:normAutofit/>
           </a:bodyPr>
           <a:p>
-            <a:pPr marL="432000" indent="-324000">
+            <a:pPr marL="432000" indent="-323640">
+              <a:lnSpc>
+                <a:spcPct val="100000"/>
+              </a:lnSpc>
               <a:spcBef>
                 <a:spcPts val="1417"/>
               </a:spcBef>
@@ -3008,7 +4617,10 @@
             </a:endParaRPr>
           </a:p>
           <a:p>
-            <a:pPr marL="432000" indent="-324000">
+            <a:pPr marL="432000" indent="-323640">
+              <a:lnSpc>
+                <a:spcPct val="100000"/>
+              </a:lnSpc>
               <a:spcBef>
                 <a:spcPts val="1417"/>
               </a:spcBef>
@@ -3032,7 +4644,67 @@
                 </a:solidFill>
                 <a:latin typeface="Arial"/>
               </a:rPr>
-              <a:t>roslaunch mavros px4.launch fcu_url:="udp://:14540@127.0.0.1:14557"</a:t>
+              <a:t>roslaunch mavros px4.launch fcu_url:="udp://:</a:t>
+            </a:r>
+            <a:r>
+              <a:rPr b="0" lang="en-US" sz="3200" spc="-1" strike="noStrike">
+                <a:solidFill>
+                  <a:srgbClr val="0066b3"/>
+                </a:solidFill>
+                <a:latin typeface="Arial"/>
+                <a:hlinkClick r:id="rId1"/>
+              </a:rPr>
+              <a:t>14540@127.0.0.1</a:t>
+            </a:r>
+            <a:r>
+              <a:rPr b="0" lang="en-US" sz="3200" spc="-1" strike="noStrike">
+                <a:solidFill>
+                  <a:srgbClr val="0066b3"/>
+                </a:solidFill>
+                <a:latin typeface="Arial"/>
+              </a:rPr>
+              <a:t>:14557"</a:t>
+            </a:r>
+            <a:endParaRPr b="0" lang="en-US" sz="3200" spc="-1" strike="noStrike">
+              <a:latin typeface="Arial"/>
+            </a:endParaRPr>
+          </a:p>
+          <a:p>
+            <a:pPr marL="432000" indent="-323640">
+              <a:lnSpc>
+                <a:spcPct val="100000"/>
+              </a:lnSpc>
+              <a:spcBef>
+                <a:spcPts val="1417"/>
+              </a:spcBef>
+              <a:buClr>
+                <a:srgbClr val="000000"/>
+              </a:buClr>
+              <a:buSzPct val="45000"/>
+              <a:buFont typeface="Wingdings" charset="2"/>
+              <a:buChar char=""/>
+            </a:pPr>
+            <a:endParaRPr b="0" lang="en-US" sz="3200" spc="-1" strike="noStrike">
+              <a:latin typeface="Arial"/>
+            </a:endParaRPr>
+          </a:p>
+          <a:p>
+            <a:pPr>
+              <a:lnSpc>
+                <a:spcPct val="100000"/>
+              </a:lnSpc>
+              <a:spcBef>
+                <a:spcPts val="1417"/>
+              </a:spcBef>
+            </a:pPr>
+            <a:r>
+              <a:rPr b="0" lang="en-US" sz="3200" spc="-1" strike="noStrike">
+                <a:solidFill>
+                  <a:srgbClr val="0066b3"/>
+                </a:solidFill>
+                <a:latin typeface="Arial"/>
+              </a:rPr>
+              <a:t>ref : https://dev.px4.io/v1.9.0/en/simulation/ros_interface.html</a:t>
             </a:r>
             <a:endParaRPr b="0" lang="en-US" sz="3200" spc="-1" strike="noStrike">
               <a:latin typeface="Arial"/>
@@ -3091,14 +4763,14 @@
       </p:grpSpPr>
       <p:sp>
         <p:nvSpPr>
-          <p:cNvPr id="55" name="TextShape 1"/>
-          <p:cNvSpPr txBox="1"/>
+          <p:cNvPr id="90" name="CustomShape 1"/>
+          <p:cNvSpPr/>
           <p:nvPr/>
         </p:nvSpPr>
         <p:spPr>
           <a:xfrm>
             <a:off x="504000" y="226080"/>
-            <a:ext cx="9071640" cy="946440"/>
+            <a:ext cx="9071280" cy="946080"/>
           </a:xfrm>
           <a:prstGeom prst="rect">
             <a:avLst/>
@@ -3108,10 +4780,20 @@
             <a:noFill/>
           </a:ln>
         </p:spPr>
+        <p:style>
+          <a:lnRef idx="0"/>
+          <a:fillRef idx="0"/>
+          <a:effectRef idx="0"/>
+          <a:fontRef idx="minor"/>
+        </p:style>
         <p:txBody>
           <a:bodyPr lIns="0" rIns="0" tIns="0" bIns="0" anchor="ctr"/>
           <a:p>
-            <a:pPr algn="ctr"/>
+            <a:pPr algn="ctr">
+              <a:lnSpc>
+                <a:spcPct val="100000"/>
+              </a:lnSpc>
+            </a:pPr>
             <a:r>
               <a:rPr b="0" lang="en-US" sz="4400" spc="-1" strike="noStrike">
                 <a:latin typeface="Arial"/>
@@ -3126,14 +4808,14 @@
       </p:sp>
       <p:sp>
         <p:nvSpPr>
-          <p:cNvPr id="56" name="TextShape 2"/>
-          <p:cNvSpPr txBox="1"/>
+          <p:cNvPr id="91" name="CustomShape 2"/>
+          <p:cNvSpPr/>
           <p:nvPr/>
         </p:nvSpPr>
         <p:spPr>
           <a:xfrm>
             <a:off x="504000" y="1326600"/>
-            <a:ext cx="9071640" cy="3288240"/>
+            <a:ext cx="9071280" cy="3287880"/>
           </a:xfrm>
           <a:prstGeom prst="rect">
             <a:avLst/>
@@ -3143,12 +4825,21 @@
             <a:noFill/>
           </a:ln>
         </p:spPr>
+        <p:style>
+          <a:lnRef idx="0"/>
+          <a:fillRef idx="0"/>
+          <a:effectRef idx="0"/>
+          <a:fontRef idx="minor"/>
+        </p:style>
         <p:txBody>
           <a:bodyPr lIns="0" rIns="0" tIns="0" bIns="0">
             <a:normAutofit/>
           </a:bodyPr>
           <a:p>
-            <a:pPr marL="432000" indent="-324000">
+            <a:pPr marL="432000" indent="-323640">
+              <a:lnSpc>
+                <a:spcPct val="100000"/>
+              </a:lnSpc>
               <a:spcBef>
                 <a:spcPts val="1417"/>
               </a:spcBef>
@@ -3170,7 +4861,10 @@
             </a:endParaRPr>
           </a:p>
           <a:p>
-            <a:pPr marL="432000" indent="-324000">
+            <a:pPr marL="432000" indent="-323640">
+              <a:lnSpc>
+                <a:spcPct val="100000"/>
+              </a:lnSpc>
               <a:spcBef>
                 <a:spcPts val="1417"/>
               </a:spcBef>
@@ -3197,10 +4891,11 @@
               <a:t>git clone </a:t>
             </a:r>
             <a:r>
-              <a:rPr b="0" lang="en-US" sz="3200" spc="-1" strike="noStrike">
+              <a:rPr b="0" lang="en-US" sz="3200" spc="-1" strike="noStrike" u="sng">
                 <a:solidFill>
-                  <a:srgbClr val="0066b3"/>
+                  <a:srgbClr val="0000ff"/>
                 </a:solidFill>
+                <a:uFillTx/>
                 <a:latin typeface="Arial"/>
                 <a:hlinkClick r:id="rId1"/>
               </a:rPr>
@@ -3211,7 +4906,10 @@
             </a:endParaRPr>
           </a:p>
           <a:p>
-            <a:pPr marL="432000" indent="-324000">
+            <a:pPr marL="432000" indent="-323640">
+              <a:lnSpc>
+                <a:spcPct val="100000"/>
+              </a:lnSpc>
               <a:spcBef>
                 <a:spcPts val="1417"/>
               </a:spcBef>
@@ -3245,7 +4943,10 @@
             </a:endParaRPr>
           </a:p>
           <a:p>
-            <a:pPr marL="432000" indent="-324000">
+            <a:pPr marL="432000" indent="-323640">
+              <a:lnSpc>
+                <a:spcPct val="100000"/>
+              </a:lnSpc>
               <a:spcBef>
                 <a:spcPts val="1417"/>
               </a:spcBef>
@@ -3298,7 +4999,10 @@
             </a:endParaRPr>
           </a:p>
           <a:p>
-            <a:pPr marL="432000" indent="-324000">
+            <a:pPr marL="432000" indent="-323640">
+              <a:lnSpc>
+                <a:spcPct val="100000"/>
+              </a:lnSpc>
               <a:spcBef>
                 <a:spcPts val="1417"/>
               </a:spcBef>
@@ -3332,7 +5036,10 @@
             </a:endParaRPr>
           </a:p>
           <a:p>
-            <a:pPr marL="432000" indent="-324000">
+            <a:pPr marL="432000" indent="-323640">
+              <a:lnSpc>
+                <a:spcPct val="100000"/>
+              </a:lnSpc>
               <a:spcBef>
                 <a:spcPts val="1417"/>
               </a:spcBef>
@@ -3357,7 +5064,10 @@
             </a:endParaRPr>
           </a:p>
           <a:p>
-            <a:pPr marL="432000" indent="-324000">
+            <a:pPr marL="432000" indent="-323640">
+              <a:lnSpc>
+                <a:spcPct val="100000"/>
+              </a:lnSpc>
               <a:spcBef>
                 <a:spcPts val="1417"/>
               </a:spcBef>
@@ -3392,6 +5102,273 @@
           <p:childTnLst>
             <p:seq>
               <p:cTn id="14" dur="indefinite" nodeType="mainSeq"/>
+              <p:prevCondLst>
+                <p:cond delay="0" evt="onPrev">
+                  <p:tgtEl>
+                    <p:sldTgt/>
+                  </p:tgtEl>
+                </p:cond>
+              </p:prevCondLst>
+              <p:nextCondLst>
+                <p:cond delay="0" evt="onNext">
+                  <p:tgtEl>
+                    <p:sldTgt/>
+                  </p:tgtEl>
+                </p:cond>
+              </p:nextCondLst>
+            </p:seq>
+          </p:childTnLst>
+        </p:cTn>
+      </p:par>
+    </p:tnLst>
+  </p:timing>
+</p:sld>
+</file>
+
+<file path=ppt/slides/slide8.xml><?xml version="1.0" encoding="utf-8"?>
+<p:sld xmlns:a="http://schemas.openxmlformats.org/drawingml/2006/main" xmlns:p="http://schemas.openxmlformats.org/presentationml/2006/main" xmlns:r="http://schemas.openxmlformats.org/officeDocument/2006/relationships" xmlns:p14="http://schemas.microsoft.com/office/powerpoint/2010/main" xmlns:p15="http://schemas.microsoft.com/office/powerpoint/2012/main" xmlns:mc="http://schemas.openxmlformats.org/markup-compatibility/2006">
+  <p:cSld>
+    <p:spTree>
+      <p:nvGrpSpPr>
+        <p:cNvPr id="1" name=""/>
+        <p:cNvGrpSpPr/>
+        <p:nvPr/>
+      </p:nvGrpSpPr>
+      <p:grpSpPr>
+        <a:xfrm>
+          <a:off x="0" y="0"/>
+          <a:ext cx="0" cy="0"/>
+          <a:chOff x="0" y="0"/>
+          <a:chExt cx="0" cy="0"/>
+        </a:xfrm>
+      </p:grpSpPr>
+      <p:sp>
+        <p:nvSpPr>
+          <p:cNvPr id="92" name="TextShape 1"/>
+          <p:cNvSpPr txBox="1"/>
+          <p:nvPr/>
+        </p:nvSpPr>
+        <p:spPr>
+          <a:xfrm>
+            <a:off x="504000" y="226080"/>
+            <a:ext cx="9071280" cy="946080"/>
+          </a:xfrm>
+          <a:prstGeom prst="rect">
+            <a:avLst/>
+          </a:prstGeom>
+          <a:noFill/>
+          <a:ln>
+            <a:noFill/>
+          </a:ln>
+        </p:spPr>
+        <p:txBody>
+          <a:bodyPr lIns="0" rIns="0" tIns="0" bIns="0" anchor="ctr"/>
+          <a:p>
+            <a:pPr algn="ctr"/>
+            <a:endParaRPr b="0" lang="en-US" sz="4400" spc="-1" strike="noStrike">
+              <a:latin typeface="Arial"/>
+            </a:endParaRPr>
+          </a:p>
+        </p:txBody>
+      </p:sp>
+      <p:sp>
+        <p:nvSpPr>
+          <p:cNvPr id="93" name="TextShape 2"/>
+          <p:cNvSpPr txBox="1"/>
+          <p:nvPr/>
+        </p:nvSpPr>
+        <p:spPr>
+          <a:xfrm>
+            <a:off x="993960" y="1554480"/>
+            <a:ext cx="7582680" cy="3161880"/>
+          </a:xfrm>
+          <a:prstGeom prst="rect">
+            <a:avLst/>
+          </a:prstGeom>
+          <a:noFill/>
+          <a:ln>
+            <a:noFill/>
+          </a:ln>
+        </p:spPr>
+        <p:txBody>
+          <a:bodyPr lIns="90000" rIns="90000" tIns="45000" bIns="45000"/>
+          <a:p>
+            <a:r>
+              <a:rPr b="0" lang="en-US" sz="1800" spc="-1" strike="noStrike">
+                <a:latin typeface="Arial"/>
+              </a:rPr>
+              <a:t>Cek messages dan topic</a:t>
+            </a:r>
+            <a:endParaRPr b="0" lang="en-US" sz="1800" spc="-1" strike="noStrike">
+              <a:latin typeface="Arial"/>
+            </a:endParaRPr>
+          </a:p>
+          <a:p>
+            <a:r>
+              <a:rPr b="0" lang="en-US" sz="1800" spc="-1" strike="noStrike">
+                <a:latin typeface="Arial"/>
+              </a:rPr>
+              <a:t>Buka terminal baru</a:t>
+            </a:r>
+            <a:endParaRPr b="0" lang="en-US" sz="1800" spc="-1" strike="noStrike">
+              <a:latin typeface="Arial"/>
+            </a:endParaRPr>
+          </a:p>
+          <a:p>
+            <a:endParaRPr b="0" lang="en-US" sz="1800" spc="-1" strike="noStrike">
+              <a:latin typeface="Arial"/>
+            </a:endParaRPr>
+          </a:p>
+          <a:p>
+            <a:r>
+              <a:rPr b="0" lang="en-US" sz="1800" spc="-1" strike="noStrike">
+                <a:latin typeface="Arial"/>
+              </a:rPr>
+              <a:t>~$</a:t>
+            </a:r>
+            <a:r>
+              <a:rPr b="0" lang="en-US" sz="1800" spc="-1" strike="noStrike">
+                <a:solidFill>
+                  <a:srgbClr val="0066b3"/>
+                </a:solidFill>
+                <a:latin typeface="Arial"/>
+              </a:rPr>
+              <a:t> rostopic echo &lt;topic&gt;</a:t>
+            </a:r>
+            <a:endParaRPr b="0" lang="en-US" sz="1800" spc="-1" strike="noStrike">
+              <a:latin typeface="Arial"/>
+            </a:endParaRPr>
+          </a:p>
+          <a:p>
+            <a:endParaRPr b="0" lang="en-US" sz="1800" spc="-1" strike="noStrike">
+              <a:latin typeface="Arial"/>
+            </a:endParaRPr>
+          </a:p>
+          <a:p>
+            <a:r>
+              <a:rPr b="0" lang="en-US" sz="1800" spc="-1" strike="noStrike">
+                <a:latin typeface="Arial"/>
+              </a:rPr>
+              <a:t>Ref message:</a:t>
+            </a:r>
+            <a:endParaRPr b="0" lang="en-US" sz="1800" spc="-1" strike="noStrike">
+              <a:latin typeface="Arial"/>
+            </a:endParaRPr>
+          </a:p>
+          <a:p>
+            <a:endParaRPr b="0" lang="en-US" sz="1800" spc="-1" strike="noStrike">
+              <a:latin typeface="Arial"/>
+            </a:endParaRPr>
+          </a:p>
+          <a:p>
+            <a:r>
+              <a:rPr b="0" lang="en-US" sz="1800" spc="-1" strike="noStrike">
+                <a:latin typeface="Arial"/>
+              </a:rPr>
+              <a:t>Mavros_msgs </a:t>
+            </a:r>
+            <a:r>
+              <a:rPr b="0" lang="en-US" sz="1800" spc="-1" strike="noStrike">
+                <a:latin typeface="Arial"/>
+              </a:rPr>
+              <a:t>	</a:t>
+            </a:r>
+            <a:r>
+              <a:rPr b="0" lang="en-US" sz="1800" spc="-1" strike="noStrike">
+                <a:latin typeface="Arial"/>
+              </a:rPr>
+              <a:t>: http://wiki.ros.org/mavros_msgs</a:t>
+            </a:r>
+            <a:endParaRPr b="0" lang="en-US" sz="1800" spc="-1" strike="noStrike">
+              <a:latin typeface="Arial"/>
+            </a:endParaRPr>
+          </a:p>
+          <a:p>
+            <a:r>
+              <a:rPr b="0" lang="en-US" sz="1800" spc="-1" strike="noStrike">
+                <a:latin typeface="Arial"/>
+              </a:rPr>
+              <a:t>std_msgs</a:t>
+            </a:r>
+            <a:r>
+              <a:rPr b="0" lang="en-US" sz="1800" spc="-1" strike="noStrike">
+                <a:latin typeface="Arial"/>
+              </a:rPr>
+              <a:t>	</a:t>
+            </a:r>
+            <a:r>
+              <a:rPr b="0" lang="en-US" sz="1800" spc="-1" strike="noStrike">
+                <a:latin typeface="Arial"/>
+              </a:rPr>
+              <a:t>	</a:t>
+            </a:r>
+            <a:r>
+              <a:rPr b="0" lang="en-US" sz="1800" spc="-1" strike="noStrike">
+                <a:latin typeface="Arial"/>
+              </a:rPr>
+              <a:t>: http://wiki.ros.org/std_msgs</a:t>
+            </a:r>
+            <a:endParaRPr b="0" lang="en-US" sz="1800" spc="-1" strike="noStrike">
+              <a:latin typeface="Arial"/>
+            </a:endParaRPr>
+          </a:p>
+          <a:p>
+            <a:r>
+              <a:rPr b="0" lang="en-US" sz="1800" spc="-1" strike="noStrike">
+                <a:latin typeface="Arial"/>
+              </a:rPr>
+              <a:t>sensor_msgs </a:t>
+            </a:r>
+            <a:r>
+              <a:rPr b="0" lang="en-US" sz="1800" spc="-1" strike="noStrike">
+                <a:latin typeface="Arial"/>
+              </a:rPr>
+              <a:t>	</a:t>
+            </a:r>
+            <a:r>
+              <a:rPr b="0" lang="en-US" sz="1800" spc="-1" strike="noStrike">
+                <a:latin typeface="Arial"/>
+              </a:rPr>
+              <a:t>: </a:t>
+            </a:r>
+            <a:r>
+              <a:rPr b="0" lang="en-US" sz="1800" spc="-1" strike="noStrike">
+                <a:latin typeface="Arial"/>
+                <a:hlinkClick r:id="rId1"/>
+              </a:rPr>
+              <a:t>https://wiki.ros.org/sensor_msgs</a:t>
+            </a:r>
+            <a:endParaRPr b="0" lang="en-US" sz="1800" spc="-1" strike="noStrike">
+              <a:latin typeface="Arial"/>
+            </a:endParaRPr>
+          </a:p>
+          <a:p>
+            <a:endParaRPr b="0" lang="en-US" sz="1800" spc="-1" strike="noStrike">
+              <a:latin typeface="Arial"/>
+            </a:endParaRPr>
+          </a:p>
+          <a:p>
+            <a:r>
+              <a:rPr b="0" lang="en-US" sz="1800" spc="-1" strike="noStrike">
+                <a:latin typeface="Arial"/>
+              </a:rPr>
+              <a:t>Custom messages : http://wiki.ros.org/ROS/Tutorials/CreatingMsgAndSrv</a:t>
+            </a:r>
+            <a:endParaRPr b="0" lang="en-US" sz="1800" spc="-1" strike="noStrike">
+              <a:latin typeface="Arial"/>
+            </a:endParaRPr>
+          </a:p>
+        </p:txBody>
+      </p:sp>
+    </p:spTree>
+  </p:cSld>
+  <p:timing>
+    <p:tnLst>
+      <p:par>
+        <p:cTn id="15" dur="indefinite" restart="never" nodeType="tmRoot">
+          <p:childTnLst>
+            <p:seq>
+              <p:cTn id="16" dur="indefinite" nodeType="mainSeq"/>
               <p:prevCondLst>
                 <p:cond delay="0" evt="onPrev">
                   <p:tgtEl>
@@ -3636,4 +5613,227 @@
     </a:fmtScheme>
   </a:themeElements>
 </a:theme>
+</file>
+
+<file path=ppt/theme/theme2.xml><?xml version="1.0" encoding="utf-8"?>
+<a:theme xmlns:a="http://schemas.openxmlformats.org/drawingml/2006/main" name="Office Theme">
+  <a:themeElements>
+    <a:clrScheme name="Office">
+      <a:dk1>
+        <a:sysClr val="windowText" lastClr="000000"/>
+      </a:dk1>
+      <a:lt1>
+        <a:sysClr val="window" lastClr="FFFFFF"/>
+      </a:lt1>
+      <a:dk2>
+        <a:srgbClr val="1f497d"/>
+      </a:dk2>
+      <a:lt2>
+        <a:srgbClr val="eeece1"/>
+      </a:lt2>
+      <a:accent1>
+        <a:srgbClr val="4f81bd"/>
+      </a:accent1>
+      <a:accent2>
+        <a:srgbClr val="c0504d"/>
+      </a:accent2>
+      <a:accent3>
+        <a:srgbClr val="9bbb59"/>
+      </a:accent3>
+      <a:accent4>
+        <a:srgbClr val="8064a2"/>
+      </a:accent4>
+      <a:accent5>
+        <a:srgbClr val="4bacc6"/>
+      </a:accent5>
+      <a:accent6>
+        <a:srgbClr val="f79646"/>
+      </a:accent6>
+      <a:hlink>
+        <a:srgbClr val="0000ff"/>
+      </a:hlink>
+      <a:folHlink>
+        <a:srgbClr val="800080"/>
+      </a:folHlink>
+    </a:clrScheme>
+    <a:fontScheme name="Office">
+      <a:majorFont>
+        <a:latin typeface="Arial"/>
+        <a:ea typeface="DejaVu Sans"/>
+        <a:cs typeface="DejaVu Sans"/>
+      </a:majorFont>
+      <a:minorFont>
+        <a:latin typeface="Arial"/>
+        <a:ea typeface="DejaVu Sans"/>
+        <a:cs typeface="DejaVu Sans"/>
+      </a:minorFont>
+    </a:fontScheme>
+    <a:fmtScheme name="Office">
+      <a:fillStyleLst>
+        <a:solidFill>
+          <a:schemeClr val="phClr"/>
+        </a:solidFill>
+        <a:gradFill rotWithShape="1">
+          <a:gsLst>
+            <a:gs pos="0">
+              <a:schemeClr val="phClr">
+                <a:tint val="50000"/>
+                <a:satMod val="300000"/>
+              </a:schemeClr>
+            </a:gs>
+            <a:gs pos="35000">
+              <a:schemeClr val="phClr">
+                <a:tint val="37000"/>
+                <a:satMod val="300000"/>
+              </a:schemeClr>
+            </a:gs>
+            <a:gs pos="100000">
+              <a:schemeClr val="phClr">
+                <a:tint val="15000"/>
+                <a:satMod val="350000"/>
+              </a:schemeClr>
+            </a:gs>
+          </a:gsLst>
+          <a:lin ang="16200000" scaled="1"/>
+        </a:gradFill>
+        <a:gradFill rotWithShape="1">
+          <a:gsLst>
+            <a:gs pos="0">
+              <a:schemeClr val="phClr">
+                <a:shade val="51000"/>
+                <a:satMod val="130000"/>
+              </a:schemeClr>
+            </a:gs>
+            <a:gs pos="80000">
+              <a:schemeClr val="phClr">
+                <a:shade val="93000"/>
+                <a:satMod val="130000"/>
+              </a:schemeClr>
+            </a:gs>
+            <a:gs pos="100000">
+              <a:schemeClr val="phClr">
+                <a:shade val="94000"/>
+                <a:satMod val="135000"/>
+              </a:schemeClr>
+            </a:gs>
+          </a:gsLst>
+          <a:lin ang="16200000" scaled="0"/>
+        </a:gradFill>
+      </a:fillStyleLst>
+      <a:lnStyleLst>
+        <a:ln w="9525" cap="flat" cmpd="sng" algn="ctr">
+          <a:solidFill>
+            <a:schemeClr val="phClr">
+              <a:shade val="95000"/>
+              <a:satMod val="105000"/>
+            </a:schemeClr>
+          </a:solidFill>
+          <a:prstDash val="solid"/>
+        </a:ln>
+        <a:ln w="25400" cap="flat" cmpd="sng" algn="ctr">
+          <a:solidFill>
+            <a:schemeClr val="phClr"/>
+          </a:solidFill>
+          <a:prstDash val="solid"/>
+        </a:ln>
+        <a:ln w="38100" cap="flat" cmpd="sng" algn="ctr">
+          <a:solidFill>
+            <a:schemeClr val="phClr"/>
+          </a:solidFill>
+          <a:prstDash val="solid"/>
+        </a:ln>
+      </a:lnStyleLst>
+      <a:effectStyleLst>
+        <a:effectStyle>
+          <a:effectLst>
+            <a:outerShdw blurRad="40000" dist="20000" dir="5400000" rotWithShape="0">
+              <a:srgbClr val="000000">
+                <a:alpha val="38000"/>
+              </a:srgbClr>
+            </a:outerShdw>
+          </a:effectLst>
+        </a:effectStyle>
+        <a:effectStyle>
+          <a:effectLst>
+            <a:outerShdw blurRad="40000" dist="23000" dir="5400000" rotWithShape="0">
+              <a:srgbClr val="000000">
+                <a:alpha val="35000"/>
+              </a:srgbClr>
+            </a:outerShdw>
+          </a:effectLst>
+        </a:effectStyle>
+        <a:effectStyle>
+          <a:effectLst>
+            <a:outerShdw blurRad="40000" dist="23000" dir="5400000" rotWithShape="0">
+              <a:srgbClr val="000000">
+                <a:alpha val="35000"/>
+              </a:srgbClr>
+            </a:outerShdw>
+          </a:effectLst>
+          <a:scene3d>
+            <a:camera prst="orthographicFront">
+              <a:rot lat="0" lon="0" rev="0"/>
+            </a:camera>
+            <a:lightRig rig="threePt" dir="t">
+              <a:rot lat="0" lon="0" rev="1200000"/>
+            </a:lightRig>
+          </a:scene3d>
+          <a:sp3d>
+            <a:bevelT w="63500" h="25400"/>
+          </a:sp3d>
+        </a:effectStyle>
+      </a:effectStyleLst>
+      <a:bgFillStyleLst>
+        <a:solidFill>
+          <a:schemeClr val="phClr"/>
+        </a:solidFill>
+        <a:gradFill rotWithShape="1">
+          <a:gsLst>
+            <a:gs pos="0">
+              <a:schemeClr val="phClr">
+                <a:tint val="40000"/>
+                <a:satMod val="350000"/>
+              </a:schemeClr>
+            </a:gs>
+            <a:gs pos="40000">
+              <a:schemeClr val="phClr">
+                <a:tint val="45000"/>
+                <a:shade val="99000"/>
+                <a:satMod val="350000"/>
+              </a:schemeClr>
+            </a:gs>
+            <a:gs pos="100000">
+              <a:schemeClr val="phClr">
+                <a:shade val="20000"/>
+                <a:satMod val="255000"/>
+              </a:schemeClr>
+            </a:gs>
+          </a:gsLst>
+          <a:path path="circle">
+            <a:fillToRect l="50000" t="-80000" r="50000" b="180000"/>
+          </a:path>
+        </a:gradFill>
+        <a:gradFill rotWithShape="1">
+          <a:gsLst>
+            <a:gs pos="0">
+              <a:schemeClr val="phClr">
+                <a:tint val="80000"/>
+                <a:satMod val="300000"/>
+              </a:schemeClr>
+            </a:gs>
+            <a:gs pos="100000">
+              <a:schemeClr val="phClr">
+                <a:shade val="30000"/>
+                <a:satMod val="200000"/>
+              </a:schemeClr>
+            </a:gs>
+          </a:gsLst>
+          <a:path path="circle">
+            <a:fillToRect l="50000" t="50000" r="50000" b="50000"/>
+          </a:path>
+        </a:gradFill>
+      </a:bgFillStyleLst>
+    </a:fmtScheme>
+  </a:themeElements>
+</a:theme>
 </file>
--- a/pelatihan_gazebo.pptx
+++ b/pelatihan_gazebo.pptx
@@ -72,7 +72,7 @@
         <p:spPr>
           <a:xfrm>
             <a:off x="504000" y="226080"/>
-            <a:ext cx="9071280" cy="946080"/>
+            <a:ext cx="9072000" cy="946440"/>
           </a:xfrm>
           <a:prstGeom prst="rect">
             <a:avLst/>
@@ -101,7 +101,7 @@
         <p:spPr>
           <a:xfrm>
             <a:off x="504000" y="1326600"/>
-            <a:ext cx="9071280" cy="1568160"/>
+            <a:ext cx="9072000" cy="1568520"/>
           </a:xfrm>
           <a:prstGeom prst="rect">
             <a:avLst/>
@@ -130,8 +130,8 @@
         </p:nvSpPr>
         <p:spPr>
           <a:xfrm>
-            <a:off x="504000" y="3044160"/>
-            <a:ext cx="9071280" cy="1568160"/>
+            <a:off x="504000" y="3044520"/>
+            <a:ext cx="9072000" cy="1568520"/>
           </a:xfrm>
           <a:prstGeom prst="rect">
             <a:avLst/>
@@ -183,7 +183,7 @@
         <p:spPr>
           <a:xfrm>
             <a:off x="504000" y="226080"/>
-            <a:ext cx="9071280" cy="946080"/>
+            <a:ext cx="9072000" cy="946440"/>
           </a:xfrm>
           <a:prstGeom prst="rect">
             <a:avLst/>
@@ -212,7 +212,7 @@
         <p:spPr>
           <a:xfrm>
             <a:off x="504000" y="1326600"/>
-            <a:ext cx="4426560" cy="1568160"/>
+            <a:ext cx="4426920" cy="1568520"/>
           </a:xfrm>
           <a:prstGeom prst="rect">
             <a:avLst/>
@@ -241,8 +241,8 @@
         </p:nvSpPr>
         <p:spPr>
           <a:xfrm>
-            <a:off x="5152320" y="1326600"/>
-            <a:ext cx="4426560" cy="1568160"/>
+            <a:off x="5152680" y="1326600"/>
+            <a:ext cx="4426920" cy="1568520"/>
           </a:xfrm>
           <a:prstGeom prst="rect">
             <a:avLst/>
@@ -271,8 +271,8 @@
         </p:nvSpPr>
         <p:spPr>
           <a:xfrm>
-            <a:off x="504000" y="3044160"/>
-            <a:ext cx="4426560" cy="1568160"/>
+            <a:off x="504000" y="3044520"/>
+            <a:ext cx="4426920" cy="1568520"/>
           </a:xfrm>
           <a:prstGeom prst="rect">
             <a:avLst/>
@@ -301,8 +301,8 @@
         </p:nvSpPr>
         <p:spPr>
           <a:xfrm>
-            <a:off x="5152320" y="3044160"/>
-            <a:ext cx="4426560" cy="1568160"/>
+            <a:off x="5152680" y="3044520"/>
+            <a:ext cx="4426920" cy="1568520"/>
           </a:xfrm>
           <a:prstGeom prst="rect">
             <a:avLst/>
@@ -354,7 +354,7 @@
         <p:spPr>
           <a:xfrm>
             <a:off x="504000" y="226080"/>
-            <a:ext cx="9071280" cy="946080"/>
+            <a:ext cx="9072000" cy="946440"/>
           </a:xfrm>
           <a:prstGeom prst="rect">
             <a:avLst/>
@@ -383,7 +383,7 @@
         <p:spPr>
           <a:xfrm>
             <a:off x="504000" y="1326600"/>
-            <a:ext cx="2920680" cy="1568160"/>
+            <a:ext cx="2921040" cy="1568520"/>
           </a:xfrm>
           <a:prstGeom prst="rect">
             <a:avLst/>
@@ -412,8 +412,8 @@
         </p:nvSpPr>
         <p:spPr>
           <a:xfrm>
-            <a:off x="3571200" y="1326600"/>
-            <a:ext cx="2920680" cy="1568160"/>
+            <a:off x="3571560" y="1326600"/>
+            <a:ext cx="2921040" cy="1568520"/>
           </a:xfrm>
           <a:prstGeom prst="rect">
             <a:avLst/>
@@ -442,8 +442,8 @@
         </p:nvSpPr>
         <p:spPr>
           <a:xfrm>
-            <a:off x="6638040" y="1326600"/>
-            <a:ext cx="2920680" cy="1568160"/>
+            <a:off x="6639120" y="1326600"/>
+            <a:ext cx="2921040" cy="1568520"/>
           </a:xfrm>
           <a:prstGeom prst="rect">
             <a:avLst/>
@@ -472,8 +472,8 @@
         </p:nvSpPr>
         <p:spPr>
           <a:xfrm>
-            <a:off x="504000" y="3044160"/>
-            <a:ext cx="2920680" cy="1568160"/>
+            <a:off x="504000" y="3044520"/>
+            <a:ext cx="2921040" cy="1568520"/>
           </a:xfrm>
           <a:prstGeom prst="rect">
             <a:avLst/>
@@ -502,8 +502,8 @@
         </p:nvSpPr>
         <p:spPr>
           <a:xfrm>
-            <a:off x="3571200" y="3044160"/>
-            <a:ext cx="2920680" cy="1568160"/>
+            <a:off x="3571560" y="3044520"/>
+            <a:ext cx="2921040" cy="1568520"/>
           </a:xfrm>
           <a:prstGeom prst="rect">
             <a:avLst/>
@@ -532,8 +532,8 @@
         </p:nvSpPr>
         <p:spPr>
           <a:xfrm>
-            <a:off x="6638040" y="3044160"/>
-            <a:ext cx="2920680" cy="1568160"/>
+            <a:off x="6639120" y="3044520"/>
+            <a:ext cx="2921040" cy="1568520"/>
           </a:xfrm>
           <a:prstGeom prst="rect">
             <a:avLst/>
@@ -607,7 +607,7 @@
         <p:spPr>
           <a:xfrm>
             <a:off x="504000" y="226080"/>
-            <a:ext cx="9071280" cy="946080"/>
+            <a:ext cx="9072000" cy="946440"/>
           </a:xfrm>
           <a:prstGeom prst="rect">
             <a:avLst/>
@@ -636,7 +636,7 @@
         <p:spPr>
           <a:xfrm>
             <a:off x="504000" y="1326600"/>
-            <a:ext cx="9071280" cy="3287880"/>
+            <a:ext cx="9072000" cy="3288600"/>
           </a:xfrm>
           <a:prstGeom prst="rect">
             <a:avLst/>
@@ -687,7 +687,7 @@
         <p:spPr>
           <a:xfrm>
             <a:off x="504000" y="226080"/>
-            <a:ext cx="9071280" cy="946080"/>
+            <a:ext cx="9072000" cy="946440"/>
           </a:xfrm>
           <a:prstGeom prst="rect">
             <a:avLst/>
@@ -716,7 +716,7 @@
         <p:spPr>
           <a:xfrm>
             <a:off x="504000" y="1326600"/>
-            <a:ext cx="9071280" cy="3287880"/>
+            <a:ext cx="9072000" cy="3288600"/>
           </a:xfrm>
           <a:prstGeom prst="rect">
             <a:avLst/>
@@ -768,7 +768,7 @@
         <p:spPr>
           <a:xfrm>
             <a:off x="504000" y="226080"/>
-            <a:ext cx="9071280" cy="946080"/>
+            <a:ext cx="9072000" cy="946440"/>
           </a:xfrm>
           <a:prstGeom prst="rect">
             <a:avLst/>
@@ -797,7 +797,7 @@
         <p:spPr>
           <a:xfrm>
             <a:off x="504000" y="1326600"/>
-            <a:ext cx="4426560" cy="3287880"/>
+            <a:ext cx="4426920" cy="3288600"/>
           </a:xfrm>
           <a:prstGeom prst="rect">
             <a:avLst/>
@@ -826,8 +826,8 @@
         </p:nvSpPr>
         <p:spPr>
           <a:xfrm>
-            <a:off x="5152320" y="1326600"/>
-            <a:ext cx="4426560" cy="3287880"/>
+            <a:off x="5152680" y="1326600"/>
+            <a:ext cx="4426920" cy="3288600"/>
           </a:xfrm>
           <a:prstGeom prst="rect">
             <a:avLst/>
@@ -879,7 +879,7 @@
         <p:spPr>
           <a:xfrm>
             <a:off x="504000" y="226080"/>
-            <a:ext cx="9071280" cy="946080"/>
+            <a:ext cx="9072000" cy="946440"/>
           </a:xfrm>
           <a:prstGeom prst="rect">
             <a:avLst/>
@@ -930,7 +930,7 @@
         <p:spPr>
           <a:xfrm>
             <a:off x="504000" y="226080"/>
-            <a:ext cx="9071280" cy="4386600"/>
+            <a:ext cx="9072000" cy="4388400"/>
           </a:xfrm>
           <a:prstGeom prst="rect">
             <a:avLst/>
@@ -981,7 +981,7 @@
         <p:spPr>
           <a:xfrm>
             <a:off x="504000" y="226080"/>
-            <a:ext cx="9071280" cy="946080"/>
+            <a:ext cx="9072000" cy="946440"/>
           </a:xfrm>
           <a:prstGeom prst="rect">
             <a:avLst/>
@@ -1010,7 +1010,7 @@
         <p:spPr>
           <a:xfrm>
             <a:off x="504000" y="1326600"/>
-            <a:ext cx="4426560" cy="1568160"/>
+            <a:ext cx="4426920" cy="1568520"/>
           </a:xfrm>
           <a:prstGeom prst="rect">
             <a:avLst/>
@@ -1039,8 +1039,8 @@
         </p:nvSpPr>
         <p:spPr>
           <a:xfrm>
-            <a:off x="5152320" y="1326600"/>
-            <a:ext cx="4426560" cy="3287880"/>
+            <a:off x="5152680" y="1326600"/>
+            <a:ext cx="4426920" cy="3288600"/>
           </a:xfrm>
           <a:prstGeom prst="rect">
             <a:avLst/>
@@ -1069,8 +1069,8 @@
         </p:nvSpPr>
         <p:spPr>
           <a:xfrm>
-            <a:off x="504000" y="3044160"/>
-            <a:ext cx="4426560" cy="1568160"/>
+            <a:off x="504000" y="3044520"/>
+            <a:ext cx="4426920" cy="1568520"/>
           </a:xfrm>
           <a:prstGeom prst="rect">
             <a:avLst/>
@@ -1122,7 +1122,7 @@
         <p:spPr>
           <a:xfrm>
             <a:off x="504000" y="226080"/>
-            <a:ext cx="9071280" cy="946080"/>
+            <a:ext cx="9072000" cy="946440"/>
           </a:xfrm>
           <a:prstGeom prst="rect">
             <a:avLst/>
@@ -1151,7 +1151,7 @@
         <p:spPr>
           <a:xfrm>
             <a:off x="504000" y="1326600"/>
-            <a:ext cx="9071280" cy="3287880"/>
+            <a:ext cx="9072000" cy="3288600"/>
           </a:xfrm>
           <a:prstGeom prst="rect">
             <a:avLst/>
@@ -1202,7 +1202,7 @@
         <p:spPr>
           <a:xfrm>
             <a:off x="504000" y="226080"/>
-            <a:ext cx="9071280" cy="946080"/>
+            <a:ext cx="9072000" cy="946440"/>
           </a:xfrm>
           <a:prstGeom prst="rect">
             <a:avLst/>
@@ -1231,7 +1231,7 @@
         <p:spPr>
           <a:xfrm>
             <a:off x="504000" y="1326600"/>
-            <a:ext cx="4426560" cy="3287880"/>
+            <a:ext cx="4426920" cy="3288600"/>
           </a:xfrm>
           <a:prstGeom prst="rect">
             <a:avLst/>
@@ -1260,8 +1260,8 @@
         </p:nvSpPr>
         <p:spPr>
           <a:xfrm>
-            <a:off x="5152320" y="1326600"/>
-            <a:ext cx="4426560" cy="1568160"/>
+            <a:off x="5152680" y="1326600"/>
+            <a:ext cx="4426920" cy="1568520"/>
           </a:xfrm>
           <a:prstGeom prst="rect">
             <a:avLst/>
@@ -1290,8 +1290,8 @@
         </p:nvSpPr>
         <p:spPr>
           <a:xfrm>
-            <a:off x="5152320" y="3044160"/>
-            <a:ext cx="4426560" cy="1568160"/>
+            <a:off x="5152680" y="3044520"/>
+            <a:ext cx="4426920" cy="1568520"/>
           </a:xfrm>
           <a:prstGeom prst="rect">
             <a:avLst/>
@@ -1343,7 +1343,7 @@
         <p:spPr>
           <a:xfrm>
             <a:off x="504000" y="226080"/>
-            <a:ext cx="9071280" cy="946080"/>
+            <a:ext cx="9072000" cy="946440"/>
           </a:xfrm>
           <a:prstGeom prst="rect">
             <a:avLst/>
@@ -1372,7 +1372,7 @@
         <p:spPr>
           <a:xfrm>
             <a:off x="504000" y="1326600"/>
-            <a:ext cx="4426560" cy="1568160"/>
+            <a:ext cx="4426920" cy="1568520"/>
           </a:xfrm>
           <a:prstGeom prst="rect">
             <a:avLst/>
@@ -1401,8 +1401,8 @@
         </p:nvSpPr>
         <p:spPr>
           <a:xfrm>
-            <a:off x="5152320" y="1326600"/>
-            <a:ext cx="4426560" cy="1568160"/>
+            <a:off x="5152680" y="1326600"/>
+            <a:ext cx="4426920" cy="1568520"/>
           </a:xfrm>
           <a:prstGeom prst="rect">
             <a:avLst/>
@@ -1431,8 +1431,8 @@
         </p:nvSpPr>
         <p:spPr>
           <a:xfrm>
-            <a:off x="504000" y="3044160"/>
-            <a:ext cx="9071280" cy="1568160"/>
+            <a:off x="504000" y="3044520"/>
+            <a:ext cx="9072000" cy="1568520"/>
           </a:xfrm>
           <a:prstGeom prst="rect">
             <a:avLst/>
@@ -1484,7 +1484,7 @@
         <p:spPr>
           <a:xfrm>
             <a:off x="504000" y="226080"/>
-            <a:ext cx="9071280" cy="946080"/>
+            <a:ext cx="9072000" cy="946440"/>
           </a:xfrm>
           <a:prstGeom prst="rect">
             <a:avLst/>
@@ -1513,7 +1513,7 @@
         <p:spPr>
           <a:xfrm>
             <a:off x="504000" y="1326600"/>
-            <a:ext cx="9071280" cy="1568160"/>
+            <a:ext cx="9072000" cy="1568520"/>
           </a:xfrm>
           <a:prstGeom prst="rect">
             <a:avLst/>
@@ -1542,8 +1542,8 @@
         </p:nvSpPr>
         <p:spPr>
           <a:xfrm>
-            <a:off x="504000" y="3044160"/>
-            <a:ext cx="9071280" cy="1568160"/>
+            <a:off x="504000" y="3044520"/>
+            <a:ext cx="9072000" cy="1568520"/>
           </a:xfrm>
           <a:prstGeom prst="rect">
             <a:avLst/>
@@ -1595,7 +1595,7 @@
         <p:spPr>
           <a:xfrm>
             <a:off x="504000" y="226080"/>
-            <a:ext cx="9071280" cy="946080"/>
+            <a:ext cx="9072000" cy="946440"/>
           </a:xfrm>
           <a:prstGeom prst="rect">
             <a:avLst/>
@@ -1624,7 +1624,7 @@
         <p:spPr>
           <a:xfrm>
             <a:off x="504000" y="1326600"/>
-            <a:ext cx="4426560" cy="1568160"/>
+            <a:ext cx="4426920" cy="1568520"/>
           </a:xfrm>
           <a:prstGeom prst="rect">
             <a:avLst/>
@@ -1653,8 +1653,8 @@
         </p:nvSpPr>
         <p:spPr>
           <a:xfrm>
-            <a:off x="5152320" y="1326600"/>
-            <a:ext cx="4426560" cy="1568160"/>
+            <a:off x="5152680" y="1326600"/>
+            <a:ext cx="4426920" cy="1568520"/>
           </a:xfrm>
           <a:prstGeom prst="rect">
             <a:avLst/>
@@ -1683,8 +1683,8 @@
         </p:nvSpPr>
         <p:spPr>
           <a:xfrm>
-            <a:off x="504000" y="3044160"/>
-            <a:ext cx="4426560" cy="1568160"/>
+            <a:off x="504000" y="3044520"/>
+            <a:ext cx="4426920" cy="1568520"/>
           </a:xfrm>
           <a:prstGeom prst="rect">
             <a:avLst/>
@@ -1713,8 +1713,8 @@
         </p:nvSpPr>
         <p:spPr>
           <a:xfrm>
-            <a:off x="5152320" y="3044160"/>
-            <a:ext cx="4426560" cy="1568160"/>
+            <a:off x="5152680" y="3044520"/>
+            <a:ext cx="4426920" cy="1568520"/>
           </a:xfrm>
           <a:prstGeom prst="rect">
             <a:avLst/>
@@ -1766,7 +1766,7 @@
         <p:spPr>
           <a:xfrm>
             <a:off x="504000" y="226080"/>
-            <a:ext cx="9071280" cy="946080"/>
+            <a:ext cx="9072000" cy="946440"/>
           </a:xfrm>
           <a:prstGeom prst="rect">
             <a:avLst/>
@@ -1795,7 +1795,7 @@
         <p:spPr>
           <a:xfrm>
             <a:off x="504000" y="1326600"/>
-            <a:ext cx="2920680" cy="1568160"/>
+            <a:ext cx="2921040" cy="1568520"/>
           </a:xfrm>
           <a:prstGeom prst="rect">
             <a:avLst/>
@@ -1824,8 +1824,8 @@
         </p:nvSpPr>
         <p:spPr>
           <a:xfrm>
-            <a:off x="3571200" y="1326600"/>
-            <a:ext cx="2920680" cy="1568160"/>
+            <a:off x="3571560" y="1326600"/>
+            <a:ext cx="2921040" cy="1568520"/>
           </a:xfrm>
           <a:prstGeom prst="rect">
             <a:avLst/>
@@ -1854,8 +1854,8 @@
         </p:nvSpPr>
         <p:spPr>
           <a:xfrm>
-            <a:off x="6638040" y="1326600"/>
-            <a:ext cx="2920680" cy="1568160"/>
+            <a:off x="6639120" y="1326600"/>
+            <a:ext cx="2921040" cy="1568520"/>
           </a:xfrm>
           <a:prstGeom prst="rect">
             <a:avLst/>
@@ -1884,8 +1884,8 @@
         </p:nvSpPr>
         <p:spPr>
           <a:xfrm>
-            <a:off x="504000" y="3044160"/>
-            <a:ext cx="2920680" cy="1568160"/>
+            <a:off x="504000" y="3044520"/>
+            <a:ext cx="2921040" cy="1568520"/>
           </a:xfrm>
           <a:prstGeom prst="rect">
             <a:avLst/>
@@ -1914,8 +1914,8 @@
         </p:nvSpPr>
         <p:spPr>
           <a:xfrm>
-            <a:off x="3571200" y="3044160"/>
-            <a:ext cx="2920680" cy="1568160"/>
+            <a:off x="3571560" y="3044520"/>
+            <a:ext cx="2921040" cy="1568520"/>
           </a:xfrm>
           <a:prstGeom prst="rect">
             <a:avLst/>
@@ -1944,8 +1944,8 @@
         </p:nvSpPr>
         <p:spPr>
           <a:xfrm>
-            <a:off x="6638040" y="3044160"/>
-            <a:ext cx="2920680" cy="1568160"/>
+            <a:off x="6639120" y="3044520"/>
+            <a:ext cx="2921040" cy="1568520"/>
           </a:xfrm>
           <a:prstGeom prst="rect">
             <a:avLst/>
@@ -1997,7 +1997,7 @@
         <p:spPr>
           <a:xfrm>
             <a:off x="504000" y="226080"/>
-            <a:ext cx="9071280" cy="946080"/>
+            <a:ext cx="9072000" cy="946440"/>
           </a:xfrm>
           <a:prstGeom prst="rect">
             <a:avLst/>
@@ -2026,7 +2026,7 @@
         <p:spPr>
           <a:xfrm>
             <a:off x="504000" y="1326600"/>
-            <a:ext cx="9071280" cy="3287880"/>
+            <a:ext cx="9072000" cy="3288600"/>
           </a:xfrm>
           <a:prstGeom prst="rect">
             <a:avLst/>
@@ -2078,7 +2078,7 @@
         <p:spPr>
           <a:xfrm>
             <a:off x="504000" y="226080"/>
-            <a:ext cx="9071280" cy="946080"/>
+            <a:ext cx="9072000" cy="946440"/>
           </a:xfrm>
           <a:prstGeom prst="rect">
             <a:avLst/>
@@ -2107,7 +2107,7 @@
         <p:spPr>
           <a:xfrm>
             <a:off x="504000" y="1326600"/>
-            <a:ext cx="4426560" cy="3287880"/>
+            <a:ext cx="4426920" cy="3288600"/>
           </a:xfrm>
           <a:prstGeom prst="rect">
             <a:avLst/>
@@ -2136,8 +2136,8 @@
         </p:nvSpPr>
         <p:spPr>
           <a:xfrm>
-            <a:off x="5152320" y="1326600"/>
-            <a:ext cx="4426560" cy="3287880"/>
+            <a:off x="5152680" y="1326600"/>
+            <a:ext cx="4426920" cy="3288600"/>
           </a:xfrm>
           <a:prstGeom prst="rect">
             <a:avLst/>
@@ -2189,7 +2189,7 @@
         <p:spPr>
           <a:xfrm>
             <a:off x="504000" y="226080"/>
-            <a:ext cx="9071280" cy="946080"/>
+            <a:ext cx="9072000" cy="946440"/>
           </a:xfrm>
           <a:prstGeom prst="rect">
             <a:avLst/>
@@ -2240,7 +2240,7 @@
         <p:spPr>
           <a:xfrm>
             <a:off x="504000" y="226080"/>
-            <a:ext cx="9071280" cy="4386600"/>
+            <a:ext cx="9072000" cy="4388400"/>
           </a:xfrm>
           <a:prstGeom prst="rect">
             <a:avLst/>
@@ -2291,7 +2291,7 @@
         <p:spPr>
           <a:xfrm>
             <a:off x="504000" y="226080"/>
-            <a:ext cx="9071280" cy="946080"/>
+            <a:ext cx="9072000" cy="946440"/>
           </a:xfrm>
           <a:prstGeom prst="rect">
             <a:avLst/>
@@ -2320,7 +2320,7 @@
         <p:spPr>
           <a:xfrm>
             <a:off x="504000" y="1326600"/>
-            <a:ext cx="4426560" cy="1568160"/>
+            <a:ext cx="4426920" cy="1568520"/>
           </a:xfrm>
           <a:prstGeom prst="rect">
             <a:avLst/>
@@ -2349,8 +2349,8 @@
         </p:nvSpPr>
         <p:spPr>
           <a:xfrm>
-            <a:off x="5152320" y="1326600"/>
-            <a:ext cx="4426560" cy="3287880"/>
+            <a:off x="5152680" y="1326600"/>
+            <a:ext cx="4426920" cy="3288600"/>
           </a:xfrm>
           <a:prstGeom prst="rect">
             <a:avLst/>
@@ -2379,8 +2379,8 @@
         </p:nvSpPr>
         <p:spPr>
           <a:xfrm>
-            <a:off x="504000" y="3044160"/>
-            <a:ext cx="4426560" cy="1568160"/>
+            <a:off x="504000" y="3044520"/>
+            <a:ext cx="4426920" cy="1568520"/>
           </a:xfrm>
           <a:prstGeom prst="rect">
             <a:avLst/>
@@ -2432,7 +2432,7 @@
         <p:spPr>
           <a:xfrm>
             <a:off x="504000" y="226080"/>
-            <a:ext cx="9071280" cy="946080"/>
+            <a:ext cx="9072000" cy="946440"/>
           </a:xfrm>
           <a:prstGeom prst="rect">
             <a:avLst/>
@@ -2461,7 +2461,7 @@
         <p:spPr>
           <a:xfrm>
             <a:off x="504000" y="1326600"/>
-            <a:ext cx="4426560" cy="3287880"/>
+            <a:ext cx="4426920" cy="3288600"/>
           </a:xfrm>
           <a:prstGeom prst="rect">
             <a:avLst/>
@@ -2490,8 +2490,8 @@
         </p:nvSpPr>
         <p:spPr>
           <a:xfrm>
-            <a:off x="5152320" y="1326600"/>
-            <a:ext cx="4426560" cy="1568160"/>
+            <a:off x="5152680" y="1326600"/>
+            <a:ext cx="4426920" cy="1568520"/>
           </a:xfrm>
           <a:prstGeom prst="rect">
             <a:avLst/>
@@ -2520,8 +2520,8 @@
         </p:nvSpPr>
         <p:spPr>
           <a:xfrm>
-            <a:off x="5152320" y="3044160"/>
-            <a:ext cx="4426560" cy="1568160"/>
+            <a:off x="5152680" y="3044520"/>
+            <a:ext cx="4426920" cy="1568520"/>
           </a:xfrm>
           <a:prstGeom prst="rect">
             <a:avLst/>
@@ -2573,7 +2573,7 @@
         <p:spPr>
           <a:xfrm>
             <a:off x="504000" y="226080"/>
-            <a:ext cx="9071280" cy="946080"/>
+            <a:ext cx="9072000" cy="946440"/>
           </a:xfrm>
           <a:prstGeom prst="rect">
             <a:avLst/>
@@ -2602,7 +2602,7 @@
         <p:spPr>
           <a:xfrm>
             <a:off x="504000" y="1326600"/>
-            <a:ext cx="4426560" cy="1568160"/>
+            <a:ext cx="4426920" cy="1568520"/>
           </a:xfrm>
           <a:prstGeom prst="rect">
             <a:avLst/>
@@ -2631,8 +2631,8 @@
         </p:nvSpPr>
         <p:spPr>
           <a:xfrm>
-            <a:off x="5152320" y="1326600"/>
-            <a:ext cx="4426560" cy="1568160"/>
+            <a:off x="5152680" y="1326600"/>
+            <a:ext cx="4426920" cy="1568520"/>
           </a:xfrm>
           <a:prstGeom prst="rect">
             <a:avLst/>
@@ -2661,8 +2661,8 @@
         </p:nvSpPr>
         <p:spPr>
           <a:xfrm>
-            <a:off x="504000" y="3044160"/>
-            <a:ext cx="9071280" cy="1568160"/>
+            <a:off x="504000" y="3044520"/>
+            <a:ext cx="9072000" cy="1568520"/>
           </a:xfrm>
           <a:prstGeom prst="rect">
             <a:avLst/>
@@ -2714,7 +2714,7 @@
         <p:spPr>
           <a:xfrm>
             <a:off x="504000" y="226080"/>
-            <a:ext cx="9071280" cy="946080"/>
+            <a:ext cx="9072000" cy="946440"/>
           </a:xfrm>
           <a:prstGeom prst="rect">
             <a:avLst/>
@@ -2723,13 +2723,14 @@
         <p:txBody>
           <a:bodyPr lIns="0" rIns="0" tIns="0" bIns="0" anchor="ctr"/>
           <a:p>
-            <a:r>
-              <a:rPr b="0" lang="en-US" sz="1800" spc="-1" strike="noStrike">
+            <a:pPr algn="ctr"/>
+            <a:r>
+              <a:rPr b="0" lang="en-US" sz="4400" spc="-1" strike="noStrike">
                 <a:latin typeface="Arial"/>
               </a:rPr>
               <a:t>Click to edit the title text format</a:t>
             </a:r>
-            <a:endParaRPr b="0" lang="en-US" sz="1800" spc="-1" strike="noStrike">
+            <a:endParaRPr b="0" lang="en-US" sz="4400" spc="-1" strike="noStrike">
               <a:latin typeface="Arial"/>
             </a:endParaRPr>
           </a:p>
@@ -2748,7 +2749,7 @@
         <p:spPr>
           <a:xfrm>
             <a:off x="504000" y="1326600"/>
-            <a:ext cx="9071280" cy="3287880"/>
+            <a:ext cx="9072000" cy="3288600"/>
           </a:xfrm>
           <a:prstGeom prst="rect">
             <a:avLst/>
@@ -2771,12 +2772,12 @@
               <a:buChar char=""/>
             </a:pPr>
             <a:r>
-              <a:rPr b="0" lang="en-US" sz="1800" spc="-1" strike="noStrike">
+              <a:rPr b="0" lang="en-US" sz="3200" spc="-1" strike="noStrike">
                 <a:latin typeface="Arial"/>
               </a:rPr>
               <a:t>Click to edit the outline text format</a:t>
             </a:r>
-            <a:endParaRPr b="0" lang="en-US" sz="1800" spc="-1" strike="noStrike">
+            <a:endParaRPr b="0" lang="en-US" sz="3200" spc="-1" strike="noStrike">
               <a:latin typeface="Arial"/>
             </a:endParaRPr>
           </a:p>
@@ -2793,12 +2794,12 @@
               <a:buChar char=""/>
             </a:pPr>
             <a:r>
-              <a:rPr b="0" lang="en-US" sz="1800" spc="-1" strike="noStrike">
+              <a:rPr b="0" lang="en-US" sz="2800" spc="-1" strike="noStrike">
                 <a:latin typeface="Arial"/>
               </a:rPr>
               <a:t>Second Outline Level</a:t>
             </a:r>
-            <a:endParaRPr b="0" lang="en-US" sz="1800" spc="-1" strike="noStrike">
+            <a:endParaRPr b="0" lang="en-US" sz="2800" spc="-1" strike="noStrike">
               <a:latin typeface="Arial"/>
             </a:endParaRPr>
           </a:p>
@@ -2815,12 +2816,12 @@
               <a:buChar char=""/>
             </a:pPr>
             <a:r>
-              <a:rPr b="0" lang="en-US" sz="1800" spc="-1" strike="noStrike">
+              <a:rPr b="0" lang="en-US" sz="2400" spc="-1" strike="noStrike">
                 <a:latin typeface="Arial"/>
               </a:rPr>
               <a:t>Third Outline Level</a:t>
             </a:r>
-            <a:endParaRPr b="0" lang="en-US" sz="1800" spc="-1" strike="noStrike">
+            <a:endParaRPr b="0" lang="en-US" sz="2400" spc="-1" strike="noStrike">
               <a:latin typeface="Arial"/>
             </a:endParaRPr>
           </a:p>
@@ -2837,12 +2838,12 @@
               <a:buChar char=""/>
             </a:pPr>
             <a:r>
-              <a:rPr b="0" lang="en-US" sz="1800" spc="-1" strike="noStrike">
+              <a:rPr b="0" lang="en-US" sz="2000" spc="-1" strike="noStrike">
                 <a:latin typeface="Arial"/>
               </a:rPr>
               <a:t>Fourth Outline Level</a:t>
             </a:r>
-            <a:endParaRPr b="0" lang="en-US" sz="1800" spc="-1" strike="noStrike">
+            <a:endParaRPr b="0" lang="en-US" sz="2000" spc="-1" strike="noStrike">
               <a:latin typeface="Arial"/>
             </a:endParaRPr>
           </a:p>
@@ -2859,12 +2860,12 @@
               <a:buChar char=""/>
             </a:pPr>
             <a:r>
-              <a:rPr b="0" lang="en-US" sz="1800" spc="-1" strike="noStrike">
+              <a:rPr b="0" lang="en-US" sz="2000" spc="-1" strike="noStrike">
                 <a:latin typeface="Arial"/>
               </a:rPr>
               <a:t>Fifth Outline Level</a:t>
             </a:r>
-            <a:endParaRPr b="0" lang="en-US" sz="1800" spc="-1" strike="noStrike">
+            <a:endParaRPr b="0" lang="en-US" sz="2000" spc="-1" strike="noStrike">
               <a:latin typeface="Arial"/>
             </a:endParaRPr>
           </a:p>
@@ -2881,12 +2882,12 @@
               <a:buChar char=""/>
             </a:pPr>
             <a:r>
-              <a:rPr b="0" lang="en-US" sz="1800" spc="-1" strike="noStrike">
+              <a:rPr b="0" lang="en-US" sz="2000" spc="-1" strike="noStrike">
                 <a:latin typeface="Arial"/>
               </a:rPr>
               <a:t>Sixth Outline Level</a:t>
             </a:r>
-            <a:endParaRPr b="0" lang="en-US" sz="1800" spc="-1" strike="noStrike">
+            <a:endParaRPr b="0" lang="en-US" sz="2000" spc="-1" strike="noStrike">
               <a:latin typeface="Arial"/>
             </a:endParaRPr>
           </a:p>
@@ -2903,12 +2904,12 @@
               <a:buChar char=""/>
             </a:pPr>
             <a:r>
-              <a:rPr b="0" lang="en-US" sz="1800" spc="-1" strike="noStrike">
+              <a:rPr b="0" lang="en-US" sz="2000" spc="-1" strike="noStrike">
                 <a:latin typeface="Arial"/>
               </a:rPr>
               <a:t>Seventh Outline Level</a:t>
             </a:r>
-            <a:endParaRPr b="0" lang="en-US" sz="1800" spc="-1" strike="noStrike">
+            <a:endParaRPr b="0" lang="en-US" sz="2000" spc="-1" strike="noStrike">
               <a:latin typeface="Arial"/>
             </a:endParaRPr>
           </a:p>
@@ -2964,7 +2965,7 @@
         <p:spPr>
           <a:xfrm>
             <a:off x="504000" y="226080"/>
-            <a:ext cx="9071280" cy="946080"/>
+            <a:ext cx="9070920" cy="945720"/>
           </a:xfrm>
           <a:prstGeom prst="rect">
             <a:avLst/>
@@ -2998,7 +2999,7 @@
         <p:spPr>
           <a:xfrm>
             <a:off x="504000" y="1326600"/>
-            <a:ext cx="9072000" cy="3288600"/>
+            <a:ext cx="9070920" cy="3287520"/>
           </a:xfrm>
           <a:prstGeom prst="rect">
             <a:avLst/>
@@ -3021,12 +3022,12 @@
               <a:buChar char=""/>
             </a:pPr>
             <a:r>
-              <a:rPr b="0" lang="en-US" sz="3200" spc="-1" strike="noStrike">
+              <a:rPr b="0" lang="en-US" sz="1800" spc="-1" strike="noStrike">
                 <a:latin typeface="Arial"/>
               </a:rPr>
               <a:t>Click to edit the outline text format</a:t>
             </a:r>
-            <a:endParaRPr b="0" lang="en-US" sz="3200" spc="-1" strike="noStrike">
+            <a:endParaRPr b="0" lang="en-US" sz="1800" spc="-1" strike="noStrike">
               <a:latin typeface="Arial"/>
             </a:endParaRPr>
           </a:p>
@@ -3043,12 +3044,12 @@
               <a:buChar char=""/>
             </a:pPr>
             <a:r>
-              <a:rPr b="0" lang="en-US" sz="2800" spc="-1" strike="noStrike">
+              <a:rPr b="0" lang="en-US" sz="1800" spc="-1" strike="noStrike">
                 <a:latin typeface="Arial"/>
               </a:rPr>
               <a:t>Second Outline Level</a:t>
             </a:r>
-            <a:endParaRPr b="0" lang="en-US" sz="2800" spc="-1" strike="noStrike">
+            <a:endParaRPr b="0" lang="en-US" sz="1800" spc="-1" strike="noStrike">
               <a:latin typeface="Arial"/>
             </a:endParaRPr>
           </a:p>
@@ -3065,12 +3066,12 @@
               <a:buChar char=""/>
             </a:pPr>
             <a:r>
-              <a:rPr b="0" lang="en-US" sz="2400" spc="-1" strike="noStrike">
+              <a:rPr b="0" lang="en-US" sz="1800" spc="-1" strike="noStrike">
                 <a:latin typeface="Arial"/>
               </a:rPr>
               <a:t>Third Outline Level</a:t>
             </a:r>
-            <a:endParaRPr b="0" lang="en-US" sz="2400" spc="-1" strike="noStrike">
+            <a:endParaRPr b="0" lang="en-US" sz="1800" spc="-1" strike="noStrike">
               <a:latin typeface="Arial"/>
             </a:endParaRPr>
           </a:p>
@@ -3087,12 +3088,12 @@
               <a:buChar char=""/>
             </a:pPr>
             <a:r>
-              <a:rPr b="0" lang="en-US" sz="2000" spc="-1" strike="noStrike">
+              <a:rPr b="0" lang="en-US" sz="1800" spc="-1" strike="noStrike">
                 <a:latin typeface="Arial"/>
               </a:rPr>
               <a:t>Fourth Outline Level</a:t>
             </a:r>
-            <a:endParaRPr b="0" lang="en-US" sz="2000" spc="-1" strike="noStrike">
+            <a:endParaRPr b="0" lang="en-US" sz="1800" spc="-1" strike="noStrike">
               <a:latin typeface="Arial"/>
             </a:endParaRPr>
           </a:p>
@@ -3109,12 +3110,12 @@
               <a:buChar char=""/>
             </a:pPr>
             <a:r>
-              <a:rPr b="0" lang="en-US" sz="2000" spc="-1" strike="noStrike">
+              <a:rPr b="0" lang="en-US" sz="1800" spc="-1" strike="noStrike">
                 <a:latin typeface="Arial"/>
               </a:rPr>
               <a:t>Fifth Outline Level</a:t>
             </a:r>
-            <a:endParaRPr b="0" lang="en-US" sz="2000" spc="-1" strike="noStrike">
+            <a:endParaRPr b="0" lang="en-US" sz="1800" spc="-1" strike="noStrike">
               <a:latin typeface="Arial"/>
             </a:endParaRPr>
           </a:p>
@@ -3131,12 +3132,12 @@
               <a:buChar char=""/>
             </a:pPr>
             <a:r>
-              <a:rPr b="0" lang="en-US" sz="2000" spc="-1" strike="noStrike">
+              <a:rPr b="0" lang="en-US" sz="1800" spc="-1" strike="noStrike">
                 <a:latin typeface="Arial"/>
               </a:rPr>
               <a:t>Sixth Outline Level</a:t>
             </a:r>
-            <a:endParaRPr b="0" lang="en-US" sz="2000" spc="-1" strike="noStrike">
+            <a:endParaRPr b="0" lang="en-US" sz="1800" spc="-1" strike="noStrike">
               <a:latin typeface="Arial"/>
             </a:endParaRPr>
           </a:p>
@@ -3153,12 +3154,12 @@
               <a:buChar char=""/>
             </a:pPr>
             <a:r>
-              <a:rPr b="0" lang="en-US" sz="2000" spc="-1" strike="noStrike">
+              <a:rPr b="0" lang="en-US" sz="1800" spc="-1" strike="noStrike">
                 <a:latin typeface="Arial"/>
               </a:rPr>
               <a:t>Seventh Outline Level</a:t>
             </a:r>
-            <a:endParaRPr b="0" lang="en-US" sz="2000" spc="-1" strike="noStrike">
+            <a:endParaRPr b="0" lang="en-US" sz="1800" spc="-1" strike="noStrike">
               <a:latin typeface="Arial"/>
             </a:endParaRPr>
           </a:p>
@@ -3210,7 +3211,7 @@
         <p:spPr>
           <a:xfrm>
             <a:off x="504000" y="226080"/>
-            <a:ext cx="9071280" cy="946080"/>
+            <a:ext cx="9070920" cy="945720"/>
           </a:xfrm>
           <a:prstGeom prst="rect">
             <a:avLst/>
@@ -3236,7 +3237,11 @@
             </a:pPr>
             <a:r>
               <a:rPr b="0" lang="en-US" sz="4400" spc="-1" strike="noStrike">
-                <a:latin typeface="Arial"/>
+                <a:solidFill>
+                  <a:srgbClr val="000000"/>
+                </a:solidFill>
+                <a:latin typeface="Arial"/>
+                <a:ea typeface="DejaVu Sans"/>
               </a:rPr>
               <a:t>Gazebo</a:t>
             </a:r>
@@ -3255,7 +3260,7 @@
         <p:spPr>
           <a:xfrm>
             <a:off x="504000" y="1326600"/>
-            <a:ext cx="9071280" cy="3287880"/>
+            <a:ext cx="9070920" cy="3287520"/>
           </a:xfrm>
           <a:prstGeom prst="rect">
             <a:avLst/>
@@ -3276,7 +3281,7 @@
             <a:normAutofit/>
           </a:bodyPr>
           <a:p>
-            <a:pPr marL="432000" indent="-323640">
+            <a:pPr marL="432000" indent="-323280">
               <a:lnSpc>
                 <a:spcPct val="100000"/>
               </a:lnSpc>
@@ -3292,7 +3297,11 @@
             </a:pPr>
             <a:r>
               <a:rPr b="0" lang="en-US" sz="3200" spc="-1" strike="noStrike">
-                <a:latin typeface="Arial"/>
+                <a:solidFill>
+                  <a:srgbClr val="000000"/>
+                </a:solidFill>
+                <a:latin typeface="Arial"/>
+                <a:ea typeface="DejaVu Sans"/>
               </a:rPr>
               <a:t>Gazebo adalah software simulasi 3D</a:t>
             </a:r>
@@ -3301,7 +3310,7 @@
             </a:endParaRPr>
           </a:p>
           <a:p>
-            <a:pPr marL="432000" indent="-323640">
+            <a:pPr marL="432000" indent="-323280">
               <a:lnSpc>
                 <a:spcPct val="100000"/>
               </a:lnSpc>
@@ -3317,7 +3326,11 @@
             </a:pPr>
             <a:r>
               <a:rPr b="0" lang="en-US" sz="3200" spc="-1" strike="noStrike">
-                <a:latin typeface="Arial"/>
+                <a:solidFill>
+                  <a:srgbClr val="000000"/>
+                </a:solidFill>
+                <a:latin typeface="Arial"/>
+                <a:ea typeface="DejaVu Sans"/>
               </a:rPr>
               <a:t>Sudah terinstall saat menginstall linux</a:t>
             </a:r>
@@ -3339,7 +3352,7 @@
             </a:endParaRPr>
           </a:p>
           <a:p>
-            <a:pPr marL="432000" indent="-323640">
+            <a:pPr marL="432000" indent="-323280">
               <a:lnSpc>
                 <a:spcPct val="100000"/>
               </a:lnSpc>
@@ -3359,6 +3372,7 @@
                   <a:srgbClr val="000000"/>
                 </a:solidFill>
                 <a:latin typeface="Arial"/>
+                <a:ea typeface="DejaVu Sans"/>
               </a:rPr>
               <a:t>~$</a:t>
             </a:r>
@@ -3368,6 +3382,7 @@
                   <a:srgbClr val="0066b3"/>
                 </a:solidFill>
                 <a:latin typeface="Arial"/>
+                <a:ea typeface="DejaVu Sans"/>
               </a:rPr>
               <a:t> gazebo</a:t>
             </a:r>
@@ -3390,7 +3405,7 @@
         <p:spPr>
           <a:xfrm>
             <a:off x="4001760" y="2651760"/>
-            <a:ext cx="4776120" cy="2686320"/>
+            <a:ext cx="4775760" cy="2685960"/>
           </a:xfrm>
           <a:prstGeom prst="rect">
             <a:avLst/>
@@ -3458,7 +3473,7 @@
         <p:spPr>
           <a:xfrm>
             <a:off x="504000" y="226080"/>
-            <a:ext cx="9071280" cy="946080"/>
+            <a:ext cx="9070920" cy="945720"/>
           </a:xfrm>
           <a:prstGeom prst="rect">
             <a:avLst/>
@@ -3484,7 +3499,11 @@
             </a:pPr>
             <a:r>
               <a:rPr b="0" lang="en-US" sz="4400" spc="-1" strike="noStrike">
-                <a:latin typeface="Arial"/>
+                <a:solidFill>
+                  <a:srgbClr val="000000"/>
+                </a:solidFill>
+                <a:latin typeface="Arial"/>
+                <a:ea typeface="DejaVu Sans"/>
               </a:rPr>
               <a:t>Mavros</a:t>
             </a:r>
@@ -3503,7 +3522,7 @@
         <p:spPr>
           <a:xfrm>
             <a:off x="504000" y="1326600"/>
-            <a:ext cx="9071280" cy="3287880"/>
+            <a:ext cx="9070920" cy="3287520"/>
           </a:xfrm>
           <a:prstGeom prst="rect">
             <a:avLst/>
@@ -3524,7 +3543,7 @@
             <a:normAutofit/>
           </a:bodyPr>
           <a:p>
-            <a:pPr marL="432000" indent="-323640">
+            <a:pPr marL="432000" indent="-323280">
               <a:lnSpc>
                 <a:spcPct val="100000"/>
               </a:lnSpc>
@@ -3540,7 +3559,11 @@
             </a:pPr>
             <a:r>
               <a:rPr b="0" lang="en-US" sz="3200" spc="-1" strike="noStrike">
-                <a:latin typeface="Arial"/>
+                <a:solidFill>
+                  <a:srgbClr val="000000"/>
+                </a:solidFill>
+                <a:latin typeface="Arial"/>
+                <a:ea typeface="DejaVu Sans"/>
               </a:rPr>
               <a:t>Mavros adalah mavlink (protocol komunikasi pixhawk dengan PC) di ros</a:t>
             </a:r>
@@ -3562,7 +3585,7 @@
             </a:endParaRPr>
           </a:p>
           <a:p>
-            <a:pPr marL="432000" indent="-323640">
+            <a:pPr marL="432000" indent="-323280">
               <a:lnSpc>
                 <a:spcPct val="100000"/>
               </a:lnSpc>
@@ -3582,6 +3605,7 @@
                   <a:srgbClr val="000000"/>
                 </a:solidFill>
                 <a:latin typeface="Arial"/>
+                <a:ea typeface="DejaVu Sans"/>
               </a:rPr>
               <a:t>~$</a:t>
             </a:r>
@@ -3591,15 +3615,16 @@
                   <a:srgbClr val="0066b3"/>
                 </a:solidFill>
                 <a:latin typeface="Arial"/>
-              </a:rPr>
-              <a:t> sudo apt-get install ros-kinetic-mavros ros-kinetic-mavros-extras</a:t>
-            </a:r>
-            <a:endParaRPr b="0" lang="en-US" sz="3200" spc="-1" strike="noStrike">
-              <a:latin typeface="Arial"/>
-            </a:endParaRPr>
-          </a:p>
-          <a:p>
-            <a:pPr marL="432000" indent="-323640">
+                <a:ea typeface="DejaVu Sans"/>
+              </a:rPr>
+              <a:t> sudo apt-get install ros-melodic-mavros ros-melodic-mavros-extras</a:t>
+            </a:r>
+            <a:endParaRPr b="0" lang="en-US" sz="3200" spc="-1" strike="noStrike">
+              <a:latin typeface="Arial"/>
+            </a:endParaRPr>
+          </a:p>
+          <a:p>
+            <a:pPr marL="432000" indent="-323280">
               <a:lnSpc>
                 <a:spcPct val="100000"/>
               </a:lnSpc>
@@ -3619,6 +3644,7 @@
                   <a:srgbClr val="000000"/>
                 </a:solidFill>
                 <a:latin typeface="Arial"/>
+                <a:ea typeface="DejaVu Sans"/>
               </a:rPr>
               <a:t>~$</a:t>
             </a:r>
@@ -3628,6 +3654,7 @@
                   <a:srgbClr val="0066b3"/>
                 </a:solidFill>
                 <a:latin typeface="Arial"/>
+                <a:ea typeface="DejaVu Sans"/>
               </a:rPr>
               <a:t> wget https://raw.githubusercontent.com/mavlink/mavros/master/mavros/scripts/install_geographiclib_datasets.sh</a:t>
             </a:r>
@@ -3636,7 +3663,7 @@
             </a:endParaRPr>
           </a:p>
           <a:p>
-            <a:pPr marL="432000" indent="-323640">
+            <a:pPr marL="432000" indent="-323280">
               <a:lnSpc>
                 <a:spcPct val="100000"/>
               </a:lnSpc>
@@ -3675,7 +3702,7 @@
             </a:endParaRPr>
           </a:p>
           <a:p>
-            <a:pPr marL="432000" indent="-323640">
+            <a:pPr marL="432000" indent="-323280">
               <a:lnSpc>
                 <a:spcPct val="100000"/>
               </a:lnSpc>
@@ -3714,7 +3741,7 @@
             </a:endParaRPr>
           </a:p>
           <a:p>
-            <a:pPr marL="432000" indent="-323640">
+            <a:pPr marL="432000" indent="-323280">
               <a:lnSpc>
                 <a:spcPct val="100000"/>
               </a:lnSpc>
@@ -3743,7 +3770,7 @@
             </a:endParaRPr>
           </a:p>
           <a:p>
-            <a:pPr marL="432000" indent="-323640">
+            <a:pPr marL="432000" indent="-323280">
               <a:lnSpc>
                 <a:spcPct val="100000"/>
               </a:lnSpc>
@@ -3795,7 +3822,7 @@
             </a:endParaRPr>
           </a:p>
           <a:p>
-            <a:pPr marL="432000" indent="-323640">
+            <a:pPr marL="432000" indent="-323280">
               <a:lnSpc>
                 <a:spcPct val="100000"/>
               </a:lnSpc>
@@ -3883,7 +3910,7 @@
         <p:spPr>
           <a:xfrm>
             <a:off x="504000" y="226080"/>
-            <a:ext cx="9071280" cy="946080"/>
+            <a:ext cx="9070920" cy="945720"/>
           </a:xfrm>
           <a:prstGeom prst="rect">
             <a:avLst/>
@@ -3909,7 +3936,11 @@
             </a:pPr>
             <a:r>
               <a:rPr b="0" lang="en-US" sz="4400" spc="-1" strike="noStrike">
-                <a:latin typeface="Arial"/>
+                <a:solidFill>
+                  <a:srgbClr val="000000"/>
+                </a:solidFill>
+                <a:latin typeface="Arial"/>
+                <a:ea typeface="DejaVu Sans"/>
               </a:rPr>
               <a:t>PX4 Firmware</a:t>
             </a:r>
@@ -3928,7 +3959,7 @@
         <p:spPr>
           <a:xfrm>
             <a:off x="504000" y="1326600"/>
-            <a:ext cx="9071280" cy="3287880"/>
+            <a:ext cx="9070920" cy="3287520"/>
           </a:xfrm>
           <a:prstGeom prst="rect">
             <a:avLst/>
@@ -3949,7 +3980,7 @@
             <a:normAutofit/>
           </a:bodyPr>
           <a:p>
-            <a:pPr marL="432000" indent="-323640">
+            <a:pPr marL="432000" indent="-323280">
               <a:lnSpc>
                 <a:spcPct val="100000"/>
               </a:lnSpc>
@@ -3965,7 +3996,11 @@
             </a:pPr>
             <a:r>
               <a:rPr b="0" lang="en-US" sz="3200" spc="-1" strike="noStrike">
-                <a:latin typeface="Arial"/>
+                <a:solidFill>
+                  <a:srgbClr val="000000"/>
+                </a:solidFill>
+                <a:latin typeface="Arial"/>
+                <a:ea typeface="DejaVu Sans"/>
               </a:rPr>
               <a:t>~$ </a:t>
             </a:r>
@@ -3975,6 +4010,7 @@
                   <a:srgbClr val="0066b3"/>
                 </a:solidFill>
                 <a:latin typeface="Arial"/>
+                <a:ea typeface="DejaVu Sans"/>
               </a:rPr>
               <a:t>git clone </a:t>
             </a:r>
@@ -3985,6 +4021,7 @@
                 </a:solidFill>
                 <a:uFillTx/>
                 <a:latin typeface="Arial"/>
+                <a:ea typeface="DejaVu Sans"/>
                 <a:hlinkClick r:id="rId1"/>
               </a:rPr>
               <a:t>https://github.com/PX4/Firmware.git</a:t>
@@ -3994,7 +4031,7 @@
             </a:endParaRPr>
           </a:p>
           <a:p>
-            <a:pPr marL="432000" indent="-323640">
+            <a:pPr marL="432000" indent="-323280">
               <a:lnSpc>
                 <a:spcPct val="100000"/>
               </a:lnSpc>
@@ -4014,6 +4051,7 @@
                   <a:srgbClr val="0000ff"/>
                 </a:solidFill>
                 <a:latin typeface="Arial"/>
+                <a:ea typeface="DejaVu Sans"/>
               </a:rPr>
               <a:t>~$ </a:t>
             </a:r>
@@ -4023,6 +4061,7 @@
                   <a:srgbClr val="0066b3"/>
                 </a:solidFill>
                 <a:latin typeface="Arial"/>
+                <a:ea typeface="DejaVu Sans"/>
               </a:rPr>
               <a:t>cd Firmware</a:t>
             </a:r>
@@ -4031,7 +4070,7 @@
             </a:endParaRPr>
           </a:p>
           <a:p>
-            <a:pPr marL="432000" indent="-323640">
+            <a:pPr marL="432000" indent="-323280">
               <a:lnSpc>
                 <a:spcPct val="100000"/>
               </a:lnSpc>
@@ -4051,6 +4090,7 @@
                   <a:srgbClr val="0066b3"/>
                 </a:solidFill>
                 <a:latin typeface="Arial"/>
+                <a:ea typeface="DejaVu Sans"/>
               </a:rPr>
               <a:t>~/Firmware $ make</a:t>
             </a:r>
@@ -4059,7 +4099,7 @@
             </a:endParaRPr>
           </a:p>
           <a:p>
-            <a:pPr marL="432000" indent="-323640">
+            <a:pPr marL="432000" indent="-323280">
               <a:lnSpc>
                 <a:spcPct val="100000"/>
               </a:lnSpc>
@@ -4079,6 +4119,7 @@
                   <a:srgbClr val="0066b3"/>
                 </a:solidFill>
                 <a:latin typeface="Arial"/>
+                <a:ea typeface="DejaVu Sans"/>
               </a:rPr>
               <a:t>jalankan wahana (case drone)</a:t>
             </a:r>
@@ -4087,7 +4128,7 @@
             </a:endParaRPr>
           </a:p>
           <a:p>
-            <a:pPr marL="432000" indent="-323640">
+            <a:pPr marL="432000" indent="-323280">
               <a:lnSpc>
                 <a:spcPct val="100000"/>
               </a:lnSpc>
@@ -4107,6 +4148,7 @@
                   <a:srgbClr val="0066b3"/>
                 </a:solidFill>
                 <a:latin typeface="Arial"/>
+                <a:ea typeface="DejaVu Sans"/>
               </a:rPr>
               <a:t>~/Firmware $ make px4_sitl gazebo_solo</a:t>
             </a:r>
@@ -4174,7 +4216,7 @@
         <p:spPr>
           <a:xfrm>
             <a:off x="504000" y="226080"/>
-            <a:ext cx="9071280" cy="946080"/>
+            <a:ext cx="9070920" cy="945720"/>
           </a:xfrm>
           <a:prstGeom prst="rect">
             <a:avLst/>
@@ -4200,7 +4242,11 @@
             </a:pPr>
             <a:r>
               <a:rPr b="0" lang="en-US" sz="4400" spc="-1" strike="noStrike">
-                <a:latin typeface="Arial"/>
+                <a:solidFill>
+                  <a:srgbClr val="000000"/>
+                </a:solidFill>
+                <a:latin typeface="Arial"/>
+                <a:ea typeface="DejaVu Sans"/>
               </a:rPr>
               <a:t>gazebo</a:t>
             </a:r>
@@ -4219,7 +4265,7 @@
         <p:spPr>
           <a:xfrm>
             <a:off x="504000" y="1326600"/>
-            <a:ext cx="9071280" cy="3287880"/>
+            <a:ext cx="9070920" cy="3287520"/>
           </a:xfrm>
           <a:prstGeom prst="rect">
             <a:avLst/>
@@ -4249,7 +4295,7 @@
         <p:spPr>
           <a:xfrm>
             <a:off x="1363320" y="984240"/>
-            <a:ext cx="7368480" cy="4883760"/>
+            <a:ext cx="7368120" cy="4883400"/>
           </a:xfrm>
           <a:prstGeom prst="rect">
             <a:avLst/>
@@ -4317,7 +4363,7 @@
         <p:spPr>
           <a:xfrm>
             <a:off x="504000" y="226080"/>
-            <a:ext cx="9071280" cy="946080"/>
+            <a:ext cx="9070920" cy="945720"/>
           </a:xfrm>
           <a:prstGeom prst="rect">
             <a:avLst/>
@@ -4343,7 +4389,11 @@
             </a:pPr>
             <a:r>
               <a:rPr b="0" lang="en-US" sz="4400" spc="-1" strike="noStrike">
-                <a:latin typeface="Arial"/>
+                <a:solidFill>
+                  <a:srgbClr val="000000"/>
+                </a:solidFill>
+                <a:latin typeface="Arial"/>
+                <a:ea typeface="DejaVu Sans"/>
               </a:rPr>
               <a:t>Cara menjalankan</a:t>
             </a:r>
@@ -4362,7 +4412,7 @@
         <p:spPr>
           <a:xfrm>
             <a:off x="504000" y="1326600"/>
-            <a:ext cx="9071280" cy="3287880"/>
+            <a:ext cx="9070920" cy="3287520"/>
           </a:xfrm>
           <a:prstGeom prst="rect">
             <a:avLst/>
@@ -4383,7 +4433,7 @@
             <a:normAutofit/>
           </a:bodyPr>
           <a:p>
-            <a:pPr marL="432000" indent="-323640">
+            <a:pPr marL="432000" indent="-323280">
               <a:lnSpc>
                 <a:spcPct val="100000"/>
               </a:lnSpc>
@@ -4399,7 +4449,11 @@
             </a:pPr>
             <a:r>
               <a:rPr b="0" lang="en-US" sz="3200" spc="-1" strike="noStrike">
-                <a:latin typeface="Arial"/>
+                <a:solidFill>
+                  <a:srgbClr val="000000"/>
+                </a:solidFill>
+                <a:latin typeface="Arial"/>
+                <a:ea typeface="DejaVu Sans"/>
               </a:rPr>
               <a:t>Terminal 1, buka gazebo px4</a:t>
             </a:r>
@@ -4408,7 +4462,7 @@
             </a:endParaRPr>
           </a:p>
           <a:p>
-            <a:pPr marL="432000" indent="-323640">
+            <a:pPr marL="432000" indent="-323280">
               <a:lnSpc>
                 <a:spcPct val="100000"/>
               </a:lnSpc>
@@ -4424,7 +4478,11 @@
             </a:pPr>
             <a:r>
               <a:rPr b="0" lang="en-US" sz="3200" spc="-1" strike="noStrike">
-                <a:latin typeface="Arial"/>
+                <a:solidFill>
+                  <a:srgbClr val="000000"/>
+                </a:solidFill>
+                <a:latin typeface="Arial"/>
+                <a:ea typeface="DejaVu Sans"/>
               </a:rPr>
               <a:t>~$ cd Firmware</a:t>
             </a:r>
@@ -4433,7 +4491,7 @@
             </a:endParaRPr>
           </a:p>
           <a:p>
-            <a:pPr marL="432000" indent="-323640">
+            <a:pPr marL="432000" indent="-323280">
               <a:lnSpc>
                 <a:spcPct val="100000"/>
               </a:lnSpc>
@@ -4449,7 +4507,11 @@
             </a:pPr>
             <a:r>
               <a:rPr b="0" lang="en-US" sz="3200" spc="-1" strike="noStrike">
-                <a:latin typeface="Arial"/>
+                <a:solidFill>
+                  <a:srgbClr val="000000"/>
+                </a:solidFill>
+                <a:latin typeface="Arial"/>
+                <a:ea typeface="DejaVu Sans"/>
               </a:rPr>
               <a:t>~/Firmware $ </a:t>
             </a:r>
@@ -4459,6 +4521,7 @@
                   <a:srgbClr val="0066b3"/>
                 </a:solidFill>
                 <a:latin typeface="Arial"/>
+                <a:ea typeface="DejaVu Sans"/>
               </a:rPr>
               <a:t>make px4_sitl gazebo_solo</a:t>
             </a:r>
@@ -4526,7 +4589,7 @@
         <p:spPr>
           <a:xfrm>
             <a:off x="504000" y="226080"/>
-            <a:ext cx="9071280" cy="946080"/>
+            <a:ext cx="9070920" cy="945720"/>
           </a:xfrm>
           <a:prstGeom prst="rect">
             <a:avLst/>
@@ -4552,7 +4615,11 @@
             </a:pPr>
             <a:r>
               <a:rPr b="0" lang="en-US" sz="4400" spc="-1" strike="noStrike">
-                <a:latin typeface="Arial"/>
+                <a:solidFill>
+                  <a:srgbClr val="000000"/>
+                </a:solidFill>
+                <a:latin typeface="Arial"/>
+                <a:ea typeface="DejaVu Sans"/>
               </a:rPr>
               <a:t>Cara menjalankan</a:t>
             </a:r>
@@ -4571,7 +4638,7 @@
         <p:spPr>
           <a:xfrm>
             <a:off x="529560" y="1375200"/>
-            <a:ext cx="9071280" cy="3287880"/>
+            <a:ext cx="9070920" cy="3287520"/>
           </a:xfrm>
           <a:prstGeom prst="rect">
             <a:avLst/>
@@ -4592,7 +4659,7 @@
             <a:normAutofit/>
           </a:bodyPr>
           <a:p>
-            <a:pPr marL="432000" indent="-323640">
+            <a:pPr marL="432000" indent="-323280">
               <a:lnSpc>
                 <a:spcPct val="100000"/>
               </a:lnSpc>
@@ -4608,7 +4675,11 @@
             </a:pPr>
             <a:r>
               <a:rPr b="0" lang="en-US" sz="3200" spc="-1" strike="noStrike">
-                <a:latin typeface="Arial"/>
+                <a:solidFill>
+                  <a:srgbClr val="000000"/>
+                </a:solidFill>
+                <a:latin typeface="Arial"/>
+                <a:ea typeface="DejaVu Sans"/>
               </a:rPr>
               <a:t>Terminal 2, jalankan mavros</a:t>
             </a:r>
@@ -4617,7 +4688,7 @@
             </a:endParaRPr>
           </a:p>
           <a:p>
-            <a:pPr marL="432000" indent="-323640">
+            <a:pPr marL="432000" indent="-323280">
               <a:lnSpc>
                 <a:spcPct val="100000"/>
               </a:lnSpc>
@@ -4633,7 +4704,11 @@
             </a:pPr>
             <a:r>
               <a:rPr b="0" lang="en-US" sz="3200" spc="-1" strike="noStrike">
-                <a:latin typeface="Arial"/>
+                <a:solidFill>
+                  <a:srgbClr val="000000"/>
+                </a:solidFill>
+                <a:latin typeface="Arial"/>
+                <a:ea typeface="DejaVu Sans"/>
               </a:rPr>
               <a:t>~$ </a:t>
             </a:r>
@@ -4643,47 +4718,32 @@
                   <a:srgbClr val="0066b3"/>
                 </a:solidFill>
                 <a:latin typeface="Arial"/>
+                <a:ea typeface="DejaVu Sans"/>
               </a:rPr>
               <a:t>roslaunch mavros px4.launch fcu_url:="udp://:</a:t>
             </a:r>
             <a:r>
+              <a:rPr b="0" lang="en-US" sz="3200" spc="-1" strike="noStrike" u="sng">
+                <a:solidFill>
+                  <a:srgbClr val="0000ff"/>
+                </a:solidFill>
+                <a:uFillTx/>
+                <a:latin typeface="Arial"/>
+                <a:ea typeface="DejaVu Sans"/>
+                <a:hlinkClick r:id="rId1"/>
+              </a:rPr>
+              <a:t>14540@127.0.0.1</a:t>
+            </a:r>
+            <a:r>
               <a:rPr b="0" lang="en-US" sz="3200" spc="-1" strike="noStrike">
                 <a:solidFill>
                   <a:srgbClr val="0066b3"/>
                 </a:solidFill>
                 <a:latin typeface="Arial"/>
-                <a:hlinkClick r:id="rId1"/>
-              </a:rPr>
-              <a:t>14540@127.0.0.1</a:t>
-            </a:r>
-            <a:r>
-              <a:rPr b="0" lang="en-US" sz="3200" spc="-1" strike="noStrike">
-                <a:solidFill>
-                  <a:srgbClr val="0066b3"/>
-                </a:solidFill>
-                <a:latin typeface="Arial"/>
+                <a:ea typeface="DejaVu Sans"/>
               </a:rPr>
               <a:t>:14557"</a:t>
             </a:r>
-            <a:endParaRPr b="0" lang="en-US" sz="3200" spc="-1" strike="noStrike">
-              <a:latin typeface="Arial"/>
-            </a:endParaRPr>
-          </a:p>
-          <a:p>
-            <a:pPr marL="432000" indent="-323640">
-              <a:lnSpc>
-                <a:spcPct val="100000"/>
-              </a:lnSpc>
-              <a:spcBef>
-                <a:spcPts val="1417"/>
-              </a:spcBef>
-              <a:buClr>
-                <a:srgbClr val="000000"/>
-              </a:buClr>
-              <a:buSzPct val="45000"/>
-              <a:buFont typeface="Wingdings" charset="2"/>
-              <a:buChar char=""/>
-            </a:pPr>
             <a:endParaRPr b="0" lang="en-US" sz="3200" spc="-1" strike="noStrike">
               <a:latin typeface="Arial"/>
             </a:endParaRPr>
@@ -4697,12 +4757,26 @@
                 <a:spcPts val="1417"/>
               </a:spcBef>
             </a:pPr>
+            <a:endParaRPr b="0" lang="en-US" sz="3200" spc="-1" strike="noStrike">
+              <a:latin typeface="Arial"/>
+            </a:endParaRPr>
+          </a:p>
+          <a:p>
+            <a:pPr>
+              <a:lnSpc>
+                <a:spcPct val="100000"/>
+              </a:lnSpc>
+              <a:spcBef>
+                <a:spcPts val="1417"/>
+              </a:spcBef>
+            </a:pPr>
             <a:r>
               <a:rPr b="0" lang="en-US" sz="3200" spc="-1" strike="noStrike">
                 <a:solidFill>
                   <a:srgbClr val="0066b3"/>
                 </a:solidFill>
                 <a:latin typeface="Arial"/>
+                <a:ea typeface="DejaVu Sans"/>
               </a:rPr>
               <a:t>ref : https://dev.px4.io/v1.9.0/en/simulation/ros_interface.html</a:t>
             </a:r>
@@ -4770,7 +4844,7 @@
         <p:spPr>
           <a:xfrm>
             <a:off x="504000" y="226080"/>
-            <a:ext cx="9071280" cy="946080"/>
+            <a:ext cx="9070920" cy="945720"/>
           </a:xfrm>
           <a:prstGeom prst="rect">
             <a:avLst/>
@@ -4796,7 +4870,11 @@
             </a:pPr>
             <a:r>
               <a:rPr b="0" lang="en-US" sz="4400" spc="-1" strike="noStrike">
-                <a:latin typeface="Arial"/>
+                <a:solidFill>
+                  <a:srgbClr val="000000"/>
+                </a:solidFill>
+                <a:latin typeface="Arial"/>
+                <a:ea typeface="DejaVu Sans"/>
               </a:rPr>
               <a:t>Cara menjalankan</a:t>
             </a:r>
@@ -4815,7 +4893,7 @@
         <p:spPr>
           <a:xfrm>
             <a:off x="504000" y="1326600"/>
-            <a:ext cx="9071280" cy="3287880"/>
+            <a:ext cx="9070920" cy="3287520"/>
           </a:xfrm>
           <a:prstGeom prst="rect">
             <a:avLst/>
@@ -4836,7 +4914,7 @@
             <a:normAutofit/>
           </a:bodyPr>
           <a:p>
-            <a:pPr marL="432000" indent="-323640">
+            <a:pPr marL="432000" indent="-323280">
               <a:lnSpc>
                 <a:spcPct val="100000"/>
               </a:lnSpc>
@@ -4852,7 +4930,11 @@
             </a:pPr>
             <a:r>
               <a:rPr b="0" lang="en-US" sz="3200" spc="-1" strike="noStrike">
-                <a:latin typeface="Arial"/>
+                <a:solidFill>
+                  <a:srgbClr val="000000"/>
+                </a:solidFill>
+                <a:latin typeface="Arial"/>
+                <a:ea typeface="DejaVu Sans"/>
               </a:rPr>
               <a:t>Terminal 3, copy program gw</a:t>
             </a:r>
@@ -4861,7 +4943,7 @@
             </a:endParaRPr>
           </a:p>
           <a:p>
-            <a:pPr marL="432000" indent="-323640">
+            <a:pPr marL="432000" indent="-323280">
               <a:lnSpc>
                 <a:spcPct val="100000"/>
               </a:lnSpc>
@@ -4877,7 +4959,11 @@
             </a:pPr>
             <a:r>
               <a:rPr b="0" lang="en-US" sz="3200" spc="-1" strike="noStrike">
-                <a:latin typeface="Arial"/>
+                <a:solidFill>
+                  <a:srgbClr val="000000"/>
+                </a:solidFill>
+                <a:latin typeface="Arial"/>
+                <a:ea typeface="DejaVu Sans"/>
               </a:rPr>
               <a:t>~$ </a:t>
             </a:r>
@@ -4887,6 +4973,7 @@
                   <a:srgbClr val="0066b3"/>
                 </a:solidFill>
                 <a:latin typeface="Arial"/>
+                <a:ea typeface="DejaVu Sans"/>
               </a:rPr>
               <a:t>git clone </a:t>
             </a:r>
@@ -4897,6 +4984,7 @@
                 </a:solidFill>
                 <a:uFillTx/>
                 <a:latin typeface="Arial"/>
+                <a:ea typeface="DejaVu Sans"/>
                 <a:hlinkClick r:id="rId1"/>
               </a:rPr>
               <a:t>https://github.com/lp02781/drone_simulation.git</a:t>
@@ -4906,7 +4994,7 @@
             </a:endParaRPr>
           </a:p>
           <a:p>
-            <a:pPr marL="432000" indent="-323640">
+            <a:pPr marL="432000" indent="-323280">
               <a:lnSpc>
                 <a:spcPct val="100000"/>
               </a:lnSpc>
@@ -4926,6 +5014,7 @@
                   <a:srgbClr val="000000"/>
                 </a:solidFill>
                 <a:latin typeface="Arial"/>
+                <a:ea typeface="DejaVu Sans"/>
               </a:rPr>
               <a:t>~$</a:t>
             </a:r>
@@ -4935,6 +5024,7 @@
                   <a:srgbClr val="0066b3"/>
                 </a:solidFill>
                 <a:latin typeface="Arial"/>
+                <a:ea typeface="DejaVu Sans"/>
               </a:rPr>
               <a:t> rm -rf build</a:t>
             </a:r>
@@ -4943,7 +5033,7 @@
             </a:endParaRPr>
           </a:p>
           <a:p>
-            <a:pPr marL="432000" indent="-323640">
+            <a:pPr marL="432000" indent="-323280">
               <a:lnSpc>
                 <a:spcPct val="100000"/>
               </a:lnSpc>
@@ -4963,6 +5053,7 @@
                   <a:srgbClr val="000000"/>
                 </a:solidFill>
                 <a:latin typeface="Arial"/>
+                <a:ea typeface="DejaVu Sans"/>
               </a:rPr>
               <a:t>~$</a:t>
             </a:r>
@@ -4972,6 +5063,7 @@
                   <a:srgbClr val="0066b3"/>
                 </a:solidFill>
                 <a:latin typeface="Arial"/>
+                <a:ea typeface="DejaVu Sans"/>
               </a:rPr>
               <a:t> catkin_make</a:t>
             </a:r>
@@ -4982,6 +5074,7 @@
                   <a:srgbClr val="000000"/>
                 </a:solidFill>
                 <a:latin typeface="Arial"/>
+                <a:ea typeface="DejaVu Sans"/>
               </a:rPr>
               <a:t>~$</a:t>
             </a:r>
@@ -4991,6 +5084,7 @@
                   <a:srgbClr val="0066b3"/>
                 </a:solidFill>
                 <a:latin typeface="Arial"/>
+                <a:ea typeface="DejaVu Sans"/>
               </a:rPr>
               <a:t> source devel/setup.bash</a:t>
             </a:r>
@@ -4999,7 +5093,7 @@
             </a:endParaRPr>
           </a:p>
           <a:p>
-            <a:pPr marL="432000" indent="-323640">
+            <a:pPr marL="432000" indent="-323280">
               <a:lnSpc>
                 <a:spcPct val="100000"/>
               </a:lnSpc>
@@ -5019,6 +5113,7 @@
                   <a:srgbClr val="000000"/>
                 </a:solidFill>
                 <a:latin typeface="Arial"/>
+                <a:ea typeface="DejaVu Sans"/>
               </a:rPr>
               <a:t>~$</a:t>
             </a:r>
@@ -5028,6 +5123,7 @@
                   <a:srgbClr val="0066b3"/>
                 </a:solidFill>
                 <a:latin typeface="Arial"/>
+                <a:ea typeface="DejaVu Sans"/>
               </a:rPr>
               <a:t> roslaunch lucu complete.launch</a:t>
             </a:r>
@@ -5036,7 +5132,7 @@
             </a:endParaRPr>
           </a:p>
           <a:p>
-            <a:pPr marL="432000" indent="-323640">
+            <a:pPr marL="432000" indent="-323280">
               <a:lnSpc>
                 <a:spcPct val="100000"/>
               </a:lnSpc>
@@ -5056,6 +5152,7 @@
                   <a:srgbClr val="000000"/>
                 </a:solidFill>
                 <a:latin typeface="Arial"/>
+                <a:ea typeface="DejaVu Sans"/>
               </a:rPr>
               <a:t>tekan “p” untuk take off</a:t>
             </a:r>
@@ -5064,7 +5161,7 @@
             </a:endParaRPr>
           </a:p>
           <a:p>
-            <a:pPr marL="432000" indent="-323640">
+            <a:pPr marL="432000" indent="-323280">
               <a:lnSpc>
                 <a:spcPct val="100000"/>
               </a:lnSpc>
@@ -5084,6 +5181,7 @@
                   <a:srgbClr val="000000"/>
                 </a:solidFill>
                 <a:latin typeface="Arial"/>
+                <a:ea typeface="DejaVu Sans"/>
               </a:rPr>
               <a:t>tekan “q” untuk data altitude dan compass</a:t>
             </a:r>
@@ -5144,14 +5242,14 @@
       </p:grpSpPr>
       <p:sp>
         <p:nvSpPr>
-          <p:cNvPr id="92" name="TextShape 1"/>
-          <p:cNvSpPr txBox="1"/>
+          <p:cNvPr id="92" name="CustomShape 1"/>
+          <p:cNvSpPr/>
           <p:nvPr/>
         </p:nvSpPr>
         <p:spPr>
           <a:xfrm>
             <a:off x="504000" y="226080"/>
-            <a:ext cx="9071280" cy="946080"/>
+            <a:ext cx="9070920" cy="945720"/>
           </a:xfrm>
           <a:prstGeom prst="rect">
             <a:avLst/>
@@ -5161,26 +5259,23 @@
             <a:noFill/>
           </a:ln>
         </p:spPr>
-        <p:txBody>
-          <a:bodyPr lIns="0" rIns="0" tIns="0" bIns="0" anchor="ctr"/>
-          <a:p>
-            <a:pPr algn="ctr"/>
-            <a:endParaRPr b="0" lang="en-US" sz="4400" spc="-1" strike="noStrike">
-              <a:latin typeface="Arial"/>
-            </a:endParaRPr>
-          </a:p>
-        </p:txBody>
-      </p:sp>
-      <p:sp>
-        <p:nvSpPr>
-          <p:cNvPr id="93" name="TextShape 2"/>
-          <p:cNvSpPr txBox="1"/>
+        <p:style>
+          <a:lnRef idx="0"/>
+          <a:fillRef idx="0"/>
+          <a:effectRef idx="0"/>
+          <a:fontRef idx="minor"/>
+        </p:style>
+      </p:sp>
+      <p:sp>
+        <p:nvSpPr>
+          <p:cNvPr id="93" name="CustomShape 2"/>
+          <p:cNvSpPr/>
           <p:nvPr/>
         </p:nvSpPr>
         <p:spPr>
           <a:xfrm>
             <a:off x="993960" y="1554480"/>
-            <a:ext cx="7582680" cy="3161880"/>
+            <a:ext cx="7582320" cy="3161520"/>
           </a:xfrm>
           <a:prstGeom prst="rect">
             <a:avLst/>
@@ -5190,9 +5285,20 @@
             <a:noFill/>
           </a:ln>
         </p:spPr>
+        <p:style>
+          <a:lnRef idx="0"/>
+          <a:fillRef idx="0"/>
+          <a:effectRef idx="0"/>
+          <a:fontRef idx="minor"/>
+        </p:style>
         <p:txBody>
           <a:bodyPr lIns="90000" rIns="90000" tIns="45000" bIns="45000"/>
           <a:p>
+            <a:pPr>
+              <a:lnSpc>
+                <a:spcPct val="100000"/>
+              </a:lnSpc>
+            </a:pPr>
             <a:r>
               <a:rPr b="0" lang="en-US" sz="1800" spc="-1" strike="noStrike">
                 <a:latin typeface="Arial"/>
@@ -5204,6 +5310,11 @@
             </a:endParaRPr>
           </a:p>
           <a:p>
+            <a:pPr>
+              <a:lnSpc>
+                <a:spcPct val="100000"/>
+              </a:lnSpc>
+            </a:pPr>
             <a:r>
               <a:rPr b="0" lang="en-US" sz="1800" spc="-1" strike="noStrike">
                 <a:latin typeface="Arial"/>
@@ -5215,11 +5326,21 @@
             </a:endParaRPr>
           </a:p>
           <a:p>
+            <a:pPr>
+              <a:lnSpc>
+                <a:spcPct val="100000"/>
+              </a:lnSpc>
+            </a:pPr>
             <a:endParaRPr b="0" lang="en-US" sz="1800" spc="-1" strike="noStrike">
               <a:latin typeface="Arial"/>
             </a:endParaRPr>
           </a:p>
           <a:p>
+            <a:pPr>
+              <a:lnSpc>
+                <a:spcPct val="100000"/>
+              </a:lnSpc>
+            </a:pPr>
             <a:r>
               <a:rPr b="0" lang="en-US" sz="1800" spc="-1" strike="noStrike">
                 <a:latin typeface="Arial"/>
@@ -5240,13 +5361,26 @@
             </a:endParaRPr>
           </a:p>
           <a:p>
+            <a:pPr>
+              <a:lnSpc>
+                <a:spcPct val="100000"/>
+              </a:lnSpc>
+            </a:pPr>
             <a:endParaRPr b="0" lang="en-US" sz="1800" spc="-1" strike="noStrike">
               <a:latin typeface="Arial"/>
             </a:endParaRPr>
           </a:p>
           <a:p>
+            <a:pPr>
+              <a:lnSpc>
+                <a:spcPct val="100000"/>
+              </a:lnSpc>
+            </a:pPr>
             <a:r>
               <a:rPr b="0" lang="en-US" sz="1800" spc="-1" strike="noStrike">
+                <a:solidFill>
+                  <a:srgbClr val="0066b3"/>
+                </a:solidFill>
                 <a:latin typeface="Arial"/>
               </a:rPr>
               <a:t>Ref message:</a:t>
@@ -5256,25 +5390,44 @@
             </a:endParaRPr>
           </a:p>
           <a:p>
+            <a:pPr>
+              <a:lnSpc>
+                <a:spcPct val="100000"/>
+              </a:lnSpc>
+            </a:pPr>
             <a:endParaRPr b="0" lang="en-US" sz="1800" spc="-1" strike="noStrike">
               <a:latin typeface="Arial"/>
             </a:endParaRPr>
           </a:p>
           <a:p>
+            <a:pPr>
+              <a:lnSpc>
+                <a:spcPct val="100000"/>
+              </a:lnSpc>
+            </a:pPr>
             <a:r>
               <a:rPr b="0" lang="en-US" sz="1800" spc="-1" strike="noStrike">
+                <a:solidFill>
+                  <a:srgbClr val="0066b3"/>
+                </a:solidFill>
                 <a:latin typeface="Arial"/>
               </a:rPr>
               <a:t>Mavros_msgs </a:t>
             </a:r>
             <a:r>
               <a:rPr b="0" lang="en-US" sz="1800" spc="-1" strike="noStrike">
+                <a:solidFill>
+                  <a:srgbClr val="0066b3"/>
+                </a:solidFill>
                 <a:latin typeface="Arial"/>
               </a:rPr>
               <a:t>	</a:t>
             </a:r>
             <a:r>
               <a:rPr b="0" lang="en-US" sz="1800" spc="-1" strike="noStrike">
+                <a:solidFill>
+                  <a:srgbClr val="0066b3"/>
+                </a:solidFill>
                 <a:latin typeface="Arial"/>
               </a:rPr>
               <a:t>: http://wiki.ros.org/mavros_msgs</a:t>
@@ -5284,26 +5437,43 @@
             </a:endParaRPr>
           </a:p>
           <a:p>
+            <a:pPr>
+              <a:lnSpc>
+                <a:spcPct val="100000"/>
+              </a:lnSpc>
+            </a:pPr>
             <a:r>
               <a:rPr b="0" lang="en-US" sz="1800" spc="-1" strike="noStrike">
+                <a:solidFill>
+                  <a:srgbClr val="0066b3"/>
+                </a:solidFill>
                 <a:latin typeface="Arial"/>
               </a:rPr>
               <a:t>std_msgs</a:t>
             </a:r>
             <a:r>
               <a:rPr b="0" lang="en-US" sz="1800" spc="-1" strike="noStrike">
+                <a:solidFill>
+                  <a:srgbClr val="0066b3"/>
+                </a:solidFill>
                 <a:latin typeface="Arial"/>
               </a:rPr>
               <a:t>	</a:t>
             </a:r>
             <a:r>
               <a:rPr b="0" lang="en-US" sz="1800" spc="-1" strike="noStrike">
+                <a:solidFill>
+                  <a:srgbClr val="0066b3"/>
+                </a:solidFill>
                 <a:latin typeface="Arial"/>
               </a:rPr>
               <a:t>	</a:t>
             </a:r>
             <a:r>
               <a:rPr b="0" lang="en-US" sz="1800" spc="-1" strike="noStrike">
+                <a:solidFill>
+                  <a:srgbClr val="0066b3"/>
+                </a:solidFill>
                 <a:latin typeface="Arial"/>
               </a:rPr>
               <a:t>: http://wiki.ros.org/std_msgs</a:t>
@@ -5313,43 +5483,74 @@
             </a:endParaRPr>
           </a:p>
           <a:p>
+            <a:pPr>
+              <a:lnSpc>
+                <a:spcPct val="100000"/>
+              </a:lnSpc>
+            </a:pPr>
             <a:r>
               <a:rPr b="0" lang="en-US" sz="1800" spc="-1" strike="noStrike">
+                <a:solidFill>
+                  <a:srgbClr val="0066b3"/>
+                </a:solidFill>
                 <a:latin typeface="Arial"/>
               </a:rPr>
               <a:t>sensor_msgs </a:t>
             </a:r>
             <a:r>
               <a:rPr b="0" lang="en-US" sz="1800" spc="-1" strike="noStrike">
+                <a:solidFill>
+                  <a:srgbClr val="0066b3"/>
+                </a:solidFill>
                 <a:latin typeface="Arial"/>
               </a:rPr>
               <a:t>	</a:t>
             </a:r>
             <a:r>
               <a:rPr b="0" lang="en-US" sz="1800" spc="-1" strike="noStrike">
+                <a:solidFill>
+                  <a:srgbClr val="0066b3"/>
+                </a:solidFill>
                 <a:latin typeface="Arial"/>
               </a:rPr>
               <a:t>: </a:t>
             </a:r>
             <a:r>
+              <a:rPr b="0" lang="en-US" sz="1800" spc="-1" strike="noStrike" u="sng">
+                <a:solidFill>
+                  <a:srgbClr val="0000ff"/>
+                </a:solidFill>
+                <a:uFillTx/>
+                <a:latin typeface="Arial"/>
+                <a:hlinkClick r:id="rId1"/>
+              </a:rPr>
+              <a:t>https://wiki.ros.org/sensor_msgs</a:t>
+            </a:r>
+            <a:endParaRPr b="0" lang="en-US" sz="1800" spc="-1" strike="noStrike">
+              <a:latin typeface="Arial"/>
+            </a:endParaRPr>
+          </a:p>
+          <a:p>
+            <a:pPr>
+              <a:lnSpc>
+                <a:spcPct val="100000"/>
+              </a:lnSpc>
+            </a:pPr>
+            <a:endParaRPr b="0" lang="en-US" sz="1800" spc="-1" strike="noStrike">
+              <a:latin typeface="Arial"/>
+            </a:endParaRPr>
+          </a:p>
+          <a:p>
+            <a:pPr>
+              <a:lnSpc>
+                <a:spcPct val="100000"/>
+              </a:lnSpc>
+            </a:pPr>
+            <a:r>
               <a:rPr b="0" lang="en-US" sz="1800" spc="-1" strike="noStrike">
-                <a:latin typeface="Arial"/>
-                <a:hlinkClick r:id="rId1"/>
-              </a:rPr>
-              <a:t>https://wiki.ros.org/sensor_msgs</a:t>
-            </a:r>
-            <a:endParaRPr b="0" lang="en-US" sz="1800" spc="-1" strike="noStrike">
-              <a:latin typeface="Arial"/>
-            </a:endParaRPr>
-          </a:p>
-          <a:p>
-            <a:endParaRPr b="0" lang="en-US" sz="1800" spc="-1" strike="noStrike">
-              <a:latin typeface="Arial"/>
-            </a:endParaRPr>
-          </a:p>
-          <a:p>
-            <a:r>
-              <a:rPr b="0" lang="en-US" sz="1800" spc="-1" strike="noStrike">
+                <a:solidFill>
+                  <a:srgbClr val="0000ff"/>
+                </a:solidFill>
                 <a:latin typeface="Arial"/>
               </a:rPr>
               <a:t>Custom messages : http://wiki.ros.org/ROS/Tutorials/CreatingMsgAndSrv</a:t>
